--- a/week5/ppt文档/[prd-03,31501311]项目计划ppt.pptx
+++ b/week5/ppt文档/[prd-03,31501311]项目计划ppt.pptx
@@ -10,12 +10,12 @@
   <p:sldIdLst>
     <p:sldId id="256" r:id="rId6"/>
     <p:sldId id="313" r:id="rId7"/>
-    <p:sldId id="259" r:id="rId8"/>
-    <p:sldId id="314" r:id="rId9"/>
-    <p:sldId id="278" r:id="rId10"/>
-    <p:sldId id="280" r:id="rId11"/>
-    <p:sldId id="261" r:id="rId12"/>
-    <p:sldId id="281" r:id="rId13"/>
+    <p:sldId id="350" r:id="rId8"/>
+    <p:sldId id="259" r:id="rId9"/>
+    <p:sldId id="314" r:id="rId10"/>
+    <p:sldId id="278" r:id="rId11"/>
+    <p:sldId id="280" r:id="rId12"/>
+    <p:sldId id="261" r:id="rId13"/>
     <p:sldId id="282" r:id="rId14"/>
     <p:sldId id="283" r:id="rId15"/>
     <p:sldId id="263" r:id="rId16"/>
@@ -34,13 +34,19 @@
     <p:sldId id="321" r:id="rId29"/>
     <p:sldId id="297" r:id="rId30"/>
     <p:sldId id="303" r:id="rId31"/>
-    <p:sldId id="298" r:id="rId32"/>
-    <p:sldId id="306" r:id="rId33"/>
-    <p:sldId id="299" r:id="rId34"/>
-    <p:sldId id="307" r:id="rId35"/>
-    <p:sldId id="300" r:id="rId36"/>
-    <p:sldId id="308" r:id="rId37"/>
-    <p:sldId id="258" r:id="rId38"/>
+    <p:sldId id="345" r:id="rId32"/>
+    <p:sldId id="348" r:id="rId33"/>
+    <p:sldId id="349" r:id="rId34"/>
+    <p:sldId id="298" r:id="rId35"/>
+    <p:sldId id="306" r:id="rId36"/>
+    <p:sldId id="299" r:id="rId37"/>
+    <p:sldId id="307" r:id="rId38"/>
+    <p:sldId id="351" r:id="rId39"/>
+    <p:sldId id="300" r:id="rId40"/>
+    <p:sldId id="308" r:id="rId41"/>
+    <p:sldId id="346" r:id="rId42"/>
+    <p:sldId id="347" r:id="rId43"/>
+    <p:sldId id="258" r:id="rId44"/>
   </p:sldIdLst>
   <p:sldSz cx="12192000" cy="6858000"/>
   <p:notesSz cx="6858000" cy="9144000"/>
@@ -25471,7 +25477,7 @@
         <p:spPr>
           <a:xfrm>
             <a:off x="2371090" y="432435"/>
-            <a:ext cx="8034655" cy="3969385"/>
+            <a:ext cx="8034655" cy="4399915"/>
           </a:xfrm>
           <a:prstGeom prst="rect">
             <a:avLst/>
@@ -25534,7 +25540,7 @@
                 </a:solidFill>
                 <a:sym typeface="+mn-ea"/>
               </a:rPr>
-              <a:t>1)一共5人，每人每</a:t>
+              <a:t>1)一共5人，每人</a:t>
             </a:r>
             <a:r>
               <a:rPr lang="zh-CN" altLang="en-US" sz="2800" b="1">
@@ -25543,7 +25549,7 @@
                 </a:solidFill>
                 <a:sym typeface="+mn-ea"/>
               </a:rPr>
-              <a:t>天</a:t>
+              <a:t>周一到周五</a:t>
             </a:r>
             <a:r>
               <a:rPr lang="en-US" altLang="zh-CN" sz="2800" b="1">
@@ -25552,7 +25558,33 @@
                 </a:solidFill>
                 <a:sym typeface="+mn-ea"/>
               </a:rPr>
-              <a:t>一小时。</a:t>
+              <a:t>21:00-22:00。</a:t>
+            </a:r>
+            <a:endParaRPr lang="en-US" altLang="zh-CN" sz="2800" b="1">
+              <a:solidFill>
+                <a:schemeClr val="bg1"/>
+              </a:solidFill>
+              <a:sym typeface="+mn-ea"/>
+            </a:endParaRPr>
+          </a:p>
+          <a:p>
+            <a:r>
+              <a:rPr lang="zh-CN" altLang="en-US" sz="2800" b="1">
+                <a:solidFill>
+                  <a:schemeClr val="bg1"/>
+                </a:solidFill>
+                <a:sym typeface="+mn-ea"/>
+              </a:rPr>
+              <a:t>周末工作时间为</a:t>
+            </a:r>
+            <a:r>
+              <a:rPr lang="en-US" altLang="zh-CN" sz="2800" b="1">
+                <a:solidFill>
+                  <a:schemeClr val="bg1"/>
+                </a:solidFill>
+                <a:sym typeface="+mn-ea"/>
+              </a:rPr>
+              <a:t>21:00-23:00.</a:t>
             </a:r>
             <a:endParaRPr lang="en-US" altLang="zh-CN" sz="2800" b="1">
               <a:solidFill>
@@ -25672,6 +25704,3402 @@
 </file>
 
 <file path=ppt/slides/slide27.xml><?xml version="1.0" encoding="utf-8"?>
+<p:sld xmlns:a="http://schemas.openxmlformats.org/drawingml/2006/main" xmlns:r="http://schemas.openxmlformats.org/officeDocument/2006/relationships" xmlns:p="http://schemas.openxmlformats.org/presentationml/2006/main">
+  <p:cSld>
+    <p:spTree>
+      <p:nvGrpSpPr>
+        <p:cNvPr id="1" name=""/>
+        <p:cNvGrpSpPr/>
+        <p:nvPr/>
+      </p:nvGrpSpPr>
+      <p:grpSpPr/>
+      <p:graphicFrame>
+        <p:nvGraphicFramePr>
+          <p:cNvPr id="2" name="对象 1"/>
+          <p:cNvGraphicFramePr/>
+          <p:nvPr/>
+        </p:nvGraphicFramePr>
+        <p:xfrm>
+          <a:off x="2794635" y="999490"/>
+          <a:ext cx="6083935" cy="5165725"/>
+        </p:xfrm>
+        <a:graphic>
+          <a:graphicData uri="http://schemas.openxmlformats.org/presentationml/2006/ole">
+            <mc:AlternateContent xmlns:mc="http://schemas.openxmlformats.org/markup-compatibility/2006">
+              <mc:Choice xmlns:v="urn:schemas-microsoft-com:vml" Requires="v">
+                <p:oleObj spid="_x0000_s3" name="" r:id="rId1" imgW="5273040" imgH="4549140" progId="Paint.Picture">
+                  <p:embed/>
+                </p:oleObj>
+              </mc:Choice>
+              <mc:Fallback>
+                <p:oleObj name="" r:id="rId1" imgW="5273040" imgH="4549140" progId="Paint.Picture">
+                  <p:embed/>
+                  <p:pic>
+                    <p:nvPicPr>
+                      <p:cNvPr id="0" name="图片 2"/>
+                      <p:cNvPicPr/>
+                      <p:nvPr/>
+                    </p:nvPicPr>
+                    <p:blipFill>
+                      <a:blip r:embed="rId2"/>
+                      <a:stretch>
+                        <a:fillRect/>
+                      </a:stretch>
+                    </p:blipFill>
+                    <p:spPr>
+                      <a:xfrm>
+                        <a:off x="2794635" y="999490"/>
+                        <a:ext cx="6083935" cy="5165725"/>
+                      </a:xfrm>
+                      <a:prstGeom prst="rect">
+                        <a:avLst/>
+                      </a:prstGeom>
+                    </p:spPr>
+                  </p:pic>
+                </p:oleObj>
+              </mc:Fallback>
+            </mc:AlternateContent>
+          </a:graphicData>
+        </a:graphic>
+      </p:graphicFrame>
+    </p:spTree>
+    <p:custDataLst>
+      <p:tags r:id="rId3"/>
+    </p:custDataLst>
+  </p:cSld>
+  <p:clrMapOvr>
+    <a:masterClrMapping/>
+  </p:clrMapOvr>
+</p:sld>
+</file>
+
+<file path=ppt/slides/slide28.xml><?xml version="1.0" encoding="utf-8"?>
+<p:sld xmlns:a="http://schemas.openxmlformats.org/drawingml/2006/main" xmlns:r="http://schemas.openxmlformats.org/officeDocument/2006/relationships" xmlns:p="http://schemas.openxmlformats.org/presentationml/2006/main">
+  <p:cSld>
+    <p:spTree>
+      <p:nvGrpSpPr>
+        <p:cNvPr id="1" name=""/>
+        <p:cNvGrpSpPr/>
+        <p:nvPr/>
+      </p:nvGrpSpPr>
+      <p:grpSpPr/>
+      <p:graphicFrame>
+        <p:nvGraphicFramePr>
+          <p:cNvPr id="4" name="对象 3"/>
+          <p:cNvGraphicFramePr/>
+          <p:nvPr/>
+        </p:nvGraphicFramePr>
+        <p:xfrm>
+          <a:off x="2952750" y="173355"/>
+          <a:ext cx="6113145" cy="6170930"/>
+        </p:xfrm>
+        <a:graphic>
+          <a:graphicData uri="http://schemas.openxmlformats.org/presentationml/2006/ole">
+            <mc:AlternateContent xmlns:mc="http://schemas.openxmlformats.org/markup-compatibility/2006">
+              <mc:Choice xmlns:v="urn:schemas-microsoft-com:vml" Requires="v">
+                <p:oleObj spid="_x0000_s5" name="" r:id="rId1" imgW="5036820" imgH="5402580" progId="Paint.Picture">
+                  <p:embed/>
+                </p:oleObj>
+              </mc:Choice>
+              <mc:Fallback>
+                <p:oleObj name="" r:id="rId1" imgW="5036820" imgH="5402580" progId="Paint.Picture">
+                  <p:embed/>
+                  <p:pic>
+                    <p:nvPicPr>
+                      <p:cNvPr id="0" name="图片 4"/>
+                      <p:cNvPicPr/>
+                      <p:nvPr/>
+                    </p:nvPicPr>
+                    <p:blipFill>
+                      <a:blip r:embed="rId2"/>
+                      <a:stretch>
+                        <a:fillRect/>
+                      </a:stretch>
+                    </p:blipFill>
+                    <p:spPr>
+                      <a:xfrm>
+                        <a:off x="2952750" y="173355"/>
+                        <a:ext cx="6113145" cy="6170930"/>
+                      </a:xfrm>
+                      <a:prstGeom prst="rect">
+                        <a:avLst/>
+                      </a:prstGeom>
+                    </p:spPr>
+                  </p:pic>
+                </p:oleObj>
+              </mc:Fallback>
+            </mc:AlternateContent>
+          </a:graphicData>
+        </a:graphic>
+      </p:graphicFrame>
+    </p:spTree>
+    <p:custDataLst>
+      <p:tags r:id="rId3"/>
+    </p:custDataLst>
+  </p:cSld>
+  <p:clrMapOvr>
+    <a:masterClrMapping/>
+  </p:clrMapOvr>
+</p:sld>
+</file>
+
+<file path=ppt/slides/slide29.xml><?xml version="1.0" encoding="utf-8"?>
+<p:sld xmlns:a="http://schemas.openxmlformats.org/drawingml/2006/main" xmlns:r="http://schemas.openxmlformats.org/officeDocument/2006/relationships" xmlns:p="http://schemas.openxmlformats.org/presentationml/2006/main">
+  <p:cSld>
+    <p:spTree>
+      <p:nvGrpSpPr>
+        <p:cNvPr id="1" name=""/>
+        <p:cNvGrpSpPr/>
+        <p:nvPr/>
+      </p:nvGrpSpPr>
+      <p:grpSpPr/>
+      <p:graphicFrame>
+        <p:nvGraphicFramePr>
+          <p:cNvPr id="6" name="对象 5"/>
+          <p:cNvGraphicFramePr/>
+          <p:nvPr/>
+        </p:nvGraphicFramePr>
+        <p:xfrm>
+          <a:off x="391795" y="1541780"/>
+          <a:ext cx="11252835" cy="4159885"/>
+        </p:xfrm>
+        <a:graphic>
+          <a:graphicData uri="http://schemas.openxmlformats.org/presentationml/2006/ole">
+            <mc:AlternateContent xmlns:mc="http://schemas.openxmlformats.org/markup-compatibility/2006">
+              <mc:Choice xmlns:v="urn:schemas-microsoft-com:vml" Requires="v">
+                <p:oleObj spid="_x0000_s7" name="" r:id="rId1" imgW="9381490" imgH="4747260" progId="Paint.Picture">
+                  <p:embed/>
+                </p:oleObj>
+              </mc:Choice>
+              <mc:Fallback>
+                <p:oleObj name="" r:id="rId1" imgW="9381490" imgH="4747260" progId="Paint.Picture">
+                  <p:embed/>
+                  <p:pic>
+                    <p:nvPicPr>
+                      <p:cNvPr id="0" name="图片 6"/>
+                      <p:cNvPicPr/>
+                      <p:nvPr/>
+                    </p:nvPicPr>
+                    <p:blipFill>
+                      <a:blip r:embed="rId2"/>
+                      <a:stretch>
+                        <a:fillRect/>
+                      </a:stretch>
+                    </p:blipFill>
+                    <p:spPr>
+                      <a:xfrm>
+                        <a:off x="391795" y="1541780"/>
+                        <a:ext cx="11252835" cy="4159885"/>
+                      </a:xfrm>
+                      <a:prstGeom prst="rect">
+                        <a:avLst/>
+                      </a:prstGeom>
+                    </p:spPr>
+                  </p:pic>
+                </p:oleObj>
+              </mc:Fallback>
+            </mc:AlternateContent>
+          </a:graphicData>
+        </a:graphic>
+      </p:graphicFrame>
+    </p:spTree>
+    <p:custDataLst>
+      <p:tags r:id="rId3"/>
+    </p:custDataLst>
+  </p:cSld>
+  <p:clrMapOvr>
+    <a:masterClrMapping/>
+  </p:clrMapOvr>
+</p:sld>
+</file>
+
+<file path=ppt/slides/slide3.xml><?xml version="1.0" encoding="utf-8"?>
+<p:sld xmlns:a="http://schemas.openxmlformats.org/drawingml/2006/main" xmlns:r="http://schemas.openxmlformats.org/officeDocument/2006/relationships" xmlns:p="http://schemas.openxmlformats.org/presentationml/2006/main">
+  <p:cSld>
+    <p:spTree>
+      <p:nvGrpSpPr>
+        <p:cNvPr id="1" name=""/>
+        <p:cNvGrpSpPr/>
+        <p:nvPr/>
+      </p:nvGrpSpPr>
+      <p:grpSpPr>
+        <a:xfrm>
+          <a:off x="0" y="0"/>
+          <a:ext cx="0" cy="0"/>
+          <a:chOff x="0" y="0"/>
+          <a:chExt cx="0" cy="0"/>
+        </a:xfrm>
+      </p:grpSpPr>
+      <p:sp>
+        <p:nvSpPr>
+          <p:cNvPr id="9218" name="直角三角形 70"/>
+          <p:cNvSpPr>
+            <a:spLocks noChangeArrowheads="1"/>
+          </p:cNvSpPr>
+          <p:nvPr/>
+        </p:nvSpPr>
+        <p:spPr bwMode="auto">
+          <a:xfrm>
+            <a:off x="1582738" y="2900363"/>
+            <a:ext cx="3187700" cy="1654175"/>
+          </a:xfrm>
+          <a:custGeom>
+            <a:avLst/>
+            <a:gdLst>
+              <a:gd name="T0" fmla="*/ 0 w 1521225"/>
+              <a:gd name="T1" fmla="*/ 1747540 h 1566800"/>
+              <a:gd name="T2" fmla="*/ 0 w 1521225"/>
+              <a:gd name="T3" fmla="*/ 0 h 1566800"/>
+              <a:gd name="T4" fmla="*/ 6679769 w 1521225"/>
+              <a:gd name="T5" fmla="*/ 1736333 h 1566800"/>
+              <a:gd name="T6" fmla="*/ 0 w 1521225"/>
+              <a:gd name="T7" fmla="*/ 1747540 h 1566800"/>
+              <a:gd name="T8" fmla="*/ 0 60000 65536"/>
+              <a:gd name="T9" fmla="*/ 0 60000 65536"/>
+              <a:gd name="T10" fmla="*/ 0 60000 65536"/>
+              <a:gd name="T11" fmla="*/ 0 60000 65536"/>
+              <a:gd name="T12" fmla="*/ 0 w 1521225"/>
+              <a:gd name="T13" fmla="*/ 0 h 1566800"/>
+              <a:gd name="T14" fmla="*/ 1521225 w 1521225"/>
+              <a:gd name="T15" fmla="*/ 1566800 h 1566800"/>
+            </a:gdLst>
+            <a:ahLst/>
+            <a:cxnLst>
+              <a:cxn ang="T8">
+                <a:pos x="T0" y="T1"/>
+              </a:cxn>
+              <a:cxn ang="T9">
+                <a:pos x="T2" y="T3"/>
+              </a:cxn>
+              <a:cxn ang="T10">
+                <a:pos x="T4" y="T5"/>
+              </a:cxn>
+              <a:cxn ang="T11">
+                <a:pos x="T6" y="T7"/>
+              </a:cxn>
+            </a:cxnLst>
+            <a:rect l="T12" t="T13" r="T14" b="T15"/>
+            <a:pathLst>
+              <a:path w="1521225" h="1566800">
+                <a:moveTo>
+                  <a:pt x="0" y="1566800"/>
+                </a:moveTo>
+                <a:lnTo>
+                  <a:pt x="0" y="0"/>
+                </a:lnTo>
+                <a:lnTo>
+                  <a:pt x="1521225" y="1556752"/>
+                </a:lnTo>
+                <a:lnTo>
+                  <a:pt x="0" y="1566800"/>
+                </a:lnTo>
+                <a:close/>
+              </a:path>
+            </a:pathLst>
+          </a:custGeom>
+          <a:solidFill>
+            <a:srgbClr val="FFFFFF">
+              <a:alpha val="20000"/>
+            </a:srgbClr>
+          </a:solidFill>
+          <a:ln>
+            <a:noFill/>
+          </a:ln>
+          <a:extLst>
+            <a:ext uri="{91240B29-F687-4F45-9708-019B960494DF}">
+              <a14:hiddenLine xmlns:a14="http://schemas.microsoft.com/office/drawing/2010/main" w="25400">
+                <a:solidFill>
+                  <a:srgbClr val="395E8A"/>
+                </a:solidFill>
+                <a:bevel/>
+              </a14:hiddenLine>
+            </a:ext>
+          </a:extLst>
+        </p:spPr>
+        <p:txBody>
+          <a:bodyPr anchor="ctr"/>
+          <a:lstStyle/>
+          <a:p>
+            <a:endParaRPr lang="zh-CN" altLang="en-US"/>
+          </a:p>
+        </p:txBody>
+      </p:sp>
+      <p:sp>
+        <p:nvSpPr>
+          <p:cNvPr id="9219" name="TextBox 12"/>
+          <p:cNvSpPr>
+            <a:spLocks noChangeArrowheads="1"/>
+          </p:cNvSpPr>
+          <p:nvPr/>
+        </p:nvSpPr>
+        <p:spPr bwMode="auto">
+          <a:xfrm>
+            <a:off x="4336098" y="2235518"/>
+            <a:ext cx="4319587" cy="501650"/>
+          </a:xfrm>
+          <a:prstGeom prst="rect">
+            <a:avLst/>
+          </a:prstGeom>
+          <a:noFill/>
+          <a:ln>
+            <a:noFill/>
+          </a:ln>
+          <a:extLst>
+            <a:ext uri="{909E8E84-426E-40DD-AFC4-6F175D3DCCD1}">
+              <a14:hiddenFill xmlns:a14="http://schemas.microsoft.com/office/drawing/2010/main">
+                <a:solidFill>
+                  <a:srgbClr val="FFFFFF"/>
+                </a:solidFill>
+              </a14:hiddenFill>
+            </a:ext>
+            <a:ext uri="{91240B29-F687-4F45-9708-019B960494DF}">
+              <a14:hiddenLine xmlns:a14="http://schemas.microsoft.com/office/drawing/2010/main" w="9525">
+                <a:solidFill>
+                  <a:srgbClr val="000000"/>
+                </a:solidFill>
+                <a:miter lim="800000"/>
+                <a:headEnd/>
+                <a:tailEnd/>
+              </a14:hiddenLine>
+            </a:ext>
+          </a:extLst>
+        </p:spPr>
+        <p:txBody>
+          <a:bodyPr>
+            <a:spAutoFit/>
+          </a:bodyPr>
+          <a:lstStyle/>
+          <a:p>
+            <a:pPr eaLnBrk="1" hangingPunct="1">
+              <a:buFont typeface="Arial" panose="020B0604020202020204" pitchFamily="34" charset="0"/>
+              <a:buNone/>
+              <a:defRPr/>
+            </a:pPr>
+            <a:r>
+              <a:rPr lang="en-US" sz="2665">
+                <a:solidFill>
+                  <a:schemeClr val="bg1"/>
+                </a:solidFill>
+                <a:latin typeface="方正姚体" panose="02010601030101010101" pitchFamily="2" charset="-122"/>
+                <a:ea typeface="方正姚体" panose="02010601030101010101" pitchFamily="2" charset="-122"/>
+                <a:sym typeface="方正姚体" panose="02010601030101010101" pitchFamily="2" charset="-122"/>
+              </a:rPr>
+              <a:t>Part7.</a:t>
+            </a:r>
+            <a:r>
+              <a:rPr lang="zh-CN" altLang="en-US" sz="2665">
+                <a:solidFill>
+                  <a:schemeClr val="bg1"/>
+                </a:solidFill>
+                <a:latin typeface="方正姚体" panose="02010601030101010101" pitchFamily="2" charset="-122"/>
+                <a:ea typeface="方正姚体" panose="02010601030101010101" pitchFamily="2" charset="-122"/>
+                <a:sym typeface="方正姚体" panose="02010601030101010101" pitchFamily="2" charset="-122"/>
+              </a:rPr>
+              <a:t>培训内容</a:t>
+            </a:r>
+            <a:endParaRPr lang="zh-CN" altLang="en-US" sz="2665">
+              <a:solidFill>
+                <a:schemeClr val="bg1"/>
+              </a:solidFill>
+              <a:latin typeface="方正姚体" panose="02010601030101010101" pitchFamily="2" charset="-122"/>
+              <a:ea typeface="方正姚体" panose="02010601030101010101" pitchFamily="2" charset="-122"/>
+              <a:sym typeface="方正姚体" panose="02010601030101010101" pitchFamily="2" charset="-122"/>
+            </a:endParaRPr>
+          </a:p>
+        </p:txBody>
+      </p:sp>
+      <p:sp>
+        <p:nvSpPr>
+          <p:cNvPr id="9220" name="TextBox 13"/>
+          <p:cNvSpPr>
+            <a:spLocks noChangeArrowheads="1"/>
+          </p:cNvSpPr>
+          <p:nvPr/>
+        </p:nvSpPr>
+        <p:spPr bwMode="auto">
+          <a:xfrm>
+            <a:off x="5251133" y="3072765"/>
+            <a:ext cx="4319587" cy="501650"/>
+          </a:xfrm>
+          <a:prstGeom prst="rect">
+            <a:avLst/>
+          </a:prstGeom>
+          <a:noFill/>
+          <a:ln>
+            <a:noFill/>
+          </a:ln>
+          <a:extLst>
+            <a:ext uri="{909E8E84-426E-40DD-AFC4-6F175D3DCCD1}">
+              <a14:hiddenFill xmlns:a14="http://schemas.microsoft.com/office/drawing/2010/main">
+                <a:solidFill>
+                  <a:srgbClr val="FFFFFF"/>
+                </a:solidFill>
+              </a14:hiddenFill>
+            </a:ext>
+            <a:ext uri="{91240B29-F687-4F45-9708-019B960494DF}">
+              <a14:hiddenLine xmlns:a14="http://schemas.microsoft.com/office/drawing/2010/main" w="9525">
+                <a:solidFill>
+                  <a:srgbClr val="000000"/>
+                </a:solidFill>
+                <a:miter lim="800000"/>
+                <a:headEnd/>
+                <a:tailEnd/>
+              </a14:hiddenLine>
+            </a:ext>
+          </a:extLst>
+        </p:spPr>
+        <p:txBody>
+          <a:bodyPr>
+            <a:spAutoFit/>
+          </a:bodyPr>
+          <a:lstStyle/>
+          <a:p>
+            <a:pPr eaLnBrk="1" hangingPunct="1">
+              <a:buFont typeface="Arial" panose="020B0604020202020204" pitchFamily="34" charset="0"/>
+              <a:buNone/>
+              <a:defRPr/>
+            </a:pPr>
+            <a:r>
+              <a:rPr lang="en-US" sz="2665">
+                <a:solidFill>
+                  <a:schemeClr val="bg1"/>
+                </a:solidFill>
+                <a:latin typeface="方正姚体" panose="02010601030101010101" pitchFamily="2" charset="-122"/>
+                <a:ea typeface="方正姚体" panose="02010601030101010101" pitchFamily="2" charset="-122"/>
+                <a:sym typeface="方正姚体" panose="02010601030101010101" pitchFamily="2" charset="-122"/>
+              </a:rPr>
+              <a:t>Part8.  </a:t>
+            </a:r>
+            <a:r>
+              <a:rPr lang="zh-CN" altLang="en-US" sz="2665">
+                <a:solidFill>
+                  <a:schemeClr val="bg1"/>
+                </a:solidFill>
+                <a:latin typeface="方正姚体" panose="02010601030101010101" pitchFamily="2" charset="-122"/>
+                <a:ea typeface="方正姚体" panose="02010601030101010101" pitchFamily="2" charset="-122"/>
+                <a:sym typeface="方正姚体" panose="02010601030101010101" pitchFamily="2" charset="-122"/>
+              </a:rPr>
+              <a:t>项目估算</a:t>
+            </a:r>
+            <a:endParaRPr lang="zh-CN" altLang="en-US" sz="2665">
+              <a:solidFill>
+                <a:schemeClr val="bg1"/>
+              </a:solidFill>
+              <a:latin typeface="方正姚体" panose="02010601030101010101" pitchFamily="2" charset="-122"/>
+              <a:ea typeface="方正姚体" panose="02010601030101010101" pitchFamily="2" charset="-122"/>
+              <a:sym typeface="方正姚体" panose="02010601030101010101" pitchFamily="2" charset="-122"/>
+            </a:endParaRPr>
+          </a:p>
+        </p:txBody>
+      </p:sp>
+      <p:sp>
+        <p:nvSpPr>
+          <p:cNvPr id="9221" name="TextBox 14"/>
+          <p:cNvSpPr>
+            <a:spLocks noChangeArrowheads="1"/>
+          </p:cNvSpPr>
+          <p:nvPr/>
+        </p:nvSpPr>
+        <p:spPr bwMode="auto">
+          <a:xfrm>
+            <a:off x="6044248" y="3795395"/>
+            <a:ext cx="4319587" cy="501650"/>
+          </a:xfrm>
+          <a:prstGeom prst="rect">
+            <a:avLst/>
+          </a:prstGeom>
+          <a:noFill/>
+          <a:ln>
+            <a:noFill/>
+          </a:ln>
+          <a:extLst>
+            <a:ext uri="{909E8E84-426E-40DD-AFC4-6F175D3DCCD1}">
+              <a14:hiddenFill xmlns:a14="http://schemas.microsoft.com/office/drawing/2010/main">
+                <a:solidFill>
+                  <a:srgbClr val="FFFFFF"/>
+                </a:solidFill>
+              </a14:hiddenFill>
+            </a:ext>
+            <a:ext uri="{91240B29-F687-4F45-9708-019B960494DF}">
+              <a14:hiddenLine xmlns:a14="http://schemas.microsoft.com/office/drawing/2010/main" w="9525">
+                <a:solidFill>
+                  <a:srgbClr val="000000"/>
+                </a:solidFill>
+                <a:miter lim="800000"/>
+                <a:headEnd/>
+                <a:tailEnd/>
+              </a14:hiddenLine>
+            </a:ext>
+          </a:extLst>
+        </p:spPr>
+        <p:txBody>
+          <a:bodyPr>
+            <a:spAutoFit/>
+          </a:bodyPr>
+          <a:lstStyle/>
+          <a:p>
+            <a:pPr eaLnBrk="1" hangingPunct="1">
+              <a:buFont typeface="Arial" panose="020B0604020202020204" pitchFamily="34" charset="0"/>
+              <a:buNone/>
+              <a:defRPr/>
+            </a:pPr>
+            <a:r>
+              <a:rPr lang="en-US" sz="2665">
+                <a:solidFill>
+                  <a:schemeClr val="bg1"/>
+                </a:solidFill>
+                <a:latin typeface="方正姚体" panose="02010601030101010101" pitchFamily="2" charset="-122"/>
+                <a:ea typeface="方正姚体" panose="02010601030101010101" pitchFamily="2" charset="-122"/>
+                <a:sym typeface="方正姚体" panose="02010601030101010101" pitchFamily="2" charset="-122"/>
+              </a:rPr>
+              <a:t>Part9.  </a:t>
+            </a:r>
+            <a:r>
+              <a:rPr lang="zh-CN" altLang="en-US" sz="2665">
+                <a:solidFill>
+                  <a:schemeClr val="bg1"/>
+                </a:solidFill>
+                <a:latin typeface="方正姚体" panose="02010601030101010101" pitchFamily="2" charset="-122"/>
+                <a:ea typeface="方正姚体" panose="02010601030101010101" pitchFamily="2" charset="-122"/>
+                <a:sym typeface="方正姚体" panose="02010601030101010101" pitchFamily="2" charset="-122"/>
+              </a:rPr>
+              <a:t>风险管理</a:t>
+            </a:r>
+            <a:endParaRPr lang="zh-CN" altLang="en-US" sz="2665">
+              <a:solidFill>
+                <a:schemeClr val="bg1"/>
+              </a:solidFill>
+              <a:latin typeface="方正姚体" panose="02010601030101010101" pitchFamily="2" charset="-122"/>
+              <a:ea typeface="方正姚体" panose="02010601030101010101" pitchFamily="2" charset="-122"/>
+              <a:sym typeface="方正姚体" panose="02010601030101010101" pitchFamily="2" charset="-122"/>
+            </a:endParaRPr>
+          </a:p>
+        </p:txBody>
+      </p:sp>
+      <p:sp>
+        <p:nvSpPr>
+          <p:cNvPr id="9222" name="TextBox 15"/>
+          <p:cNvSpPr>
+            <a:spLocks noChangeArrowheads="1"/>
+          </p:cNvSpPr>
+          <p:nvPr/>
+        </p:nvSpPr>
+        <p:spPr bwMode="auto">
+          <a:xfrm>
+            <a:off x="6652895" y="4670425"/>
+            <a:ext cx="4650105" cy="501650"/>
+          </a:xfrm>
+          <a:prstGeom prst="rect">
+            <a:avLst/>
+          </a:prstGeom>
+          <a:noFill/>
+          <a:ln>
+            <a:noFill/>
+          </a:ln>
+          <a:extLst>
+            <a:ext uri="{909E8E84-426E-40DD-AFC4-6F175D3DCCD1}">
+              <a14:hiddenFill xmlns:a14="http://schemas.microsoft.com/office/drawing/2010/main">
+                <a:solidFill>
+                  <a:srgbClr val="FFFFFF"/>
+                </a:solidFill>
+              </a14:hiddenFill>
+            </a:ext>
+            <a:ext uri="{91240B29-F687-4F45-9708-019B960494DF}">
+              <a14:hiddenLine xmlns:a14="http://schemas.microsoft.com/office/drawing/2010/main" w="9525">
+                <a:solidFill>
+                  <a:srgbClr val="000000"/>
+                </a:solidFill>
+                <a:miter lim="800000"/>
+                <a:headEnd/>
+                <a:tailEnd/>
+              </a14:hiddenLine>
+            </a:ext>
+          </a:extLst>
+        </p:spPr>
+        <p:txBody>
+          <a:bodyPr wrap="square">
+            <a:spAutoFit/>
+          </a:bodyPr>
+          <a:lstStyle/>
+          <a:p>
+            <a:pPr eaLnBrk="1" hangingPunct="1">
+              <a:buFont typeface="Arial" panose="020B0604020202020204" pitchFamily="34" charset="0"/>
+              <a:buNone/>
+              <a:defRPr/>
+            </a:pPr>
+            <a:r>
+              <a:rPr lang="en-US" sz="2665">
+                <a:solidFill>
+                  <a:schemeClr val="bg1"/>
+                </a:solidFill>
+                <a:latin typeface="方正姚体" panose="02010601030101010101" pitchFamily="2" charset="-122"/>
+                <a:ea typeface="方正姚体" panose="02010601030101010101" pitchFamily="2" charset="-122"/>
+                <a:sym typeface="方正姚体" panose="02010601030101010101" pitchFamily="2" charset="-122"/>
+              </a:rPr>
+              <a:t>Part10.  </a:t>
+            </a:r>
+            <a:r>
+              <a:rPr lang="zh-CN" altLang="en-US" sz="2665">
+                <a:solidFill>
+                  <a:schemeClr val="bg1"/>
+                </a:solidFill>
+                <a:latin typeface="方正姚体" panose="02010601030101010101" pitchFamily="2" charset="-122"/>
+                <a:ea typeface="方正姚体" panose="02010601030101010101" pitchFamily="2" charset="-122"/>
+                <a:sym typeface="方正姚体" panose="02010601030101010101" pitchFamily="2" charset="-122"/>
+              </a:rPr>
+              <a:t>当前</a:t>
+            </a:r>
+            <a:r>
+              <a:rPr lang="zh-CN" altLang="en-US" sz="2665">
+                <a:solidFill>
+                  <a:schemeClr val="bg1"/>
+                </a:solidFill>
+                <a:latin typeface="方正姚体" panose="02010601030101010101" pitchFamily="2" charset="-122"/>
+                <a:ea typeface="方正姚体" panose="02010601030101010101" pitchFamily="2" charset="-122"/>
+                <a:sym typeface="方正姚体" panose="02010601030101010101" pitchFamily="2" charset="-122"/>
+              </a:rPr>
+              <a:t>里程碑</a:t>
+            </a:r>
+            <a:r>
+              <a:rPr lang="zh-CN" altLang="en-US" sz="2665">
+                <a:solidFill>
+                  <a:schemeClr val="bg1"/>
+                </a:solidFill>
+                <a:latin typeface="方正姚体" panose="02010601030101010101" pitchFamily="2" charset="-122"/>
+                <a:ea typeface="方正姚体" panose="02010601030101010101" pitchFamily="2" charset="-122"/>
+                <a:sym typeface="方正姚体" panose="02010601030101010101" pitchFamily="2" charset="-122"/>
+              </a:rPr>
+              <a:t>评分</a:t>
+            </a:r>
+            <a:endParaRPr lang="zh-CN" altLang="en-US" sz="2665">
+              <a:solidFill>
+                <a:schemeClr val="bg1"/>
+              </a:solidFill>
+              <a:latin typeface="方正姚体" panose="02010601030101010101" pitchFamily="2" charset="-122"/>
+              <a:ea typeface="方正姚体" panose="02010601030101010101" pitchFamily="2" charset="-122"/>
+              <a:sym typeface="方正姚体" panose="02010601030101010101" pitchFamily="2" charset="-122"/>
+            </a:endParaRPr>
+          </a:p>
+        </p:txBody>
+      </p:sp>
+      <p:grpSp>
+        <p:nvGrpSpPr>
+          <p:cNvPr id="9225" name="Group 9"/>
+          <p:cNvGrpSpPr/>
+          <p:nvPr/>
+        </p:nvGrpSpPr>
+        <p:grpSpPr bwMode="auto">
+          <a:xfrm>
+            <a:off x="4500563" y="3007678"/>
+            <a:ext cx="4867275" cy="130175"/>
+            <a:chOff x="0" y="0"/>
+            <a:chExt cx="3649714" cy="98627"/>
+          </a:xfrm>
+        </p:grpSpPr>
+        <p:sp>
+          <p:nvSpPr>
+            <p:cNvPr id="13344" name="直接连接符 19"/>
+            <p:cNvSpPr>
+              <a:spLocks noChangeShapeType="1"/>
+            </p:cNvSpPr>
+            <p:nvPr/>
+          </p:nvSpPr>
+          <p:spPr bwMode="auto">
+            <a:xfrm>
+              <a:off x="49314" y="49314"/>
+              <a:ext cx="3600400" cy="1"/>
+            </a:xfrm>
+            <a:prstGeom prst="line">
+              <a:avLst/>
+            </a:prstGeom>
+            <a:noFill/>
+            <a:ln w="9525">
+              <a:solidFill>
+                <a:srgbClr val="FFFFFF">
+                  <a:alpha val="79999"/>
+                </a:srgbClr>
+              </a:solidFill>
+              <a:prstDash val="dash"/>
+              <a:bevel/>
+            </a:ln>
+            <a:extLst>
+              <a:ext uri="{909E8E84-426E-40DD-AFC4-6F175D3DCCD1}">
+                <a14:hiddenFill xmlns:a14="http://schemas.microsoft.com/office/drawing/2010/main">
+                  <a:noFill/>
+                </a14:hiddenFill>
+              </a:ext>
+            </a:extLst>
+          </p:spPr>
+          <p:txBody>
+            <a:bodyPr/>
+            <a:lstStyle/>
+            <a:p>
+              <a:endParaRPr lang="zh-CN" altLang="en-US"/>
+            </a:p>
+          </p:txBody>
+        </p:sp>
+        <p:sp>
+          <p:nvSpPr>
+            <p:cNvPr id="13345" name="椭圆 28"/>
+            <p:cNvSpPr>
+              <a:spLocks noChangeArrowheads="1"/>
+            </p:cNvSpPr>
+            <p:nvPr/>
+          </p:nvSpPr>
+          <p:spPr bwMode="auto">
+            <a:xfrm>
+              <a:off x="0" y="0"/>
+              <a:ext cx="98627" cy="98627"/>
+            </a:xfrm>
+            <a:prstGeom prst="ellipse">
+              <a:avLst/>
+            </a:prstGeom>
+            <a:solidFill>
+              <a:srgbClr val="FFFFFF">
+                <a:alpha val="79999"/>
+              </a:srgbClr>
+            </a:solidFill>
+            <a:ln>
+              <a:noFill/>
+            </a:ln>
+            <a:extLst>
+              <a:ext uri="{91240B29-F687-4F45-9708-019B960494DF}">
+                <a14:hiddenLine xmlns:a14="http://schemas.microsoft.com/office/drawing/2010/main" w="25400">
+                  <a:solidFill>
+                    <a:srgbClr val="395E8A"/>
+                  </a:solidFill>
+                  <a:bevel/>
+                </a14:hiddenLine>
+              </a:ext>
+            </a:extLst>
+          </p:spPr>
+          <p:txBody>
+            <a:bodyPr anchor="ctr"/>
+            <a:lstStyle>
+              <a:lvl1pPr>
+                <a:lnSpc>
+                  <a:spcPct val="90000"/>
+                </a:lnSpc>
+                <a:spcBef>
+                  <a:spcPts val="1000"/>
+                </a:spcBef>
+                <a:buFont typeface="Arial" panose="020B0604020202020204" pitchFamily="34" charset="0"/>
+                <a:buChar char="•"/>
+                <a:defRPr sz="2400">
+                  <a:solidFill>
+                    <a:schemeClr val="bg1"/>
+                  </a:solidFill>
+                  <a:latin typeface="Arial" panose="020B0604020202020204" pitchFamily="34" charset="0"/>
+                  <a:ea typeface="黑体" panose="02010609060101010101" pitchFamily="49" charset="-122"/>
+                </a:defRPr>
+              </a:lvl1pPr>
+              <a:lvl2pPr marL="742950" indent="-285750">
+                <a:lnSpc>
+                  <a:spcPct val="90000"/>
+                </a:lnSpc>
+                <a:spcBef>
+                  <a:spcPts val="500"/>
+                </a:spcBef>
+                <a:buFont typeface="Arial" panose="020B0604020202020204" pitchFamily="34" charset="0"/>
+                <a:buChar char="•"/>
+                <a:defRPr sz="2000">
+                  <a:solidFill>
+                    <a:schemeClr val="bg1"/>
+                  </a:solidFill>
+                  <a:latin typeface="Arial" panose="020B0604020202020204" pitchFamily="34" charset="0"/>
+                  <a:ea typeface="黑体" panose="02010609060101010101" pitchFamily="49" charset="-122"/>
+                </a:defRPr>
+              </a:lvl2pPr>
+              <a:lvl3pPr marL="1143000" indent="-228600">
+                <a:lnSpc>
+                  <a:spcPct val="90000"/>
+                </a:lnSpc>
+                <a:spcBef>
+                  <a:spcPts val="500"/>
+                </a:spcBef>
+                <a:buFont typeface="Arial" panose="020B0604020202020204" pitchFamily="34" charset="0"/>
+                <a:buChar char="•"/>
+                <a:defRPr>
+                  <a:solidFill>
+                    <a:schemeClr val="bg1"/>
+                  </a:solidFill>
+                  <a:latin typeface="Arial" panose="020B0604020202020204" pitchFamily="34" charset="0"/>
+                  <a:ea typeface="黑体" panose="02010609060101010101" pitchFamily="49" charset="-122"/>
+                </a:defRPr>
+              </a:lvl3pPr>
+              <a:lvl4pPr marL="1600200" indent="-228600">
+                <a:lnSpc>
+                  <a:spcPct val="90000"/>
+                </a:lnSpc>
+                <a:spcBef>
+                  <a:spcPts val="500"/>
+                </a:spcBef>
+                <a:buFont typeface="Arial" panose="020B0604020202020204" pitchFamily="34" charset="0"/>
+                <a:buChar char="•"/>
+                <a:defRPr>
+                  <a:solidFill>
+                    <a:schemeClr val="bg1"/>
+                  </a:solidFill>
+                  <a:latin typeface="Arial" panose="020B0604020202020204" pitchFamily="34" charset="0"/>
+                  <a:ea typeface="黑体" panose="02010609060101010101" pitchFamily="49" charset="-122"/>
+                </a:defRPr>
+              </a:lvl4pPr>
+              <a:lvl5pPr marL="2057400" indent="-228600">
+                <a:lnSpc>
+                  <a:spcPct val="90000"/>
+                </a:lnSpc>
+                <a:spcBef>
+                  <a:spcPts val="500"/>
+                </a:spcBef>
+                <a:buFont typeface="Arial" panose="020B0604020202020204" pitchFamily="34" charset="0"/>
+                <a:buChar char="•"/>
+                <a:defRPr>
+                  <a:solidFill>
+                    <a:schemeClr val="bg1"/>
+                  </a:solidFill>
+                  <a:latin typeface="Arial" panose="020B0604020202020204" pitchFamily="34" charset="0"/>
+                  <a:ea typeface="黑体" panose="02010609060101010101" pitchFamily="49" charset="-122"/>
+                </a:defRPr>
+              </a:lvl5pPr>
+              <a:lvl6pPr marL="2514600" indent="-228600" eaLnBrk="0" fontAlgn="base" hangingPunct="0">
+                <a:lnSpc>
+                  <a:spcPct val="90000"/>
+                </a:lnSpc>
+                <a:spcBef>
+                  <a:spcPts val="500"/>
+                </a:spcBef>
+                <a:spcAft>
+                  <a:spcPct val="0"/>
+                </a:spcAft>
+                <a:buFont typeface="Arial" panose="020B0604020202020204" pitchFamily="34" charset="0"/>
+                <a:buChar char="•"/>
+                <a:defRPr>
+                  <a:solidFill>
+                    <a:schemeClr val="bg1"/>
+                  </a:solidFill>
+                  <a:latin typeface="Arial" panose="020B0604020202020204" pitchFamily="34" charset="0"/>
+                  <a:ea typeface="黑体" panose="02010609060101010101" pitchFamily="49" charset="-122"/>
+                </a:defRPr>
+              </a:lvl6pPr>
+              <a:lvl7pPr marL="2971800" indent="-228600" eaLnBrk="0" fontAlgn="base" hangingPunct="0">
+                <a:lnSpc>
+                  <a:spcPct val="90000"/>
+                </a:lnSpc>
+                <a:spcBef>
+                  <a:spcPts val="500"/>
+                </a:spcBef>
+                <a:spcAft>
+                  <a:spcPct val="0"/>
+                </a:spcAft>
+                <a:buFont typeface="Arial" panose="020B0604020202020204" pitchFamily="34" charset="0"/>
+                <a:buChar char="•"/>
+                <a:defRPr>
+                  <a:solidFill>
+                    <a:schemeClr val="bg1"/>
+                  </a:solidFill>
+                  <a:latin typeface="Arial" panose="020B0604020202020204" pitchFamily="34" charset="0"/>
+                  <a:ea typeface="黑体" panose="02010609060101010101" pitchFamily="49" charset="-122"/>
+                </a:defRPr>
+              </a:lvl7pPr>
+              <a:lvl8pPr marL="3429000" indent="-228600" eaLnBrk="0" fontAlgn="base" hangingPunct="0">
+                <a:lnSpc>
+                  <a:spcPct val="90000"/>
+                </a:lnSpc>
+                <a:spcBef>
+                  <a:spcPts val="500"/>
+                </a:spcBef>
+                <a:spcAft>
+                  <a:spcPct val="0"/>
+                </a:spcAft>
+                <a:buFont typeface="Arial" panose="020B0604020202020204" pitchFamily="34" charset="0"/>
+                <a:buChar char="•"/>
+                <a:defRPr>
+                  <a:solidFill>
+                    <a:schemeClr val="bg1"/>
+                  </a:solidFill>
+                  <a:latin typeface="Arial" panose="020B0604020202020204" pitchFamily="34" charset="0"/>
+                  <a:ea typeface="黑体" panose="02010609060101010101" pitchFamily="49" charset="-122"/>
+                </a:defRPr>
+              </a:lvl8pPr>
+              <a:lvl9pPr marL="3886200" indent="-228600" eaLnBrk="0" fontAlgn="base" hangingPunct="0">
+                <a:lnSpc>
+                  <a:spcPct val="90000"/>
+                </a:lnSpc>
+                <a:spcBef>
+                  <a:spcPts val="500"/>
+                </a:spcBef>
+                <a:spcAft>
+                  <a:spcPct val="0"/>
+                </a:spcAft>
+                <a:buFont typeface="Arial" panose="020B0604020202020204" pitchFamily="34" charset="0"/>
+                <a:buChar char="•"/>
+                <a:defRPr>
+                  <a:solidFill>
+                    <a:schemeClr val="bg1"/>
+                  </a:solidFill>
+                  <a:latin typeface="Arial" panose="020B0604020202020204" pitchFamily="34" charset="0"/>
+                  <a:ea typeface="黑体" panose="02010609060101010101" pitchFamily="49" charset="-122"/>
+                </a:defRPr>
+              </a:lvl9pPr>
+            </a:lstStyle>
+            <a:p>
+              <a:pPr algn="ctr" eaLnBrk="1" hangingPunct="1">
+                <a:lnSpc>
+                  <a:spcPct val="100000"/>
+                </a:lnSpc>
+                <a:spcBef>
+                  <a:spcPct val="0"/>
+                </a:spcBef>
+                <a:buFont typeface="Arial" panose="020B0604020202020204" pitchFamily="34" charset="0"/>
+                <a:buNone/>
+              </a:pPr>
+              <a:endParaRPr lang="zh-CN" altLang="zh-CN" sz="1800">
+                <a:solidFill>
+                  <a:srgbClr val="FFFFFF"/>
+                </a:solidFill>
+                <a:latin typeface="宋体" panose="02010600030101010101" pitchFamily="2" charset="-122"/>
+                <a:ea typeface="宋体" panose="02010600030101010101" pitchFamily="2" charset="-122"/>
+                <a:sym typeface="宋体" panose="02010600030101010101" pitchFamily="2" charset="-122"/>
+              </a:endParaRPr>
+            </a:p>
+          </p:txBody>
+        </p:sp>
+      </p:grpSp>
+      <p:grpSp>
+        <p:nvGrpSpPr>
+          <p:cNvPr id="9228" name="Group 12"/>
+          <p:cNvGrpSpPr/>
+          <p:nvPr/>
+        </p:nvGrpSpPr>
+        <p:grpSpPr bwMode="auto">
+          <a:xfrm>
+            <a:off x="4944745" y="3574415"/>
+            <a:ext cx="4865688" cy="131763"/>
+            <a:chOff x="0" y="0"/>
+            <a:chExt cx="3649714" cy="98627"/>
+          </a:xfrm>
+        </p:grpSpPr>
+        <p:sp>
+          <p:nvSpPr>
+            <p:cNvPr id="13342" name="直接连接符 20"/>
+            <p:cNvSpPr>
+              <a:spLocks noChangeShapeType="1"/>
+            </p:cNvSpPr>
+            <p:nvPr/>
+          </p:nvSpPr>
+          <p:spPr bwMode="auto">
+            <a:xfrm>
+              <a:off x="49314" y="49314"/>
+              <a:ext cx="3600400" cy="1"/>
+            </a:xfrm>
+            <a:prstGeom prst="line">
+              <a:avLst/>
+            </a:prstGeom>
+            <a:noFill/>
+            <a:ln w="9525">
+              <a:solidFill>
+                <a:srgbClr val="FFFFFF">
+                  <a:alpha val="79999"/>
+                </a:srgbClr>
+              </a:solidFill>
+              <a:prstDash val="dash"/>
+              <a:bevel/>
+            </a:ln>
+            <a:extLst>
+              <a:ext uri="{909E8E84-426E-40DD-AFC4-6F175D3DCCD1}">
+                <a14:hiddenFill xmlns:a14="http://schemas.microsoft.com/office/drawing/2010/main">
+                  <a:noFill/>
+                </a14:hiddenFill>
+              </a:ext>
+            </a:extLst>
+          </p:spPr>
+          <p:txBody>
+            <a:bodyPr/>
+            <a:lstStyle/>
+            <a:p>
+              <a:endParaRPr lang="zh-CN" altLang="en-US"/>
+            </a:p>
+          </p:txBody>
+        </p:sp>
+        <p:sp>
+          <p:nvSpPr>
+            <p:cNvPr id="13343" name="椭圆 30"/>
+            <p:cNvSpPr>
+              <a:spLocks noChangeArrowheads="1"/>
+            </p:cNvSpPr>
+            <p:nvPr/>
+          </p:nvSpPr>
+          <p:spPr bwMode="auto">
+            <a:xfrm>
+              <a:off x="0" y="0"/>
+              <a:ext cx="98627" cy="98627"/>
+            </a:xfrm>
+            <a:prstGeom prst="ellipse">
+              <a:avLst/>
+            </a:prstGeom>
+            <a:solidFill>
+              <a:srgbClr val="FFFFFF">
+                <a:alpha val="79999"/>
+              </a:srgbClr>
+            </a:solidFill>
+            <a:ln>
+              <a:noFill/>
+            </a:ln>
+            <a:extLst>
+              <a:ext uri="{91240B29-F687-4F45-9708-019B960494DF}">
+                <a14:hiddenLine xmlns:a14="http://schemas.microsoft.com/office/drawing/2010/main" w="25400">
+                  <a:solidFill>
+                    <a:srgbClr val="395E8A"/>
+                  </a:solidFill>
+                  <a:bevel/>
+                </a14:hiddenLine>
+              </a:ext>
+            </a:extLst>
+          </p:spPr>
+          <p:txBody>
+            <a:bodyPr anchor="ctr"/>
+            <a:lstStyle>
+              <a:lvl1pPr>
+                <a:lnSpc>
+                  <a:spcPct val="90000"/>
+                </a:lnSpc>
+                <a:spcBef>
+                  <a:spcPts val="1000"/>
+                </a:spcBef>
+                <a:buFont typeface="Arial" panose="020B0604020202020204" pitchFamily="34" charset="0"/>
+                <a:buChar char="•"/>
+                <a:defRPr sz="2400">
+                  <a:solidFill>
+                    <a:schemeClr val="bg1"/>
+                  </a:solidFill>
+                  <a:latin typeface="Arial" panose="020B0604020202020204" pitchFamily="34" charset="0"/>
+                  <a:ea typeface="黑体" panose="02010609060101010101" pitchFamily="49" charset="-122"/>
+                </a:defRPr>
+              </a:lvl1pPr>
+              <a:lvl2pPr marL="742950" indent="-285750">
+                <a:lnSpc>
+                  <a:spcPct val="90000"/>
+                </a:lnSpc>
+                <a:spcBef>
+                  <a:spcPts val="500"/>
+                </a:spcBef>
+                <a:buFont typeface="Arial" panose="020B0604020202020204" pitchFamily="34" charset="0"/>
+                <a:buChar char="•"/>
+                <a:defRPr sz="2000">
+                  <a:solidFill>
+                    <a:schemeClr val="bg1"/>
+                  </a:solidFill>
+                  <a:latin typeface="Arial" panose="020B0604020202020204" pitchFamily="34" charset="0"/>
+                  <a:ea typeface="黑体" panose="02010609060101010101" pitchFamily="49" charset="-122"/>
+                </a:defRPr>
+              </a:lvl2pPr>
+              <a:lvl3pPr marL="1143000" indent="-228600">
+                <a:lnSpc>
+                  <a:spcPct val="90000"/>
+                </a:lnSpc>
+                <a:spcBef>
+                  <a:spcPts val="500"/>
+                </a:spcBef>
+                <a:buFont typeface="Arial" panose="020B0604020202020204" pitchFamily="34" charset="0"/>
+                <a:buChar char="•"/>
+                <a:defRPr>
+                  <a:solidFill>
+                    <a:schemeClr val="bg1"/>
+                  </a:solidFill>
+                  <a:latin typeface="Arial" panose="020B0604020202020204" pitchFamily="34" charset="0"/>
+                  <a:ea typeface="黑体" panose="02010609060101010101" pitchFamily="49" charset="-122"/>
+                </a:defRPr>
+              </a:lvl3pPr>
+              <a:lvl4pPr marL="1600200" indent="-228600">
+                <a:lnSpc>
+                  <a:spcPct val="90000"/>
+                </a:lnSpc>
+                <a:spcBef>
+                  <a:spcPts val="500"/>
+                </a:spcBef>
+                <a:buFont typeface="Arial" panose="020B0604020202020204" pitchFamily="34" charset="0"/>
+                <a:buChar char="•"/>
+                <a:defRPr>
+                  <a:solidFill>
+                    <a:schemeClr val="bg1"/>
+                  </a:solidFill>
+                  <a:latin typeface="Arial" panose="020B0604020202020204" pitchFamily="34" charset="0"/>
+                  <a:ea typeface="黑体" panose="02010609060101010101" pitchFamily="49" charset="-122"/>
+                </a:defRPr>
+              </a:lvl4pPr>
+              <a:lvl5pPr marL="2057400" indent="-228600">
+                <a:lnSpc>
+                  <a:spcPct val="90000"/>
+                </a:lnSpc>
+                <a:spcBef>
+                  <a:spcPts val="500"/>
+                </a:spcBef>
+                <a:buFont typeface="Arial" panose="020B0604020202020204" pitchFamily="34" charset="0"/>
+                <a:buChar char="•"/>
+                <a:defRPr>
+                  <a:solidFill>
+                    <a:schemeClr val="bg1"/>
+                  </a:solidFill>
+                  <a:latin typeface="Arial" panose="020B0604020202020204" pitchFamily="34" charset="0"/>
+                  <a:ea typeface="黑体" panose="02010609060101010101" pitchFamily="49" charset="-122"/>
+                </a:defRPr>
+              </a:lvl5pPr>
+              <a:lvl6pPr marL="2514600" indent="-228600" eaLnBrk="0" fontAlgn="base" hangingPunct="0">
+                <a:lnSpc>
+                  <a:spcPct val="90000"/>
+                </a:lnSpc>
+                <a:spcBef>
+                  <a:spcPts val="500"/>
+                </a:spcBef>
+                <a:spcAft>
+                  <a:spcPct val="0"/>
+                </a:spcAft>
+                <a:buFont typeface="Arial" panose="020B0604020202020204" pitchFamily="34" charset="0"/>
+                <a:buChar char="•"/>
+                <a:defRPr>
+                  <a:solidFill>
+                    <a:schemeClr val="bg1"/>
+                  </a:solidFill>
+                  <a:latin typeface="Arial" panose="020B0604020202020204" pitchFamily="34" charset="0"/>
+                  <a:ea typeface="黑体" panose="02010609060101010101" pitchFamily="49" charset="-122"/>
+                </a:defRPr>
+              </a:lvl6pPr>
+              <a:lvl7pPr marL="2971800" indent="-228600" eaLnBrk="0" fontAlgn="base" hangingPunct="0">
+                <a:lnSpc>
+                  <a:spcPct val="90000"/>
+                </a:lnSpc>
+                <a:spcBef>
+                  <a:spcPts val="500"/>
+                </a:spcBef>
+                <a:spcAft>
+                  <a:spcPct val="0"/>
+                </a:spcAft>
+                <a:buFont typeface="Arial" panose="020B0604020202020204" pitchFamily="34" charset="0"/>
+                <a:buChar char="•"/>
+                <a:defRPr>
+                  <a:solidFill>
+                    <a:schemeClr val="bg1"/>
+                  </a:solidFill>
+                  <a:latin typeface="Arial" panose="020B0604020202020204" pitchFamily="34" charset="0"/>
+                  <a:ea typeface="黑体" panose="02010609060101010101" pitchFamily="49" charset="-122"/>
+                </a:defRPr>
+              </a:lvl7pPr>
+              <a:lvl8pPr marL="3429000" indent="-228600" eaLnBrk="0" fontAlgn="base" hangingPunct="0">
+                <a:lnSpc>
+                  <a:spcPct val="90000"/>
+                </a:lnSpc>
+                <a:spcBef>
+                  <a:spcPts val="500"/>
+                </a:spcBef>
+                <a:spcAft>
+                  <a:spcPct val="0"/>
+                </a:spcAft>
+                <a:buFont typeface="Arial" panose="020B0604020202020204" pitchFamily="34" charset="0"/>
+                <a:buChar char="•"/>
+                <a:defRPr>
+                  <a:solidFill>
+                    <a:schemeClr val="bg1"/>
+                  </a:solidFill>
+                  <a:latin typeface="Arial" panose="020B0604020202020204" pitchFamily="34" charset="0"/>
+                  <a:ea typeface="黑体" panose="02010609060101010101" pitchFamily="49" charset="-122"/>
+                </a:defRPr>
+              </a:lvl8pPr>
+              <a:lvl9pPr marL="3886200" indent="-228600" eaLnBrk="0" fontAlgn="base" hangingPunct="0">
+                <a:lnSpc>
+                  <a:spcPct val="90000"/>
+                </a:lnSpc>
+                <a:spcBef>
+                  <a:spcPts val="500"/>
+                </a:spcBef>
+                <a:spcAft>
+                  <a:spcPct val="0"/>
+                </a:spcAft>
+                <a:buFont typeface="Arial" panose="020B0604020202020204" pitchFamily="34" charset="0"/>
+                <a:buChar char="•"/>
+                <a:defRPr>
+                  <a:solidFill>
+                    <a:schemeClr val="bg1"/>
+                  </a:solidFill>
+                  <a:latin typeface="Arial" panose="020B0604020202020204" pitchFamily="34" charset="0"/>
+                  <a:ea typeface="黑体" panose="02010609060101010101" pitchFamily="49" charset="-122"/>
+                </a:defRPr>
+              </a:lvl9pPr>
+            </a:lstStyle>
+            <a:p>
+              <a:pPr algn="ctr" eaLnBrk="1" hangingPunct="1">
+                <a:lnSpc>
+                  <a:spcPct val="100000"/>
+                </a:lnSpc>
+                <a:spcBef>
+                  <a:spcPct val="0"/>
+                </a:spcBef>
+                <a:buFont typeface="Arial" panose="020B0604020202020204" pitchFamily="34" charset="0"/>
+                <a:buNone/>
+              </a:pPr>
+              <a:endParaRPr lang="zh-CN" altLang="zh-CN" sz="1800">
+                <a:solidFill>
+                  <a:srgbClr val="FFFFFF"/>
+                </a:solidFill>
+                <a:latin typeface="宋体" panose="02010600030101010101" pitchFamily="2" charset="-122"/>
+                <a:ea typeface="宋体" panose="02010600030101010101" pitchFamily="2" charset="-122"/>
+                <a:sym typeface="宋体" panose="02010600030101010101" pitchFamily="2" charset="-122"/>
+              </a:endParaRPr>
+            </a:p>
+          </p:txBody>
+        </p:sp>
+      </p:grpSp>
+      <p:grpSp>
+        <p:nvGrpSpPr>
+          <p:cNvPr id="9231" name="Group 15"/>
+          <p:cNvGrpSpPr/>
+          <p:nvPr/>
+        </p:nvGrpSpPr>
+        <p:grpSpPr bwMode="auto">
+          <a:xfrm>
+            <a:off x="5820410" y="4296728"/>
+            <a:ext cx="4865688" cy="131762"/>
+            <a:chOff x="0" y="0"/>
+            <a:chExt cx="3649714" cy="98627"/>
+          </a:xfrm>
+        </p:grpSpPr>
+        <p:sp>
+          <p:nvSpPr>
+            <p:cNvPr id="13340" name="直接连接符 21"/>
+            <p:cNvSpPr>
+              <a:spLocks noChangeShapeType="1"/>
+            </p:cNvSpPr>
+            <p:nvPr/>
+          </p:nvSpPr>
+          <p:spPr bwMode="auto">
+            <a:xfrm>
+              <a:off x="49314" y="49314"/>
+              <a:ext cx="3600400" cy="1"/>
+            </a:xfrm>
+            <a:prstGeom prst="line">
+              <a:avLst/>
+            </a:prstGeom>
+            <a:noFill/>
+            <a:ln w="9525">
+              <a:solidFill>
+                <a:srgbClr val="FFFFFF">
+                  <a:alpha val="79999"/>
+                </a:srgbClr>
+              </a:solidFill>
+              <a:prstDash val="dash"/>
+              <a:bevel/>
+            </a:ln>
+            <a:extLst>
+              <a:ext uri="{909E8E84-426E-40DD-AFC4-6F175D3DCCD1}">
+                <a14:hiddenFill xmlns:a14="http://schemas.microsoft.com/office/drawing/2010/main">
+                  <a:noFill/>
+                </a14:hiddenFill>
+              </a:ext>
+            </a:extLst>
+          </p:spPr>
+          <p:txBody>
+            <a:bodyPr/>
+            <a:lstStyle/>
+            <a:p>
+              <a:endParaRPr lang="zh-CN" altLang="en-US"/>
+            </a:p>
+          </p:txBody>
+        </p:sp>
+        <p:sp>
+          <p:nvSpPr>
+            <p:cNvPr id="13341" name="椭圆 31"/>
+            <p:cNvSpPr>
+              <a:spLocks noChangeArrowheads="1"/>
+            </p:cNvSpPr>
+            <p:nvPr/>
+          </p:nvSpPr>
+          <p:spPr bwMode="auto">
+            <a:xfrm>
+              <a:off x="0" y="0"/>
+              <a:ext cx="98627" cy="98627"/>
+            </a:xfrm>
+            <a:prstGeom prst="ellipse">
+              <a:avLst/>
+            </a:prstGeom>
+            <a:solidFill>
+              <a:srgbClr val="FFFFFF">
+                <a:alpha val="79999"/>
+              </a:srgbClr>
+            </a:solidFill>
+            <a:ln>
+              <a:noFill/>
+            </a:ln>
+            <a:extLst>
+              <a:ext uri="{91240B29-F687-4F45-9708-019B960494DF}">
+                <a14:hiddenLine xmlns:a14="http://schemas.microsoft.com/office/drawing/2010/main" w="25400">
+                  <a:solidFill>
+                    <a:srgbClr val="395E8A"/>
+                  </a:solidFill>
+                  <a:bevel/>
+                </a14:hiddenLine>
+              </a:ext>
+            </a:extLst>
+          </p:spPr>
+          <p:txBody>
+            <a:bodyPr anchor="ctr"/>
+            <a:lstStyle>
+              <a:lvl1pPr>
+                <a:lnSpc>
+                  <a:spcPct val="90000"/>
+                </a:lnSpc>
+                <a:spcBef>
+                  <a:spcPts val="1000"/>
+                </a:spcBef>
+                <a:buFont typeface="Arial" panose="020B0604020202020204" pitchFamily="34" charset="0"/>
+                <a:buChar char="•"/>
+                <a:defRPr sz="2400">
+                  <a:solidFill>
+                    <a:schemeClr val="bg1"/>
+                  </a:solidFill>
+                  <a:latin typeface="Arial" panose="020B0604020202020204" pitchFamily="34" charset="0"/>
+                  <a:ea typeface="黑体" panose="02010609060101010101" pitchFamily="49" charset="-122"/>
+                </a:defRPr>
+              </a:lvl1pPr>
+              <a:lvl2pPr marL="742950" indent="-285750">
+                <a:lnSpc>
+                  <a:spcPct val="90000"/>
+                </a:lnSpc>
+                <a:spcBef>
+                  <a:spcPts val="500"/>
+                </a:spcBef>
+                <a:buFont typeface="Arial" panose="020B0604020202020204" pitchFamily="34" charset="0"/>
+                <a:buChar char="•"/>
+                <a:defRPr sz="2000">
+                  <a:solidFill>
+                    <a:schemeClr val="bg1"/>
+                  </a:solidFill>
+                  <a:latin typeface="Arial" panose="020B0604020202020204" pitchFamily="34" charset="0"/>
+                  <a:ea typeface="黑体" panose="02010609060101010101" pitchFamily="49" charset="-122"/>
+                </a:defRPr>
+              </a:lvl2pPr>
+              <a:lvl3pPr marL="1143000" indent="-228600">
+                <a:lnSpc>
+                  <a:spcPct val="90000"/>
+                </a:lnSpc>
+                <a:spcBef>
+                  <a:spcPts val="500"/>
+                </a:spcBef>
+                <a:buFont typeface="Arial" panose="020B0604020202020204" pitchFamily="34" charset="0"/>
+                <a:buChar char="•"/>
+                <a:defRPr>
+                  <a:solidFill>
+                    <a:schemeClr val="bg1"/>
+                  </a:solidFill>
+                  <a:latin typeface="Arial" panose="020B0604020202020204" pitchFamily="34" charset="0"/>
+                  <a:ea typeface="黑体" panose="02010609060101010101" pitchFamily="49" charset="-122"/>
+                </a:defRPr>
+              </a:lvl3pPr>
+              <a:lvl4pPr marL="1600200" indent="-228600">
+                <a:lnSpc>
+                  <a:spcPct val="90000"/>
+                </a:lnSpc>
+                <a:spcBef>
+                  <a:spcPts val="500"/>
+                </a:spcBef>
+                <a:buFont typeface="Arial" panose="020B0604020202020204" pitchFamily="34" charset="0"/>
+                <a:buChar char="•"/>
+                <a:defRPr>
+                  <a:solidFill>
+                    <a:schemeClr val="bg1"/>
+                  </a:solidFill>
+                  <a:latin typeface="Arial" panose="020B0604020202020204" pitchFamily="34" charset="0"/>
+                  <a:ea typeface="黑体" panose="02010609060101010101" pitchFamily="49" charset="-122"/>
+                </a:defRPr>
+              </a:lvl4pPr>
+              <a:lvl5pPr marL="2057400" indent="-228600">
+                <a:lnSpc>
+                  <a:spcPct val="90000"/>
+                </a:lnSpc>
+                <a:spcBef>
+                  <a:spcPts val="500"/>
+                </a:spcBef>
+                <a:buFont typeface="Arial" panose="020B0604020202020204" pitchFamily="34" charset="0"/>
+                <a:buChar char="•"/>
+                <a:defRPr>
+                  <a:solidFill>
+                    <a:schemeClr val="bg1"/>
+                  </a:solidFill>
+                  <a:latin typeface="Arial" panose="020B0604020202020204" pitchFamily="34" charset="0"/>
+                  <a:ea typeface="黑体" panose="02010609060101010101" pitchFamily="49" charset="-122"/>
+                </a:defRPr>
+              </a:lvl5pPr>
+              <a:lvl6pPr marL="2514600" indent="-228600" eaLnBrk="0" fontAlgn="base" hangingPunct="0">
+                <a:lnSpc>
+                  <a:spcPct val="90000"/>
+                </a:lnSpc>
+                <a:spcBef>
+                  <a:spcPts val="500"/>
+                </a:spcBef>
+                <a:spcAft>
+                  <a:spcPct val="0"/>
+                </a:spcAft>
+                <a:buFont typeface="Arial" panose="020B0604020202020204" pitchFamily="34" charset="0"/>
+                <a:buChar char="•"/>
+                <a:defRPr>
+                  <a:solidFill>
+                    <a:schemeClr val="bg1"/>
+                  </a:solidFill>
+                  <a:latin typeface="Arial" panose="020B0604020202020204" pitchFamily="34" charset="0"/>
+                  <a:ea typeface="黑体" panose="02010609060101010101" pitchFamily="49" charset="-122"/>
+                </a:defRPr>
+              </a:lvl6pPr>
+              <a:lvl7pPr marL="2971800" indent="-228600" eaLnBrk="0" fontAlgn="base" hangingPunct="0">
+                <a:lnSpc>
+                  <a:spcPct val="90000"/>
+                </a:lnSpc>
+                <a:spcBef>
+                  <a:spcPts val="500"/>
+                </a:spcBef>
+                <a:spcAft>
+                  <a:spcPct val="0"/>
+                </a:spcAft>
+                <a:buFont typeface="Arial" panose="020B0604020202020204" pitchFamily="34" charset="0"/>
+                <a:buChar char="•"/>
+                <a:defRPr>
+                  <a:solidFill>
+                    <a:schemeClr val="bg1"/>
+                  </a:solidFill>
+                  <a:latin typeface="Arial" panose="020B0604020202020204" pitchFamily="34" charset="0"/>
+                  <a:ea typeface="黑体" panose="02010609060101010101" pitchFamily="49" charset="-122"/>
+                </a:defRPr>
+              </a:lvl7pPr>
+              <a:lvl8pPr marL="3429000" indent="-228600" eaLnBrk="0" fontAlgn="base" hangingPunct="0">
+                <a:lnSpc>
+                  <a:spcPct val="90000"/>
+                </a:lnSpc>
+                <a:spcBef>
+                  <a:spcPts val="500"/>
+                </a:spcBef>
+                <a:spcAft>
+                  <a:spcPct val="0"/>
+                </a:spcAft>
+                <a:buFont typeface="Arial" panose="020B0604020202020204" pitchFamily="34" charset="0"/>
+                <a:buChar char="•"/>
+                <a:defRPr>
+                  <a:solidFill>
+                    <a:schemeClr val="bg1"/>
+                  </a:solidFill>
+                  <a:latin typeface="Arial" panose="020B0604020202020204" pitchFamily="34" charset="0"/>
+                  <a:ea typeface="黑体" panose="02010609060101010101" pitchFamily="49" charset="-122"/>
+                </a:defRPr>
+              </a:lvl8pPr>
+              <a:lvl9pPr marL="3886200" indent="-228600" eaLnBrk="0" fontAlgn="base" hangingPunct="0">
+                <a:lnSpc>
+                  <a:spcPct val="90000"/>
+                </a:lnSpc>
+                <a:spcBef>
+                  <a:spcPts val="500"/>
+                </a:spcBef>
+                <a:spcAft>
+                  <a:spcPct val="0"/>
+                </a:spcAft>
+                <a:buFont typeface="Arial" panose="020B0604020202020204" pitchFamily="34" charset="0"/>
+                <a:buChar char="•"/>
+                <a:defRPr>
+                  <a:solidFill>
+                    <a:schemeClr val="bg1"/>
+                  </a:solidFill>
+                  <a:latin typeface="Arial" panose="020B0604020202020204" pitchFamily="34" charset="0"/>
+                  <a:ea typeface="黑体" panose="02010609060101010101" pitchFamily="49" charset="-122"/>
+                </a:defRPr>
+              </a:lvl9pPr>
+            </a:lstStyle>
+            <a:p>
+              <a:pPr algn="ctr" eaLnBrk="1" hangingPunct="1">
+                <a:lnSpc>
+                  <a:spcPct val="100000"/>
+                </a:lnSpc>
+                <a:spcBef>
+                  <a:spcPct val="0"/>
+                </a:spcBef>
+                <a:buFont typeface="Arial" panose="020B0604020202020204" pitchFamily="34" charset="0"/>
+                <a:buNone/>
+              </a:pPr>
+              <a:endParaRPr lang="zh-CN" altLang="zh-CN" sz="1800">
+                <a:solidFill>
+                  <a:srgbClr val="FFFFFF"/>
+                </a:solidFill>
+                <a:latin typeface="宋体" panose="02010600030101010101" pitchFamily="2" charset="-122"/>
+                <a:ea typeface="宋体" panose="02010600030101010101" pitchFamily="2" charset="-122"/>
+                <a:sym typeface="宋体" panose="02010600030101010101" pitchFamily="2" charset="-122"/>
+              </a:endParaRPr>
+            </a:p>
+          </p:txBody>
+        </p:sp>
+      </p:grpSp>
+      <p:grpSp>
+        <p:nvGrpSpPr>
+          <p:cNvPr id="9234" name="Group 18"/>
+          <p:cNvGrpSpPr/>
+          <p:nvPr/>
+        </p:nvGrpSpPr>
+        <p:grpSpPr bwMode="auto">
+          <a:xfrm>
+            <a:off x="6511608" y="5275898"/>
+            <a:ext cx="4867275" cy="131762"/>
+            <a:chOff x="0" y="0"/>
+            <a:chExt cx="3649715" cy="98627"/>
+          </a:xfrm>
+        </p:grpSpPr>
+        <p:sp>
+          <p:nvSpPr>
+            <p:cNvPr id="13338" name="直接连接符 22"/>
+            <p:cNvSpPr>
+              <a:spLocks noChangeShapeType="1"/>
+            </p:cNvSpPr>
+            <p:nvPr/>
+          </p:nvSpPr>
+          <p:spPr bwMode="auto">
+            <a:xfrm>
+              <a:off x="49315" y="70545"/>
+              <a:ext cx="3600400" cy="1"/>
+            </a:xfrm>
+            <a:prstGeom prst="line">
+              <a:avLst/>
+            </a:prstGeom>
+            <a:noFill/>
+            <a:ln w="9525">
+              <a:solidFill>
+                <a:srgbClr val="FFFFFF">
+                  <a:alpha val="79999"/>
+                </a:srgbClr>
+              </a:solidFill>
+              <a:prstDash val="dash"/>
+              <a:bevel/>
+            </a:ln>
+            <a:extLst>
+              <a:ext uri="{909E8E84-426E-40DD-AFC4-6F175D3DCCD1}">
+                <a14:hiddenFill xmlns:a14="http://schemas.microsoft.com/office/drawing/2010/main">
+                  <a:noFill/>
+                </a14:hiddenFill>
+              </a:ext>
+            </a:extLst>
+          </p:spPr>
+          <p:txBody>
+            <a:bodyPr/>
+            <a:lstStyle/>
+            <a:p>
+              <a:endParaRPr lang="zh-CN" altLang="en-US"/>
+            </a:p>
+          </p:txBody>
+        </p:sp>
+        <p:sp>
+          <p:nvSpPr>
+            <p:cNvPr id="13339" name="椭圆 32"/>
+            <p:cNvSpPr>
+              <a:spLocks noChangeArrowheads="1"/>
+            </p:cNvSpPr>
+            <p:nvPr/>
+          </p:nvSpPr>
+          <p:spPr bwMode="auto">
+            <a:xfrm>
+              <a:off x="0" y="0"/>
+              <a:ext cx="98627" cy="98627"/>
+            </a:xfrm>
+            <a:prstGeom prst="ellipse">
+              <a:avLst/>
+            </a:prstGeom>
+            <a:solidFill>
+              <a:srgbClr val="FFFFFF">
+                <a:alpha val="79999"/>
+              </a:srgbClr>
+            </a:solidFill>
+            <a:ln>
+              <a:noFill/>
+            </a:ln>
+            <a:extLst>
+              <a:ext uri="{91240B29-F687-4F45-9708-019B960494DF}">
+                <a14:hiddenLine xmlns:a14="http://schemas.microsoft.com/office/drawing/2010/main" w="25400">
+                  <a:solidFill>
+                    <a:srgbClr val="395E8A"/>
+                  </a:solidFill>
+                  <a:bevel/>
+                </a14:hiddenLine>
+              </a:ext>
+            </a:extLst>
+          </p:spPr>
+          <p:txBody>
+            <a:bodyPr anchor="ctr"/>
+            <a:lstStyle>
+              <a:lvl1pPr>
+                <a:lnSpc>
+                  <a:spcPct val="90000"/>
+                </a:lnSpc>
+                <a:spcBef>
+                  <a:spcPts val="1000"/>
+                </a:spcBef>
+                <a:buFont typeface="Arial" panose="020B0604020202020204" pitchFamily="34" charset="0"/>
+                <a:buChar char="•"/>
+                <a:defRPr sz="2400">
+                  <a:solidFill>
+                    <a:schemeClr val="bg1"/>
+                  </a:solidFill>
+                  <a:latin typeface="Arial" panose="020B0604020202020204" pitchFamily="34" charset="0"/>
+                  <a:ea typeface="黑体" panose="02010609060101010101" pitchFamily="49" charset="-122"/>
+                </a:defRPr>
+              </a:lvl1pPr>
+              <a:lvl2pPr marL="742950" indent="-285750">
+                <a:lnSpc>
+                  <a:spcPct val="90000"/>
+                </a:lnSpc>
+                <a:spcBef>
+                  <a:spcPts val="500"/>
+                </a:spcBef>
+                <a:buFont typeface="Arial" panose="020B0604020202020204" pitchFamily="34" charset="0"/>
+                <a:buChar char="•"/>
+                <a:defRPr sz="2000">
+                  <a:solidFill>
+                    <a:schemeClr val="bg1"/>
+                  </a:solidFill>
+                  <a:latin typeface="Arial" panose="020B0604020202020204" pitchFamily="34" charset="0"/>
+                  <a:ea typeface="黑体" panose="02010609060101010101" pitchFamily="49" charset="-122"/>
+                </a:defRPr>
+              </a:lvl2pPr>
+              <a:lvl3pPr marL="1143000" indent="-228600">
+                <a:lnSpc>
+                  <a:spcPct val="90000"/>
+                </a:lnSpc>
+                <a:spcBef>
+                  <a:spcPts val="500"/>
+                </a:spcBef>
+                <a:buFont typeface="Arial" panose="020B0604020202020204" pitchFamily="34" charset="0"/>
+                <a:buChar char="•"/>
+                <a:defRPr>
+                  <a:solidFill>
+                    <a:schemeClr val="bg1"/>
+                  </a:solidFill>
+                  <a:latin typeface="Arial" panose="020B0604020202020204" pitchFamily="34" charset="0"/>
+                  <a:ea typeface="黑体" panose="02010609060101010101" pitchFamily="49" charset="-122"/>
+                </a:defRPr>
+              </a:lvl3pPr>
+              <a:lvl4pPr marL="1600200" indent="-228600">
+                <a:lnSpc>
+                  <a:spcPct val="90000"/>
+                </a:lnSpc>
+                <a:spcBef>
+                  <a:spcPts val="500"/>
+                </a:spcBef>
+                <a:buFont typeface="Arial" panose="020B0604020202020204" pitchFamily="34" charset="0"/>
+                <a:buChar char="•"/>
+                <a:defRPr>
+                  <a:solidFill>
+                    <a:schemeClr val="bg1"/>
+                  </a:solidFill>
+                  <a:latin typeface="Arial" panose="020B0604020202020204" pitchFamily="34" charset="0"/>
+                  <a:ea typeface="黑体" panose="02010609060101010101" pitchFamily="49" charset="-122"/>
+                </a:defRPr>
+              </a:lvl4pPr>
+              <a:lvl5pPr marL="2057400" indent="-228600">
+                <a:lnSpc>
+                  <a:spcPct val="90000"/>
+                </a:lnSpc>
+                <a:spcBef>
+                  <a:spcPts val="500"/>
+                </a:spcBef>
+                <a:buFont typeface="Arial" panose="020B0604020202020204" pitchFamily="34" charset="0"/>
+                <a:buChar char="•"/>
+                <a:defRPr>
+                  <a:solidFill>
+                    <a:schemeClr val="bg1"/>
+                  </a:solidFill>
+                  <a:latin typeface="Arial" panose="020B0604020202020204" pitchFamily="34" charset="0"/>
+                  <a:ea typeface="黑体" panose="02010609060101010101" pitchFamily="49" charset="-122"/>
+                </a:defRPr>
+              </a:lvl5pPr>
+              <a:lvl6pPr marL="2514600" indent="-228600" eaLnBrk="0" fontAlgn="base" hangingPunct="0">
+                <a:lnSpc>
+                  <a:spcPct val="90000"/>
+                </a:lnSpc>
+                <a:spcBef>
+                  <a:spcPts val="500"/>
+                </a:spcBef>
+                <a:spcAft>
+                  <a:spcPct val="0"/>
+                </a:spcAft>
+                <a:buFont typeface="Arial" panose="020B0604020202020204" pitchFamily="34" charset="0"/>
+                <a:buChar char="•"/>
+                <a:defRPr>
+                  <a:solidFill>
+                    <a:schemeClr val="bg1"/>
+                  </a:solidFill>
+                  <a:latin typeface="Arial" panose="020B0604020202020204" pitchFamily="34" charset="0"/>
+                  <a:ea typeface="黑体" panose="02010609060101010101" pitchFamily="49" charset="-122"/>
+                </a:defRPr>
+              </a:lvl6pPr>
+              <a:lvl7pPr marL="2971800" indent="-228600" eaLnBrk="0" fontAlgn="base" hangingPunct="0">
+                <a:lnSpc>
+                  <a:spcPct val="90000"/>
+                </a:lnSpc>
+                <a:spcBef>
+                  <a:spcPts val="500"/>
+                </a:spcBef>
+                <a:spcAft>
+                  <a:spcPct val="0"/>
+                </a:spcAft>
+                <a:buFont typeface="Arial" panose="020B0604020202020204" pitchFamily="34" charset="0"/>
+                <a:buChar char="•"/>
+                <a:defRPr>
+                  <a:solidFill>
+                    <a:schemeClr val="bg1"/>
+                  </a:solidFill>
+                  <a:latin typeface="Arial" panose="020B0604020202020204" pitchFamily="34" charset="0"/>
+                  <a:ea typeface="黑体" panose="02010609060101010101" pitchFamily="49" charset="-122"/>
+                </a:defRPr>
+              </a:lvl7pPr>
+              <a:lvl8pPr marL="3429000" indent="-228600" eaLnBrk="0" fontAlgn="base" hangingPunct="0">
+                <a:lnSpc>
+                  <a:spcPct val="90000"/>
+                </a:lnSpc>
+                <a:spcBef>
+                  <a:spcPts val="500"/>
+                </a:spcBef>
+                <a:spcAft>
+                  <a:spcPct val="0"/>
+                </a:spcAft>
+                <a:buFont typeface="Arial" panose="020B0604020202020204" pitchFamily="34" charset="0"/>
+                <a:buChar char="•"/>
+                <a:defRPr>
+                  <a:solidFill>
+                    <a:schemeClr val="bg1"/>
+                  </a:solidFill>
+                  <a:latin typeface="Arial" panose="020B0604020202020204" pitchFamily="34" charset="0"/>
+                  <a:ea typeface="黑体" panose="02010609060101010101" pitchFamily="49" charset="-122"/>
+                </a:defRPr>
+              </a:lvl8pPr>
+              <a:lvl9pPr marL="3886200" indent="-228600" eaLnBrk="0" fontAlgn="base" hangingPunct="0">
+                <a:lnSpc>
+                  <a:spcPct val="90000"/>
+                </a:lnSpc>
+                <a:spcBef>
+                  <a:spcPts val="500"/>
+                </a:spcBef>
+                <a:spcAft>
+                  <a:spcPct val="0"/>
+                </a:spcAft>
+                <a:buFont typeface="Arial" panose="020B0604020202020204" pitchFamily="34" charset="0"/>
+                <a:buChar char="•"/>
+                <a:defRPr>
+                  <a:solidFill>
+                    <a:schemeClr val="bg1"/>
+                  </a:solidFill>
+                  <a:latin typeface="Arial" panose="020B0604020202020204" pitchFamily="34" charset="0"/>
+                  <a:ea typeface="黑体" panose="02010609060101010101" pitchFamily="49" charset="-122"/>
+                </a:defRPr>
+              </a:lvl9pPr>
+            </a:lstStyle>
+            <a:p>
+              <a:pPr algn="ctr" eaLnBrk="1" hangingPunct="1">
+                <a:lnSpc>
+                  <a:spcPct val="100000"/>
+                </a:lnSpc>
+                <a:spcBef>
+                  <a:spcPct val="0"/>
+                </a:spcBef>
+                <a:buFont typeface="Arial" panose="020B0604020202020204" pitchFamily="34" charset="0"/>
+                <a:buNone/>
+              </a:pPr>
+              <a:endParaRPr lang="zh-CN" altLang="zh-CN" sz="1800">
+                <a:solidFill>
+                  <a:srgbClr val="FFFFFF"/>
+                </a:solidFill>
+                <a:latin typeface="宋体" panose="02010600030101010101" pitchFamily="2" charset="-122"/>
+                <a:ea typeface="宋体" panose="02010600030101010101" pitchFamily="2" charset="-122"/>
+                <a:sym typeface="宋体" panose="02010600030101010101" pitchFamily="2" charset="-122"/>
+              </a:endParaRPr>
+            </a:p>
+          </p:txBody>
+        </p:sp>
+      </p:grpSp>
+      <p:sp>
+        <p:nvSpPr>
+          <p:cNvPr id="9243" name="直接连接符 47"/>
+          <p:cNvSpPr>
+            <a:spLocks noChangeShapeType="1"/>
+          </p:cNvSpPr>
+          <p:nvPr/>
+        </p:nvSpPr>
+        <p:spPr bwMode="auto">
+          <a:xfrm>
+            <a:off x="3433763" y="1836738"/>
+            <a:ext cx="3143250" cy="3606800"/>
+          </a:xfrm>
+          <a:prstGeom prst="line">
+            <a:avLst/>
+          </a:prstGeom>
+          <a:noFill/>
+          <a:ln w="9525">
+            <a:solidFill>
+              <a:srgbClr val="FFFFFF">
+                <a:alpha val="79999"/>
+              </a:srgbClr>
+            </a:solidFill>
+            <a:bevel/>
+          </a:ln>
+          <a:extLst>
+            <a:ext uri="{909E8E84-426E-40DD-AFC4-6F175D3DCCD1}">
+              <a14:hiddenFill xmlns:a14="http://schemas.microsoft.com/office/drawing/2010/main">
+                <a:noFill/>
+              </a14:hiddenFill>
+            </a:ext>
+          </a:extLst>
+        </p:spPr>
+        <p:txBody>
+          <a:bodyPr/>
+          <a:lstStyle/>
+          <a:p>
+            <a:endParaRPr lang="zh-CN" altLang="en-US"/>
+          </a:p>
+        </p:txBody>
+      </p:sp>
+      <p:grpSp>
+        <p:nvGrpSpPr>
+          <p:cNvPr id="9244" name="Group 28"/>
+          <p:cNvGrpSpPr/>
+          <p:nvPr/>
+        </p:nvGrpSpPr>
+        <p:grpSpPr bwMode="auto">
+          <a:xfrm>
+            <a:off x="1751013" y="3359150"/>
+            <a:ext cx="2520950" cy="1093788"/>
+            <a:chOff x="0" y="0"/>
+            <a:chExt cx="1890616" cy="820070"/>
+          </a:xfrm>
+        </p:grpSpPr>
+        <p:sp>
+          <p:nvSpPr>
+            <p:cNvPr id="13329" name="TextBox 3"/>
+            <p:cNvSpPr>
+              <a:spLocks noChangeArrowheads="1"/>
+            </p:cNvSpPr>
+            <p:nvPr/>
+          </p:nvSpPr>
+          <p:spPr bwMode="auto">
+            <a:xfrm>
+              <a:off x="378448" y="0"/>
+              <a:ext cx="1512168" cy="622253"/>
+            </a:xfrm>
+            <a:prstGeom prst="rect">
+              <a:avLst/>
+            </a:prstGeom>
+            <a:noFill/>
+            <a:ln>
+              <a:noFill/>
+            </a:ln>
+            <a:extLst>
+              <a:ext uri="{909E8E84-426E-40DD-AFC4-6F175D3DCCD1}">
+                <a14:hiddenFill xmlns:a14="http://schemas.microsoft.com/office/drawing/2010/main">
+                  <a:solidFill>
+                    <a:srgbClr val="FFFFFF"/>
+                  </a:solidFill>
+                </a14:hiddenFill>
+              </a:ext>
+              <a:ext uri="{91240B29-F687-4F45-9708-019B960494DF}">
+                <a14:hiddenLine xmlns:a14="http://schemas.microsoft.com/office/drawing/2010/main" w="9525">
+                  <a:solidFill>
+                    <a:srgbClr val="000000"/>
+                  </a:solidFill>
+                  <a:miter lim="800000"/>
+                  <a:headEnd/>
+                  <a:tailEnd/>
+                </a14:hiddenLine>
+              </a:ext>
+            </a:extLst>
+          </p:spPr>
+          <p:txBody>
+            <a:bodyPr>
+              <a:spAutoFit/>
+            </a:bodyPr>
+            <a:lstStyle>
+              <a:lvl1pPr>
+                <a:lnSpc>
+                  <a:spcPct val="90000"/>
+                </a:lnSpc>
+                <a:spcBef>
+                  <a:spcPts val="1000"/>
+                </a:spcBef>
+                <a:buFont typeface="Arial" panose="020B0604020202020204" pitchFamily="34" charset="0"/>
+                <a:buChar char="•"/>
+                <a:defRPr sz="2400">
+                  <a:solidFill>
+                    <a:schemeClr val="bg1"/>
+                  </a:solidFill>
+                  <a:latin typeface="Arial" panose="020B0604020202020204" pitchFamily="34" charset="0"/>
+                  <a:ea typeface="黑体" panose="02010609060101010101" pitchFamily="49" charset="-122"/>
+                </a:defRPr>
+              </a:lvl1pPr>
+              <a:lvl2pPr marL="742950" indent="-285750">
+                <a:lnSpc>
+                  <a:spcPct val="90000"/>
+                </a:lnSpc>
+                <a:spcBef>
+                  <a:spcPts val="500"/>
+                </a:spcBef>
+                <a:buFont typeface="Arial" panose="020B0604020202020204" pitchFamily="34" charset="0"/>
+                <a:buChar char="•"/>
+                <a:defRPr sz="2000">
+                  <a:solidFill>
+                    <a:schemeClr val="bg1"/>
+                  </a:solidFill>
+                  <a:latin typeface="Arial" panose="020B0604020202020204" pitchFamily="34" charset="0"/>
+                  <a:ea typeface="黑体" panose="02010609060101010101" pitchFamily="49" charset="-122"/>
+                </a:defRPr>
+              </a:lvl2pPr>
+              <a:lvl3pPr marL="1143000" indent="-228600">
+                <a:lnSpc>
+                  <a:spcPct val="90000"/>
+                </a:lnSpc>
+                <a:spcBef>
+                  <a:spcPts val="500"/>
+                </a:spcBef>
+                <a:buFont typeface="Arial" panose="020B0604020202020204" pitchFamily="34" charset="0"/>
+                <a:buChar char="•"/>
+                <a:defRPr>
+                  <a:solidFill>
+                    <a:schemeClr val="bg1"/>
+                  </a:solidFill>
+                  <a:latin typeface="Arial" panose="020B0604020202020204" pitchFamily="34" charset="0"/>
+                  <a:ea typeface="黑体" panose="02010609060101010101" pitchFamily="49" charset="-122"/>
+                </a:defRPr>
+              </a:lvl3pPr>
+              <a:lvl4pPr marL="1600200" indent="-228600">
+                <a:lnSpc>
+                  <a:spcPct val="90000"/>
+                </a:lnSpc>
+                <a:spcBef>
+                  <a:spcPts val="500"/>
+                </a:spcBef>
+                <a:buFont typeface="Arial" panose="020B0604020202020204" pitchFamily="34" charset="0"/>
+                <a:buChar char="•"/>
+                <a:defRPr>
+                  <a:solidFill>
+                    <a:schemeClr val="bg1"/>
+                  </a:solidFill>
+                  <a:latin typeface="Arial" panose="020B0604020202020204" pitchFamily="34" charset="0"/>
+                  <a:ea typeface="黑体" panose="02010609060101010101" pitchFamily="49" charset="-122"/>
+                </a:defRPr>
+              </a:lvl4pPr>
+              <a:lvl5pPr marL="2057400" indent="-228600">
+                <a:lnSpc>
+                  <a:spcPct val="90000"/>
+                </a:lnSpc>
+                <a:spcBef>
+                  <a:spcPts val="500"/>
+                </a:spcBef>
+                <a:buFont typeface="Arial" panose="020B0604020202020204" pitchFamily="34" charset="0"/>
+                <a:buChar char="•"/>
+                <a:defRPr>
+                  <a:solidFill>
+                    <a:schemeClr val="bg1"/>
+                  </a:solidFill>
+                  <a:latin typeface="Arial" panose="020B0604020202020204" pitchFamily="34" charset="0"/>
+                  <a:ea typeface="黑体" panose="02010609060101010101" pitchFamily="49" charset="-122"/>
+                </a:defRPr>
+              </a:lvl5pPr>
+              <a:lvl6pPr marL="2514600" indent="-228600" eaLnBrk="0" fontAlgn="base" hangingPunct="0">
+                <a:lnSpc>
+                  <a:spcPct val="90000"/>
+                </a:lnSpc>
+                <a:spcBef>
+                  <a:spcPts val="500"/>
+                </a:spcBef>
+                <a:spcAft>
+                  <a:spcPct val="0"/>
+                </a:spcAft>
+                <a:buFont typeface="Arial" panose="020B0604020202020204" pitchFamily="34" charset="0"/>
+                <a:buChar char="•"/>
+                <a:defRPr>
+                  <a:solidFill>
+                    <a:schemeClr val="bg1"/>
+                  </a:solidFill>
+                  <a:latin typeface="Arial" panose="020B0604020202020204" pitchFamily="34" charset="0"/>
+                  <a:ea typeface="黑体" panose="02010609060101010101" pitchFamily="49" charset="-122"/>
+                </a:defRPr>
+              </a:lvl6pPr>
+              <a:lvl7pPr marL="2971800" indent="-228600" eaLnBrk="0" fontAlgn="base" hangingPunct="0">
+                <a:lnSpc>
+                  <a:spcPct val="90000"/>
+                </a:lnSpc>
+                <a:spcBef>
+                  <a:spcPts val="500"/>
+                </a:spcBef>
+                <a:spcAft>
+                  <a:spcPct val="0"/>
+                </a:spcAft>
+                <a:buFont typeface="Arial" panose="020B0604020202020204" pitchFamily="34" charset="0"/>
+                <a:buChar char="•"/>
+                <a:defRPr>
+                  <a:solidFill>
+                    <a:schemeClr val="bg1"/>
+                  </a:solidFill>
+                  <a:latin typeface="Arial" panose="020B0604020202020204" pitchFamily="34" charset="0"/>
+                  <a:ea typeface="黑体" panose="02010609060101010101" pitchFamily="49" charset="-122"/>
+                </a:defRPr>
+              </a:lvl7pPr>
+              <a:lvl8pPr marL="3429000" indent="-228600" eaLnBrk="0" fontAlgn="base" hangingPunct="0">
+                <a:lnSpc>
+                  <a:spcPct val="90000"/>
+                </a:lnSpc>
+                <a:spcBef>
+                  <a:spcPts val="500"/>
+                </a:spcBef>
+                <a:spcAft>
+                  <a:spcPct val="0"/>
+                </a:spcAft>
+                <a:buFont typeface="Arial" panose="020B0604020202020204" pitchFamily="34" charset="0"/>
+                <a:buChar char="•"/>
+                <a:defRPr>
+                  <a:solidFill>
+                    <a:schemeClr val="bg1"/>
+                  </a:solidFill>
+                  <a:latin typeface="Arial" panose="020B0604020202020204" pitchFamily="34" charset="0"/>
+                  <a:ea typeface="黑体" panose="02010609060101010101" pitchFamily="49" charset="-122"/>
+                </a:defRPr>
+              </a:lvl8pPr>
+              <a:lvl9pPr marL="3886200" indent="-228600" eaLnBrk="0" fontAlgn="base" hangingPunct="0">
+                <a:lnSpc>
+                  <a:spcPct val="90000"/>
+                </a:lnSpc>
+                <a:spcBef>
+                  <a:spcPts val="500"/>
+                </a:spcBef>
+                <a:spcAft>
+                  <a:spcPct val="0"/>
+                </a:spcAft>
+                <a:buFont typeface="Arial" panose="020B0604020202020204" pitchFamily="34" charset="0"/>
+                <a:buChar char="•"/>
+                <a:defRPr>
+                  <a:solidFill>
+                    <a:schemeClr val="bg1"/>
+                  </a:solidFill>
+                  <a:latin typeface="Arial" panose="020B0604020202020204" pitchFamily="34" charset="0"/>
+                  <a:ea typeface="黑体" panose="02010609060101010101" pitchFamily="49" charset="-122"/>
+                </a:defRPr>
+              </a:lvl9pPr>
+            </a:lstStyle>
+            <a:p>
+              <a:pPr eaLnBrk="1" hangingPunct="1">
+                <a:lnSpc>
+                  <a:spcPct val="100000"/>
+                </a:lnSpc>
+                <a:spcBef>
+                  <a:spcPct val="0"/>
+                </a:spcBef>
+                <a:buFont typeface="Arial" panose="020B0604020202020204" pitchFamily="34" charset="0"/>
+                <a:buNone/>
+              </a:pPr>
+              <a:r>
+                <a:rPr lang="zh-CN" altLang="en-US" sz="4800">
+                  <a:latin typeface="方正姚体" panose="02010601030101010101" pitchFamily="2" charset="-122"/>
+                  <a:ea typeface="方正姚体" panose="02010601030101010101" pitchFamily="2" charset="-122"/>
+                  <a:sym typeface="方正姚体" panose="02010601030101010101" pitchFamily="2" charset="-122"/>
+                </a:rPr>
+                <a:t>目录</a:t>
+              </a:r>
+              <a:endParaRPr lang="zh-CN" altLang="en-US" sz="1800">
+                <a:solidFill>
+                  <a:schemeClr val="tx1"/>
+                </a:solidFill>
+                <a:ea typeface="宋体" panose="02010600030101010101" pitchFamily="2" charset="-122"/>
+              </a:endParaRPr>
+            </a:p>
+          </p:txBody>
+        </p:sp>
+        <p:sp>
+          <p:nvSpPr>
+            <p:cNvPr id="9246" name="TextBox 4"/>
+            <p:cNvSpPr>
+              <a:spLocks noChangeArrowheads="1"/>
+            </p:cNvSpPr>
+            <p:nvPr/>
+          </p:nvSpPr>
+          <p:spPr bwMode="auto">
+            <a:xfrm>
+              <a:off x="495275" y="551078"/>
+              <a:ext cx="1152466" cy="268992"/>
+            </a:xfrm>
+            <a:prstGeom prst="rect">
+              <a:avLst/>
+            </a:prstGeom>
+            <a:noFill/>
+            <a:ln>
+              <a:noFill/>
+            </a:ln>
+            <a:extLst>
+              <a:ext uri="{909E8E84-426E-40DD-AFC4-6F175D3DCCD1}">
+                <a14:hiddenFill xmlns:a14="http://schemas.microsoft.com/office/drawing/2010/main">
+                  <a:solidFill>
+                    <a:srgbClr val="FFFFFF"/>
+                  </a:solidFill>
+                </a14:hiddenFill>
+              </a:ext>
+              <a:ext uri="{91240B29-F687-4F45-9708-019B960494DF}">
+                <a14:hiddenLine xmlns:a14="http://schemas.microsoft.com/office/drawing/2010/main" w="9525">
+                  <a:solidFill>
+                    <a:srgbClr val="000000"/>
+                  </a:solidFill>
+                  <a:miter lim="800000"/>
+                  <a:headEnd/>
+                  <a:tailEnd/>
+                </a14:hiddenLine>
+              </a:ext>
+            </a:extLst>
+          </p:spPr>
+          <p:txBody>
+            <a:bodyPr>
+              <a:spAutoFit/>
+            </a:bodyPr>
+            <a:lstStyle/>
+            <a:p>
+              <a:pPr eaLnBrk="1" hangingPunct="1">
+                <a:buFont typeface="Arial" panose="020B0604020202020204" pitchFamily="34" charset="0"/>
+                <a:buNone/>
+                <a:defRPr/>
+              </a:pPr>
+              <a:r>
+                <a:rPr lang="en-US" sz="1735">
+                  <a:solidFill>
+                    <a:schemeClr val="bg1"/>
+                  </a:solidFill>
+                  <a:latin typeface="方正姚体" panose="02010601030101010101" pitchFamily="2" charset="-122"/>
+                  <a:ea typeface="方正姚体" panose="02010601030101010101" pitchFamily="2" charset="-122"/>
+                  <a:sym typeface="方正姚体" panose="02010601030101010101" pitchFamily="2" charset="-122"/>
+                </a:rPr>
+                <a:t>CONTENTS</a:t>
+              </a:r>
+              <a:endParaRPr lang="zh-CN" altLang="en-US" sz="1735">
+                <a:solidFill>
+                  <a:schemeClr val="bg1"/>
+                </a:solidFill>
+                <a:latin typeface="方正姚体" panose="02010601030101010101" pitchFamily="2" charset="-122"/>
+                <a:ea typeface="方正姚体" panose="02010601030101010101" pitchFamily="2" charset="-122"/>
+                <a:sym typeface="方正姚体" panose="02010601030101010101" pitchFamily="2" charset="-122"/>
+              </a:endParaRPr>
+            </a:p>
+          </p:txBody>
+        </p:sp>
+        <p:grpSp>
+          <p:nvGrpSpPr>
+            <p:cNvPr id="13331" name="Group 31"/>
+            <p:cNvGrpSpPr/>
+            <p:nvPr/>
+          </p:nvGrpSpPr>
+          <p:grpSpPr bwMode="auto">
+            <a:xfrm>
+              <a:off x="0" y="232518"/>
+              <a:ext cx="475749" cy="395435"/>
+              <a:chOff x="0" y="0"/>
+              <a:chExt cx="342508" cy="218788"/>
+            </a:xfrm>
+          </p:grpSpPr>
+          <p:sp>
+            <p:nvSpPr>
+              <p:cNvPr id="13332" name="矩形 73"/>
+              <p:cNvSpPr>
+                <a:spLocks noChangeArrowheads="1"/>
+              </p:cNvSpPr>
+              <p:nvPr/>
+            </p:nvSpPr>
+            <p:spPr bwMode="auto">
+              <a:xfrm>
+                <a:off x="0" y="0"/>
+                <a:ext cx="249605" cy="145859"/>
+              </a:xfrm>
+              <a:prstGeom prst="rect">
+                <a:avLst/>
+              </a:prstGeom>
+              <a:noFill/>
+              <a:ln w="25400">
+                <a:solidFill>
+                  <a:schemeClr val="bg1"/>
+                </a:solidFill>
+                <a:bevel/>
+              </a:ln>
+              <a:extLst>
+                <a:ext uri="{909E8E84-426E-40DD-AFC4-6F175D3DCCD1}">
+                  <a14:hiddenFill xmlns:a14="http://schemas.microsoft.com/office/drawing/2010/main">
+                    <a:solidFill>
+                      <a:srgbClr val="FFFFFF"/>
+                    </a:solidFill>
+                  </a14:hiddenFill>
+                </a:ext>
+              </a:extLst>
+            </p:spPr>
+            <p:txBody>
+              <a:bodyPr anchor="ctr"/>
+              <a:lstStyle>
+                <a:lvl1pPr>
+                  <a:lnSpc>
+                    <a:spcPct val="90000"/>
+                  </a:lnSpc>
+                  <a:spcBef>
+                    <a:spcPts val="1000"/>
+                  </a:spcBef>
+                  <a:buFont typeface="Arial" panose="020B0604020202020204" pitchFamily="34" charset="0"/>
+                  <a:buChar char="•"/>
+                  <a:defRPr sz="2400">
+                    <a:solidFill>
+                      <a:schemeClr val="bg1"/>
+                    </a:solidFill>
+                    <a:latin typeface="Arial" panose="020B0604020202020204" pitchFamily="34" charset="0"/>
+                    <a:ea typeface="黑体" panose="02010609060101010101" pitchFamily="49" charset="-122"/>
+                  </a:defRPr>
+                </a:lvl1pPr>
+                <a:lvl2pPr marL="742950" indent="-285750">
+                  <a:lnSpc>
+                    <a:spcPct val="90000"/>
+                  </a:lnSpc>
+                  <a:spcBef>
+                    <a:spcPts val="500"/>
+                  </a:spcBef>
+                  <a:buFont typeface="Arial" panose="020B0604020202020204" pitchFamily="34" charset="0"/>
+                  <a:buChar char="•"/>
+                  <a:defRPr sz="2000">
+                    <a:solidFill>
+                      <a:schemeClr val="bg1"/>
+                    </a:solidFill>
+                    <a:latin typeface="Arial" panose="020B0604020202020204" pitchFamily="34" charset="0"/>
+                    <a:ea typeface="黑体" panose="02010609060101010101" pitchFamily="49" charset="-122"/>
+                  </a:defRPr>
+                </a:lvl2pPr>
+                <a:lvl3pPr marL="1143000" indent="-228600">
+                  <a:lnSpc>
+                    <a:spcPct val="90000"/>
+                  </a:lnSpc>
+                  <a:spcBef>
+                    <a:spcPts val="500"/>
+                  </a:spcBef>
+                  <a:buFont typeface="Arial" panose="020B0604020202020204" pitchFamily="34" charset="0"/>
+                  <a:buChar char="•"/>
+                  <a:defRPr>
+                    <a:solidFill>
+                      <a:schemeClr val="bg1"/>
+                    </a:solidFill>
+                    <a:latin typeface="Arial" panose="020B0604020202020204" pitchFamily="34" charset="0"/>
+                    <a:ea typeface="黑体" panose="02010609060101010101" pitchFamily="49" charset="-122"/>
+                  </a:defRPr>
+                </a:lvl3pPr>
+                <a:lvl4pPr marL="1600200" indent="-228600">
+                  <a:lnSpc>
+                    <a:spcPct val="90000"/>
+                  </a:lnSpc>
+                  <a:spcBef>
+                    <a:spcPts val="500"/>
+                  </a:spcBef>
+                  <a:buFont typeface="Arial" panose="020B0604020202020204" pitchFamily="34" charset="0"/>
+                  <a:buChar char="•"/>
+                  <a:defRPr>
+                    <a:solidFill>
+                      <a:schemeClr val="bg1"/>
+                    </a:solidFill>
+                    <a:latin typeface="Arial" panose="020B0604020202020204" pitchFamily="34" charset="0"/>
+                    <a:ea typeface="黑体" panose="02010609060101010101" pitchFamily="49" charset="-122"/>
+                  </a:defRPr>
+                </a:lvl4pPr>
+                <a:lvl5pPr marL="2057400" indent="-228600">
+                  <a:lnSpc>
+                    <a:spcPct val="90000"/>
+                  </a:lnSpc>
+                  <a:spcBef>
+                    <a:spcPts val="500"/>
+                  </a:spcBef>
+                  <a:buFont typeface="Arial" panose="020B0604020202020204" pitchFamily="34" charset="0"/>
+                  <a:buChar char="•"/>
+                  <a:defRPr>
+                    <a:solidFill>
+                      <a:schemeClr val="bg1"/>
+                    </a:solidFill>
+                    <a:latin typeface="Arial" panose="020B0604020202020204" pitchFamily="34" charset="0"/>
+                    <a:ea typeface="黑体" panose="02010609060101010101" pitchFamily="49" charset="-122"/>
+                  </a:defRPr>
+                </a:lvl5pPr>
+                <a:lvl6pPr marL="2514600" indent="-228600" eaLnBrk="0" fontAlgn="base" hangingPunct="0">
+                  <a:lnSpc>
+                    <a:spcPct val="90000"/>
+                  </a:lnSpc>
+                  <a:spcBef>
+                    <a:spcPts val="500"/>
+                  </a:spcBef>
+                  <a:spcAft>
+                    <a:spcPct val="0"/>
+                  </a:spcAft>
+                  <a:buFont typeface="Arial" panose="020B0604020202020204" pitchFamily="34" charset="0"/>
+                  <a:buChar char="•"/>
+                  <a:defRPr>
+                    <a:solidFill>
+                      <a:schemeClr val="bg1"/>
+                    </a:solidFill>
+                    <a:latin typeface="Arial" panose="020B0604020202020204" pitchFamily="34" charset="0"/>
+                    <a:ea typeface="黑体" panose="02010609060101010101" pitchFamily="49" charset="-122"/>
+                  </a:defRPr>
+                </a:lvl6pPr>
+                <a:lvl7pPr marL="2971800" indent="-228600" eaLnBrk="0" fontAlgn="base" hangingPunct="0">
+                  <a:lnSpc>
+                    <a:spcPct val="90000"/>
+                  </a:lnSpc>
+                  <a:spcBef>
+                    <a:spcPts val="500"/>
+                  </a:spcBef>
+                  <a:spcAft>
+                    <a:spcPct val="0"/>
+                  </a:spcAft>
+                  <a:buFont typeface="Arial" panose="020B0604020202020204" pitchFamily="34" charset="0"/>
+                  <a:buChar char="•"/>
+                  <a:defRPr>
+                    <a:solidFill>
+                      <a:schemeClr val="bg1"/>
+                    </a:solidFill>
+                    <a:latin typeface="Arial" panose="020B0604020202020204" pitchFamily="34" charset="0"/>
+                    <a:ea typeface="黑体" panose="02010609060101010101" pitchFamily="49" charset="-122"/>
+                  </a:defRPr>
+                </a:lvl7pPr>
+                <a:lvl8pPr marL="3429000" indent="-228600" eaLnBrk="0" fontAlgn="base" hangingPunct="0">
+                  <a:lnSpc>
+                    <a:spcPct val="90000"/>
+                  </a:lnSpc>
+                  <a:spcBef>
+                    <a:spcPts val="500"/>
+                  </a:spcBef>
+                  <a:spcAft>
+                    <a:spcPct val="0"/>
+                  </a:spcAft>
+                  <a:buFont typeface="Arial" panose="020B0604020202020204" pitchFamily="34" charset="0"/>
+                  <a:buChar char="•"/>
+                  <a:defRPr>
+                    <a:solidFill>
+                      <a:schemeClr val="bg1"/>
+                    </a:solidFill>
+                    <a:latin typeface="Arial" panose="020B0604020202020204" pitchFamily="34" charset="0"/>
+                    <a:ea typeface="黑体" panose="02010609060101010101" pitchFamily="49" charset="-122"/>
+                  </a:defRPr>
+                </a:lvl8pPr>
+                <a:lvl9pPr marL="3886200" indent="-228600" eaLnBrk="0" fontAlgn="base" hangingPunct="0">
+                  <a:lnSpc>
+                    <a:spcPct val="90000"/>
+                  </a:lnSpc>
+                  <a:spcBef>
+                    <a:spcPts val="500"/>
+                  </a:spcBef>
+                  <a:spcAft>
+                    <a:spcPct val="0"/>
+                  </a:spcAft>
+                  <a:buFont typeface="Arial" panose="020B0604020202020204" pitchFamily="34" charset="0"/>
+                  <a:buChar char="•"/>
+                  <a:defRPr>
+                    <a:solidFill>
+                      <a:schemeClr val="bg1"/>
+                    </a:solidFill>
+                    <a:latin typeface="Arial" panose="020B0604020202020204" pitchFamily="34" charset="0"/>
+                    <a:ea typeface="黑体" panose="02010609060101010101" pitchFamily="49" charset="-122"/>
+                  </a:defRPr>
+                </a:lvl9pPr>
+              </a:lstStyle>
+              <a:p>
+                <a:pPr algn="ctr" eaLnBrk="1" hangingPunct="1">
+                  <a:lnSpc>
+                    <a:spcPct val="100000"/>
+                  </a:lnSpc>
+                  <a:spcBef>
+                    <a:spcPct val="0"/>
+                  </a:spcBef>
+                  <a:buFont typeface="Arial" panose="020B0604020202020204" pitchFamily="34" charset="0"/>
+                  <a:buNone/>
+                </a:pPr>
+                <a:endParaRPr lang="zh-CN" altLang="zh-CN" sz="1800">
+                  <a:solidFill>
+                    <a:srgbClr val="FFFFFF"/>
+                  </a:solidFill>
+                  <a:latin typeface="宋体" panose="02010600030101010101" pitchFamily="2" charset="-122"/>
+                  <a:ea typeface="宋体" panose="02010600030101010101" pitchFamily="2" charset="-122"/>
+                  <a:sym typeface="宋体" panose="02010600030101010101" pitchFamily="2" charset="-122"/>
+                </a:endParaRPr>
+              </a:p>
+            </p:txBody>
+          </p:sp>
+          <p:sp>
+            <p:nvSpPr>
+              <p:cNvPr id="13333" name="矩形 74"/>
+              <p:cNvSpPr>
+                <a:spLocks noChangeArrowheads="1"/>
+              </p:cNvSpPr>
+              <p:nvPr/>
+            </p:nvSpPr>
+            <p:spPr bwMode="auto">
+              <a:xfrm>
+                <a:off x="92903" y="72929"/>
+                <a:ext cx="249605" cy="145859"/>
+              </a:xfrm>
+              <a:prstGeom prst="rect">
+                <a:avLst/>
+              </a:prstGeom>
+              <a:noFill/>
+              <a:ln w="25400">
+                <a:solidFill>
+                  <a:schemeClr val="bg1"/>
+                </a:solidFill>
+                <a:bevel/>
+              </a:ln>
+              <a:extLst>
+                <a:ext uri="{909E8E84-426E-40DD-AFC4-6F175D3DCCD1}">
+                  <a14:hiddenFill xmlns:a14="http://schemas.microsoft.com/office/drawing/2010/main">
+                    <a:solidFill>
+                      <a:srgbClr val="FFFFFF"/>
+                    </a:solidFill>
+                  </a14:hiddenFill>
+                </a:ext>
+              </a:extLst>
+            </p:spPr>
+            <p:txBody>
+              <a:bodyPr anchor="ctr"/>
+              <a:lstStyle>
+                <a:lvl1pPr>
+                  <a:lnSpc>
+                    <a:spcPct val="90000"/>
+                  </a:lnSpc>
+                  <a:spcBef>
+                    <a:spcPts val="1000"/>
+                  </a:spcBef>
+                  <a:buFont typeface="Arial" panose="020B0604020202020204" pitchFamily="34" charset="0"/>
+                  <a:buChar char="•"/>
+                  <a:defRPr sz="2400">
+                    <a:solidFill>
+                      <a:schemeClr val="bg1"/>
+                    </a:solidFill>
+                    <a:latin typeface="Arial" panose="020B0604020202020204" pitchFamily="34" charset="0"/>
+                    <a:ea typeface="黑体" panose="02010609060101010101" pitchFamily="49" charset="-122"/>
+                  </a:defRPr>
+                </a:lvl1pPr>
+                <a:lvl2pPr marL="742950" indent="-285750">
+                  <a:lnSpc>
+                    <a:spcPct val="90000"/>
+                  </a:lnSpc>
+                  <a:spcBef>
+                    <a:spcPts val="500"/>
+                  </a:spcBef>
+                  <a:buFont typeface="Arial" panose="020B0604020202020204" pitchFamily="34" charset="0"/>
+                  <a:buChar char="•"/>
+                  <a:defRPr sz="2000">
+                    <a:solidFill>
+                      <a:schemeClr val="bg1"/>
+                    </a:solidFill>
+                    <a:latin typeface="Arial" panose="020B0604020202020204" pitchFamily="34" charset="0"/>
+                    <a:ea typeface="黑体" panose="02010609060101010101" pitchFamily="49" charset="-122"/>
+                  </a:defRPr>
+                </a:lvl2pPr>
+                <a:lvl3pPr marL="1143000" indent="-228600">
+                  <a:lnSpc>
+                    <a:spcPct val="90000"/>
+                  </a:lnSpc>
+                  <a:spcBef>
+                    <a:spcPts val="500"/>
+                  </a:spcBef>
+                  <a:buFont typeface="Arial" panose="020B0604020202020204" pitchFamily="34" charset="0"/>
+                  <a:buChar char="•"/>
+                  <a:defRPr>
+                    <a:solidFill>
+                      <a:schemeClr val="bg1"/>
+                    </a:solidFill>
+                    <a:latin typeface="Arial" panose="020B0604020202020204" pitchFamily="34" charset="0"/>
+                    <a:ea typeface="黑体" panose="02010609060101010101" pitchFamily="49" charset="-122"/>
+                  </a:defRPr>
+                </a:lvl3pPr>
+                <a:lvl4pPr marL="1600200" indent="-228600">
+                  <a:lnSpc>
+                    <a:spcPct val="90000"/>
+                  </a:lnSpc>
+                  <a:spcBef>
+                    <a:spcPts val="500"/>
+                  </a:spcBef>
+                  <a:buFont typeface="Arial" panose="020B0604020202020204" pitchFamily="34" charset="0"/>
+                  <a:buChar char="•"/>
+                  <a:defRPr>
+                    <a:solidFill>
+                      <a:schemeClr val="bg1"/>
+                    </a:solidFill>
+                    <a:latin typeface="Arial" panose="020B0604020202020204" pitchFamily="34" charset="0"/>
+                    <a:ea typeface="黑体" panose="02010609060101010101" pitchFamily="49" charset="-122"/>
+                  </a:defRPr>
+                </a:lvl4pPr>
+                <a:lvl5pPr marL="2057400" indent="-228600">
+                  <a:lnSpc>
+                    <a:spcPct val="90000"/>
+                  </a:lnSpc>
+                  <a:spcBef>
+                    <a:spcPts val="500"/>
+                  </a:spcBef>
+                  <a:buFont typeface="Arial" panose="020B0604020202020204" pitchFamily="34" charset="0"/>
+                  <a:buChar char="•"/>
+                  <a:defRPr>
+                    <a:solidFill>
+                      <a:schemeClr val="bg1"/>
+                    </a:solidFill>
+                    <a:latin typeface="Arial" panose="020B0604020202020204" pitchFamily="34" charset="0"/>
+                    <a:ea typeface="黑体" panose="02010609060101010101" pitchFamily="49" charset="-122"/>
+                  </a:defRPr>
+                </a:lvl5pPr>
+                <a:lvl6pPr marL="2514600" indent="-228600" eaLnBrk="0" fontAlgn="base" hangingPunct="0">
+                  <a:lnSpc>
+                    <a:spcPct val="90000"/>
+                  </a:lnSpc>
+                  <a:spcBef>
+                    <a:spcPts val="500"/>
+                  </a:spcBef>
+                  <a:spcAft>
+                    <a:spcPct val="0"/>
+                  </a:spcAft>
+                  <a:buFont typeface="Arial" panose="020B0604020202020204" pitchFamily="34" charset="0"/>
+                  <a:buChar char="•"/>
+                  <a:defRPr>
+                    <a:solidFill>
+                      <a:schemeClr val="bg1"/>
+                    </a:solidFill>
+                    <a:latin typeface="Arial" panose="020B0604020202020204" pitchFamily="34" charset="0"/>
+                    <a:ea typeface="黑体" panose="02010609060101010101" pitchFamily="49" charset="-122"/>
+                  </a:defRPr>
+                </a:lvl6pPr>
+                <a:lvl7pPr marL="2971800" indent="-228600" eaLnBrk="0" fontAlgn="base" hangingPunct="0">
+                  <a:lnSpc>
+                    <a:spcPct val="90000"/>
+                  </a:lnSpc>
+                  <a:spcBef>
+                    <a:spcPts val="500"/>
+                  </a:spcBef>
+                  <a:spcAft>
+                    <a:spcPct val="0"/>
+                  </a:spcAft>
+                  <a:buFont typeface="Arial" panose="020B0604020202020204" pitchFamily="34" charset="0"/>
+                  <a:buChar char="•"/>
+                  <a:defRPr>
+                    <a:solidFill>
+                      <a:schemeClr val="bg1"/>
+                    </a:solidFill>
+                    <a:latin typeface="Arial" panose="020B0604020202020204" pitchFamily="34" charset="0"/>
+                    <a:ea typeface="黑体" panose="02010609060101010101" pitchFamily="49" charset="-122"/>
+                  </a:defRPr>
+                </a:lvl7pPr>
+                <a:lvl8pPr marL="3429000" indent="-228600" eaLnBrk="0" fontAlgn="base" hangingPunct="0">
+                  <a:lnSpc>
+                    <a:spcPct val="90000"/>
+                  </a:lnSpc>
+                  <a:spcBef>
+                    <a:spcPts val="500"/>
+                  </a:spcBef>
+                  <a:spcAft>
+                    <a:spcPct val="0"/>
+                  </a:spcAft>
+                  <a:buFont typeface="Arial" panose="020B0604020202020204" pitchFamily="34" charset="0"/>
+                  <a:buChar char="•"/>
+                  <a:defRPr>
+                    <a:solidFill>
+                      <a:schemeClr val="bg1"/>
+                    </a:solidFill>
+                    <a:latin typeface="Arial" panose="020B0604020202020204" pitchFamily="34" charset="0"/>
+                    <a:ea typeface="黑体" panose="02010609060101010101" pitchFamily="49" charset="-122"/>
+                  </a:defRPr>
+                </a:lvl8pPr>
+                <a:lvl9pPr marL="3886200" indent="-228600" eaLnBrk="0" fontAlgn="base" hangingPunct="0">
+                  <a:lnSpc>
+                    <a:spcPct val="90000"/>
+                  </a:lnSpc>
+                  <a:spcBef>
+                    <a:spcPts val="500"/>
+                  </a:spcBef>
+                  <a:spcAft>
+                    <a:spcPct val="0"/>
+                  </a:spcAft>
+                  <a:buFont typeface="Arial" panose="020B0604020202020204" pitchFamily="34" charset="0"/>
+                  <a:buChar char="•"/>
+                  <a:defRPr>
+                    <a:solidFill>
+                      <a:schemeClr val="bg1"/>
+                    </a:solidFill>
+                    <a:latin typeface="Arial" panose="020B0604020202020204" pitchFamily="34" charset="0"/>
+                    <a:ea typeface="黑体" panose="02010609060101010101" pitchFamily="49" charset="-122"/>
+                  </a:defRPr>
+                </a:lvl9pPr>
+              </a:lstStyle>
+              <a:p>
+                <a:pPr algn="ctr" eaLnBrk="1" hangingPunct="1">
+                  <a:lnSpc>
+                    <a:spcPct val="100000"/>
+                  </a:lnSpc>
+                  <a:spcBef>
+                    <a:spcPct val="0"/>
+                  </a:spcBef>
+                  <a:buFont typeface="Arial" panose="020B0604020202020204" pitchFamily="34" charset="0"/>
+                  <a:buNone/>
+                </a:pPr>
+                <a:endParaRPr lang="zh-CN" altLang="zh-CN" sz="1800">
+                  <a:solidFill>
+                    <a:srgbClr val="FFFFFF"/>
+                  </a:solidFill>
+                  <a:latin typeface="宋体" panose="02010600030101010101" pitchFamily="2" charset="-122"/>
+                  <a:ea typeface="宋体" panose="02010600030101010101" pitchFamily="2" charset="-122"/>
+                  <a:sym typeface="宋体" panose="02010600030101010101" pitchFamily="2" charset="-122"/>
+                </a:endParaRPr>
+              </a:p>
+            </p:txBody>
+          </p:sp>
+        </p:grpSp>
+      </p:grpSp>
+    </p:spTree>
+    <p:custDataLst>
+      <p:tags r:id="rId1"/>
+    </p:custDataLst>
+  </p:cSld>
+  <p:clrMapOvr>
+    <a:masterClrMapping/>
+  </p:clrMapOvr>
+  <p:timing>
+    <p:tnLst>
+      <p:par>
+        <p:cTn id="1" dur="indefinite" restart="never" nodeType="tmRoot">
+          <p:childTnLst>
+            <p:seq concurrent="1" nextAc="seek">
+              <p:cTn id="2" dur="indefinite" nodeType="mainSeq">
+                <p:childTnLst>
+                  <p:par>
+                    <p:cTn id="3" fill="hold">
+                      <p:stCondLst>
+                        <p:cond delay="indefinite"/>
+                        <p:cond evt="onBegin" delay="0">
+                          <p:tn val="2"/>
+                        </p:cond>
+                      </p:stCondLst>
+                      <p:childTnLst>
+                        <p:par>
+                          <p:cTn id="4" fill="hold">
+                            <p:stCondLst>
+                              <p:cond delay="0"/>
+                            </p:stCondLst>
+                            <p:childTnLst>
+                              <p:par>
+                                <p:cTn id="5" presetID="35" presetClass="entr" presetSubtype="0" fill="hold" grpId="0" nodeType="withEffect">
+                                  <p:stCondLst>
+                                    <p:cond delay="0"/>
+                                  </p:stCondLst>
+                                  <p:childTnLst>
+                                    <p:set>
+                                      <p:cBhvr>
+                                        <p:cTn id="6" dur="1" fill="hold">
+                                          <p:stCondLst>
+                                            <p:cond delay="0"/>
+                                          </p:stCondLst>
+                                        </p:cTn>
+                                        <p:tgtEl>
+                                          <p:spTgt spid="9243"/>
+                                        </p:tgtEl>
+                                        <p:attrNameLst>
+                                          <p:attrName>style.visibility</p:attrName>
+                                        </p:attrNameLst>
+                                      </p:cBhvr>
+                                      <p:to>
+                                        <p:strVal val="visible"/>
+                                      </p:to>
+                                    </p:set>
+                                    <p:animEffect>
+                                      <p:cBhvr>
+                                        <p:cTn id="7" dur="500"/>
+                                        <p:tgtEl>
+                                          <p:spTgt spid="9243"/>
+                                        </p:tgtEl>
+                                      </p:cBhvr>
+                                    </p:animEffect>
+                                    <p:anim calcmode="lin" valueType="num">
+                                      <p:cBhvr>
+                                        <p:cTn id="8" dur="500" fill="hold"/>
+                                        <p:tgtEl>
+                                          <p:spTgt spid="9243"/>
+                                        </p:tgtEl>
+                                        <p:attrNameLst>
+                                          <p:attrName>style.rotation</p:attrName>
+                                        </p:attrNameLst>
+                                      </p:cBhvr>
+                                      <p:tavLst>
+                                        <p:tav tm="0">
+                                          <p:val>
+                                            <p:fltVal val="720"/>
+                                          </p:val>
+                                        </p:tav>
+                                        <p:tav tm="100000">
+                                          <p:val>
+                                            <p:fltVal val="0"/>
+                                          </p:val>
+                                        </p:tav>
+                                      </p:tavLst>
+                                    </p:anim>
+                                    <p:anim calcmode="lin" valueType="num">
+                                      <p:cBhvr>
+                                        <p:cTn id="9" dur="500" fill="hold"/>
+                                        <p:tgtEl>
+                                          <p:spTgt spid="9243"/>
+                                        </p:tgtEl>
+                                        <p:attrNameLst>
+                                          <p:attrName>ppt_h</p:attrName>
+                                        </p:attrNameLst>
+                                      </p:cBhvr>
+                                      <p:tavLst>
+                                        <p:tav tm="0">
+                                          <p:val>
+                                            <p:fltVal val="0"/>
+                                          </p:val>
+                                        </p:tav>
+                                        <p:tav tm="100000">
+                                          <p:val>
+                                            <p:strVal val="#ppt_h"/>
+                                          </p:val>
+                                        </p:tav>
+                                      </p:tavLst>
+                                    </p:anim>
+                                    <p:anim calcmode="lin" valueType="num">
+                                      <p:cBhvr>
+                                        <p:cTn id="10" dur="500" fill="hold"/>
+                                        <p:tgtEl>
+                                          <p:spTgt spid="9243"/>
+                                        </p:tgtEl>
+                                        <p:attrNameLst>
+                                          <p:attrName>ppt_w</p:attrName>
+                                        </p:attrNameLst>
+                                      </p:cBhvr>
+                                      <p:tavLst>
+                                        <p:tav tm="0">
+                                          <p:val>
+                                            <p:fltVal val="0"/>
+                                          </p:val>
+                                        </p:tav>
+                                        <p:tav tm="100000">
+                                          <p:val>
+                                            <p:strVal val="#ppt_w"/>
+                                          </p:val>
+                                        </p:tav>
+                                      </p:tavLst>
+                                    </p:anim>
+                                  </p:childTnLst>
+                                </p:cTn>
+                              </p:par>
+                            </p:childTnLst>
+                          </p:cTn>
+                        </p:par>
+                        <p:par>
+                          <p:cTn id="11" fill="hold">
+                            <p:stCondLst>
+                              <p:cond delay="500"/>
+                            </p:stCondLst>
+                            <p:childTnLst>
+                              <p:par>
+                                <p:cTn id="12" presetID="2" presetClass="entr" presetSubtype="8" fill="hold" grpId="0" nodeType="afterEffect">
+                                  <p:stCondLst>
+                                    <p:cond delay="0"/>
+                                  </p:stCondLst>
+                                  <p:childTnLst>
+                                    <p:set>
+                                      <p:cBhvr>
+                                        <p:cTn id="13" dur="1" fill="hold">
+                                          <p:stCondLst>
+                                            <p:cond delay="0"/>
+                                          </p:stCondLst>
+                                        </p:cTn>
+                                        <p:tgtEl>
+                                          <p:spTgt spid="9218"/>
+                                        </p:tgtEl>
+                                        <p:attrNameLst>
+                                          <p:attrName>style.visibility</p:attrName>
+                                        </p:attrNameLst>
+                                      </p:cBhvr>
+                                      <p:to>
+                                        <p:strVal val="visible"/>
+                                      </p:to>
+                                    </p:set>
+                                    <p:anim calcmode="lin" valueType="num">
+                                      <p:cBhvr>
+                                        <p:cTn id="14" dur="500" fill="hold"/>
+                                        <p:tgtEl>
+                                          <p:spTgt spid="9218"/>
+                                        </p:tgtEl>
+                                        <p:attrNameLst>
+                                          <p:attrName>ppt_x</p:attrName>
+                                        </p:attrNameLst>
+                                      </p:cBhvr>
+                                      <p:tavLst>
+                                        <p:tav tm="0">
+                                          <p:val>
+                                            <p:strVal val="0-#ppt_w/2"/>
+                                          </p:val>
+                                        </p:tav>
+                                        <p:tav tm="100000">
+                                          <p:val>
+                                            <p:strVal val="#ppt_x"/>
+                                          </p:val>
+                                        </p:tav>
+                                      </p:tavLst>
+                                    </p:anim>
+                                    <p:anim calcmode="lin" valueType="num">
+                                      <p:cBhvr>
+                                        <p:cTn id="15" dur="500" fill="hold"/>
+                                        <p:tgtEl>
+                                          <p:spTgt spid="9218"/>
+                                        </p:tgtEl>
+                                        <p:attrNameLst>
+                                          <p:attrName>ppt_y</p:attrName>
+                                        </p:attrNameLst>
+                                      </p:cBhvr>
+                                      <p:tavLst>
+                                        <p:tav tm="0">
+                                          <p:val>
+                                            <p:strVal val="#ppt_y"/>
+                                          </p:val>
+                                        </p:tav>
+                                        <p:tav tm="100000">
+                                          <p:val>
+                                            <p:strVal val="#ppt_y"/>
+                                          </p:val>
+                                        </p:tav>
+                                      </p:tavLst>
+                                    </p:anim>
+                                  </p:childTnLst>
+                                </p:cTn>
+                              </p:par>
+                            </p:childTnLst>
+                          </p:cTn>
+                        </p:par>
+                        <p:par>
+                          <p:cTn id="16" fill="hold">
+                            <p:stCondLst>
+                              <p:cond delay="1000"/>
+                            </p:stCondLst>
+                            <p:childTnLst>
+                              <p:par>
+                                <p:cTn id="17" presetID="10" presetClass="entr" presetSubtype="0" fill="hold" nodeType="afterEffect">
+                                  <p:stCondLst>
+                                    <p:cond delay="0"/>
+                                  </p:stCondLst>
+                                  <p:childTnLst>
+                                    <p:set>
+                                      <p:cBhvr>
+                                        <p:cTn id="18" dur="1" fill="hold">
+                                          <p:stCondLst>
+                                            <p:cond delay="0"/>
+                                          </p:stCondLst>
+                                        </p:cTn>
+                                        <p:tgtEl>
+                                          <p:spTgt spid="9244"/>
+                                        </p:tgtEl>
+                                        <p:attrNameLst>
+                                          <p:attrName>style.visibility</p:attrName>
+                                        </p:attrNameLst>
+                                      </p:cBhvr>
+                                      <p:to>
+                                        <p:strVal val="visible"/>
+                                      </p:to>
+                                    </p:set>
+                                    <p:anim calcmode="lin" valueType="num">
+                                      <p:cBhvr>
+                                        <p:cTn id="19" dur="500" fill="hold"/>
+                                        <p:tgtEl>
+                                          <p:spTgt spid="9244"/>
+                                        </p:tgtEl>
+                                        <p:attrNameLst>
+                                          <p:attrName>ppt_w</p:attrName>
+                                        </p:attrNameLst>
+                                      </p:cBhvr>
+                                      <p:tavLst>
+                                        <p:tav tm="0">
+                                          <p:val>
+                                            <p:fltVal val="0"/>
+                                          </p:val>
+                                        </p:tav>
+                                        <p:tav tm="100000">
+                                          <p:val>
+                                            <p:strVal val="#ppt_w"/>
+                                          </p:val>
+                                        </p:tav>
+                                      </p:tavLst>
+                                    </p:anim>
+                                    <p:anim calcmode="lin" valueType="num">
+                                      <p:cBhvr>
+                                        <p:cTn id="20" dur="500" fill="hold"/>
+                                        <p:tgtEl>
+                                          <p:spTgt spid="9244"/>
+                                        </p:tgtEl>
+                                        <p:attrNameLst>
+                                          <p:attrName>ppt_h</p:attrName>
+                                        </p:attrNameLst>
+                                      </p:cBhvr>
+                                      <p:tavLst>
+                                        <p:tav tm="0">
+                                          <p:val>
+                                            <p:fltVal val="0"/>
+                                          </p:val>
+                                        </p:tav>
+                                        <p:tav tm="100000">
+                                          <p:val>
+                                            <p:strVal val="#ppt_h"/>
+                                          </p:val>
+                                        </p:tav>
+                                      </p:tavLst>
+                                    </p:anim>
+                                    <p:animEffect>
+                                      <p:cBhvr>
+                                        <p:cTn id="21" dur="500"/>
+                                        <p:tgtEl>
+                                          <p:spTgt spid="9244"/>
+                                        </p:tgtEl>
+                                      </p:cBhvr>
+                                    </p:animEffect>
+                                  </p:childTnLst>
+                                </p:cTn>
+                              </p:par>
+                            </p:childTnLst>
+                          </p:cTn>
+                        </p:par>
+                        <p:par>
+                          <p:cTn id="22" fill="hold">
+                            <p:stCondLst>
+                              <p:cond delay="1500"/>
+                            </p:stCondLst>
+                            <p:childTnLst>
+                              <p:par>
+                                <p:cTn id="23" presetID="22" presetClass="entr" presetSubtype="8" fill="hold" nodeType="afterEffect">
+                                  <p:stCondLst>
+                                    <p:cond delay="0"/>
+                                  </p:stCondLst>
+                                  <p:childTnLst>
+                                    <p:set>
+                                      <p:cBhvr>
+                                        <p:cTn id="24" dur="1" fill="hold">
+                                          <p:stCondLst>
+                                            <p:cond delay="0"/>
+                                          </p:stCondLst>
+                                        </p:cTn>
+                                        <p:tgtEl>
+                                          <p:spTgt spid="9225"/>
+                                        </p:tgtEl>
+                                        <p:attrNameLst>
+                                          <p:attrName>style.visibility</p:attrName>
+                                        </p:attrNameLst>
+                                      </p:cBhvr>
+                                      <p:to>
+                                        <p:strVal val="visible"/>
+                                      </p:to>
+                                    </p:set>
+                                    <p:animEffect>
+                                      <p:cBhvr>
+                                        <p:cTn id="25" dur="500"/>
+                                        <p:tgtEl>
+                                          <p:spTgt spid="9225"/>
+                                        </p:tgtEl>
+                                      </p:cBhvr>
+                                    </p:animEffect>
+                                  </p:childTnLst>
+                                </p:cTn>
+                              </p:par>
+                              <p:par>
+                                <p:cTn id="26" presetID="12" presetClass="entr" presetSubtype="4" fill="hold" grpId="0" nodeType="withEffect">
+                                  <p:stCondLst>
+                                    <p:cond delay="0"/>
+                                  </p:stCondLst>
+                                  <p:childTnLst>
+                                    <p:set>
+                                      <p:cBhvr>
+                                        <p:cTn id="27" dur="1" fill="hold">
+                                          <p:stCondLst>
+                                            <p:cond delay="0"/>
+                                          </p:stCondLst>
+                                        </p:cTn>
+                                        <p:tgtEl>
+                                          <p:spTgt spid="9219"/>
+                                        </p:tgtEl>
+                                        <p:attrNameLst>
+                                          <p:attrName>style.visibility</p:attrName>
+                                        </p:attrNameLst>
+                                      </p:cBhvr>
+                                      <p:to>
+                                        <p:strVal val="visible"/>
+                                      </p:to>
+                                    </p:set>
+                                    <p:anim calcmode="lin" valueType="num">
+                                      <p:cBhvr>
+                                        <p:cTn id="28" dur="500"/>
+                                        <p:tgtEl>
+                                          <p:spTgt spid="9219"/>
+                                        </p:tgtEl>
+                                        <p:attrNameLst>
+                                          <p:attrName>ppt_y</p:attrName>
+                                        </p:attrNameLst>
+                                      </p:cBhvr>
+                                      <p:tavLst>
+                                        <p:tav tm="0">
+                                          <p:val>
+                                            <p:strVal val="#ppt_y+#ppt_h*1.125000"/>
+                                          </p:val>
+                                        </p:tav>
+                                        <p:tav tm="100000">
+                                          <p:val>
+                                            <p:strVal val="#ppt_y"/>
+                                          </p:val>
+                                        </p:tav>
+                                      </p:tavLst>
+                                    </p:anim>
+                                    <p:animEffect>
+                                      <p:cBhvr>
+                                        <p:cTn id="29" dur="500"/>
+                                        <p:tgtEl>
+                                          <p:spTgt spid="9219"/>
+                                        </p:tgtEl>
+                                      </p:cBhvr>
+                                    </p:animEffect>
+                                  </p:childTnLst>
+                                </p:cTn>
+                              </p:par>
+                            </p:childTnLst>
+                          </p:cTn>
+                        </p:par>
+                        <p:par>
+                          <p:cTn id="30" fill="hold">
+                            <p:stCondLst>
+                              <p:cond delay="2000"/>
+                            </p:stCondLst>
+                            <p:childTnLst>
+                              <p:par>
+                                <p:cTn id="31" presetID="22" presetClass="entr" presetSubtype="8" fill="hold" nodeType="afterEffect">
+                                  <p:stCondLst>
+                                    <p:cond delay="0"/>
+                                  </p:stCondLst>
+                                  <p:childTnLst>
+                                    <p:set>
+                                      <p:cBhvr>
+                                        <p:cTn id="32" dur="1" fill="hold">
+                                          <p:stCondLst>
+                                            <p:cond delay="0"/>
+                                          </p:stCondLst>
+                                        </p:cTn>
+                                        <p:tgtEl>
+                                          <p:spTgt spid="9228"/>
+                                        </p:tgtEl>
+                                        <p:attrNameLst>
+                                          <p:attrName>style.visibility</p:attrName>
+                                        </p:attrNameLst>
+                                      </p:cBhvr>
+                                      <p:to>
+                                        <p:strVal val="visible"/>
+                                      </p:to>
+                                    </p:set>
+                                    <p:animEffect>
+                                      <p:cBhvr>
+                                        <p:cTn id="33" dur="500"/>
+                                        <p:tgtEl>
+                                          <p:spTgt spid="9228"/>
+                                        </p:tgtEl>
+                                      </p:cBhvr>
+                                    </p:animEffect>
+                                  </p:childTnLst>
+                                </p:cTn>
+                              </p:par>
+                              <p:par>
+                                <p:cTn id="34" presetID="12" presetClass="entr" presetSubtype="4" fill="hold" grpId="0" nodeType="withEffect">
+                                  <p:stCondLst>
+                                    <p:cond delay="0"/>
+                                  </p:stCondLst>
+                                  <p:childTnLst>
+                                    <p:set>
+                                      <p:cBhvr>
+                                        <p:cTn id="35" dur="1" fill="hold">
+                                          <p:stCondLst>
+                                            <p:cond delay="0"/>
+                                          </p:stCondLst>
+                                        </p:cTn>
+                                        <p:tgtEl>
+                                          <p:spTgt spid="9220"/>
+                                        </p:tgtEl>
+                                        <p:attrNameLst>
+                                          <p:attrName>style.visibility</p:attrName>
+                                        </p:attrNameLst>
+                                      </p:cBhvr>
+                                      <p:to>
+                                        <p:strVal val="visible"/>
+                                      </p:to>
+                                    </p:set>
+                                    <p:anim calcmode="lin" valueType="num">
+                                      <p:cBhvr>
+                                        <p:cTn id="36" dur="500"/>
+                                        <p:tgtEl>
+                                          <p:spTgt spid="9220"/>
+                                        </p:tgtEl>
+                                        <p:attrNameLst>
+                                          <p:attrName>ppt_y</p:attrName>
+                                        </p:attrNameLst>
+                                      </p:cBhvr>
+                                      <p:tavLst>
+                                        <p:tav tm="0">
+                                          <p:val>
+                                            <p:strVal val="#ppt_y+#ppt_h*1.125000"/>
+                                          </p:val>
+                                        </p:tav>
+                                        <p:tav tm="100000">
+                                          <p:val>
+                                            <p:strVal val="#ppt_y"/>
+                                          </p:val>
+                                        </p:tav>
+                                      </p:tavLst>
+                                    </p:anim>
+                                    <p:animEffect>
+                                      <p:cBhvr>
+                                        <p:cTn id="37" dur="500"/>
+                                        <p:tgtEl>
+                                          <p:spTgt spid="9220"/>
+                                        </p:tgtEl>
+                                      </p:cBhvr>
+                                    </p:animEffect>
+                                  </p:childTnLst>
+                                </p:cTn>
+                              </p:par>
+                            </p:childTnLst>
+                          </p:cTn>
+                        </p:par>
+                        <p:par>
+                          <p:cTn id="38" fill="hold">
+                            <p:stCondLst>
+                              <p:cond delay="2500"/>
+                            </p:stCondLst>
+                            <p:childTnLst>
+                              <p:par>
+                                <p:cTn id="39" presetID="22" presetClass="entr" presetSubtype="8" fill="hold" nodeType="afterEffect">
+                                  <p:stCondLst>
+                                    <p:cond delay="0"/>
+                                  </p:stCondLst>
+                                  <p:childTnLst>
+                                    <p:set>
+                                      <p:cBhvr>
+                                        <p:cTn id="40" dur="1" fill="hold">
+                                          <p:stCondLst>
+                                            <p:cond delay="0"/>
+                                          </p:stCondLst>
+                                        </p:cTn>
+                                        <p:tgtEl>
+                                          <p:spTgt spid="9231"/>
+                                        </p:tgtEl>
+                                        <p:attrNameLst>
+                                          <p:attrName>style.visibility</p:attrName>
+                                        </p:attrNameLst>
+                                      </p:cBhvr>
+                                      <p:to>
+                                        <p:strVal val="visible"/>
+                                      </p:to>
+                                    </p:set>
+                                    <p:animEffect>
+                                      <p:cBhvr>
+                                        <p:cTn id="41" dur="500"/>
+                                        <p:tgtEl>
+                                          <p:spTgt spid="9231"/>
+                                        </p:tgtEl>
+                                      </p:cBhvr>
+                                    </p:animEffect>
+                                  </p:childTnLst>
+                                </p:cTn>
+                              </p:par>
+                              <p:par>
+                                <p:cTn id="42" presetID="12" presetClass="entr" presetSubtype="4" fill="hold" grpId="0" nodeType="withEffect">
+                                  <p:stCondLst>
+                                    <p:cond delay="0"/>
+                                  </p:stCondLst>
+                                  <p:childTnLst>
+                                    <p:set>
+                                      <p:cBhvr>
+                                        <p:cTn id="43" dur="1" fill="hold">
+                                          <p:stCondLst>
+                                            <p:cond delay="0"/>
+                                          </p:stCondLst>
+                                        </p:cTn>
+                                        <p:tgtEl>
+                                          <p:spTgt spid="9221"/>
+                                        </p:tgtEl>
+                                        <p:attrNameLst>
+                                          <p:attrName>style.visibility</p:attrName>
+                                        </p:attrNameLst>
+                                      </p:cBhvr>
+                                      <p:to>
+                                        <p:strVal val="visible"/>
+                                      </p:to>
+                                    </p:set>
+                                    <p:anim calcmode="lin" valueType="num">
+                                      <p:cBhvr>
+                                        <p:cTn id="44" dur="500"/>
+                                        <p:tgtEl>
+                                          <p:spTgt spid="9221"/>
+                                        </p:tgtEl>
+                                        <p:attrNameLst>
+                                          <p:attrName>ppt_y</p:attrName>
+                                        </p:attrNameLst>
+                                      </p:cBhvr>
+                                      <p:tavLst>
+                                        <p:tav tm="0">
+                                          <p:val>
+                                            <p:strVal val="#ppt_y+#ppt_h*1.125000"/>
+                                          </p:val>
+                                        </p:tav>
+                                        <p:tav tm="100000">
+                                          <p:val>
+                                            <p:strVal val="#ppt_y"/>
+                                          </p:val>
+                                        </p:tav>
+                                      </p:tavLst>
+                                    </p:anim>
+                                    <p:animEffect>
+                                      <p:cBhvr>
+                                        <p:cTn id="45" dur="500"/>
+                                        <p:tgtEl>
+                                          <p:spTgt spid="9221"/>
+                                        </p:tgtEl>
+                                      </p:cBhvr>
+                                    </p:animEffect>
+                                  </p:childTnLst>
+                                </p:cTn>
+                              </p:par>
+                            </p:childTnLst>
+                          </p:cTn>
+                        </p:par>
+                        <p:par>
+                          <p:cTn id="46" fill="hold">
+                            <p:stCondLst>
+                              <p:cond delay="3000"/>
+                            </p:stCondLst>
+                            <p:childTnLst>
+                              <p:par>
+                                <p:cTn id="47" presetID="22" presetClass="entr" presetSubtype="8" fill="hold" nodeType="afterEffect">
+                                  <p:stCondLst>
+                                    <p:cond delay="0"/>
+                                  </p:stCondLst>
+                                  <p:childTnLst>
+                                    <p:set>
+                                      <p:cBhvr>
+                                        <p:cTn id="48" dur="1" fill="hold">
+                                          <p:stCondLst>
+                                            <p:cond delay="0"/>
+                                          </p:stCondLst>
+                                        </p:cTn>
+                                        <p:tgtEl>
+                                          <p:spTgt spid="9234"/>
+                                        </p:tgtEl>
+                                        <p:attrNameLst>
+                                          <p:attrName>style.visibility</p:attrName>
+                                        </p:attrNameLst>
+                                      </p:cBhvr>
+                                      <p:to>
+                                        <p:strVal val="visible"/>
+                                      </p:to>
+                                    </p:set>
+                                    <p:animEffect>
+                                      <p:cBhvr>
+                                        <p:cTn id="49" dur="500"/>
+                                        <p:tgtEl>
+                                          <p:spTgt spid="9234"/>
+                                        </p:tgtEl>
+                                      </p:cBhvr>
+                                    </p:animEffect>
+                                  </p:childTnLst>
+                                </p:cTn>
+                              </p:par>
+                              <p:par>
+                                <p:cTn id="50" presetID="12" presetClass="entr" presetSubtype="4" fill="hold" grpId="0" nodeType="withEffect">
+                                  <p:stCondLst>
+                                    <p:cond delay="0"/>
+                                  </p:stCondLst>
+                                  <p:childTnLst>
+                                    <p:set>
+                                      <p:cBhvr>
+                                        <p:cTn id="51" dur="1" fill="hold">
+                                          <p:stCondLst>
+                                            <p:cond delay="0"/>
+                                          </p:stCondLst>
+                                        </p:cTn>
+                                        <p:tgtEl>
+                                          <p:spTgt spid="9222"/>
+                                        </p:tgtEl>
+                                        <p:attrNameLst>
+                                          <p:attrName>style.visibility</p:attrName>
+                                        </p:attrNameLst>
+                                      </p:cBhvr>
+                                      <p:to>
+                                        <p:strVal val="visible"/>
+                                      </p:to>
+                                    </p:set>
+                                    <p:anim calcmode="lin" valueType="num">
+                                      <p:cBhvr>
+                                        <p:cTn id="52" dur="500"/>
+                                        <p:tgtEl>
+                                          <p:spTgt spid="9222"/>
+                                        </p:tgtEl>
+                                        <p:attrNameLst>
+                                          <p:attrName>ppt_y</p:attrName>
+                                        </p:attrNameLst>
+                                      </p:cBhvr>
+                                      <p:tavLst>
+                                        <p:tav tm="0">
+                                          <p:val>
+                                            <p:strVal val="#ppt_y+#ppt_h*1.125000"/>
+                                          </p:val>
+                                        </p:tav>
+                                        <p:tav tm="100000">
+                                          <p:val>
+                                            <p:strVal val="#ppt_y"/>
+                                          </p:val>
+                                        </p:tav>
+                                      </p:tavLst>
+                                    </p:anim>
+                                    <p:animEffect>
+                                      <p:cBhvr>
+                                        <p:cTn id="53" dur="500"/>
+                                        <p:tgtEl>
+                                          <p:spTgt spid="9222"/>
+                                        </p:tgtEl>
+                                      </p:cBhvr>
+                                    </p:animEffect>
+                                  </p:childTnLst>
+                                </p:cTn>
+                              </p:par>
+                            </p:childTnLst>
+                          </p:cTn>
+                        </p:par>
+                      </p:childTnLst>
+                    </p:cTn>
+                  </p:par>
+                </p:childTnLst>
+              </p:cTn>
+              <p:prevCondLst>
+                <p:cond evt="onPrev" delay="0">
+                  <p:tgtEl>
+                    <p:sldTgt/>
+                  </p:tgtEl>
+                </p:cond>
+              </p:prevCondLst>
+              <p:nextCondLst>
+                <p:cond evt="onNext" delay="0">
+                  <p:tgtEl>
+                    <p:sldTgt/>
+                  </p:tgtEl>
+                </p:cond>
+              </p:nextCondLst>
+            </p:seq>
+          </p:childTnLst>
+        </p:cTn>
+      </p:par>
+    </p:tnLst>
+    <p:bldLst>
+      <p:bldP spid="9218" grpId="0" bldLvl="0" animBg="1"/>
+      <p:bldP spid="9219" grpId="0" bldLvl="0" autoUpdateAnimBg="0"/>
+      <p:bldP spid="9220" grpId="0" bldLvl="0" autoUpdateAnimBg="0"/>
+      <p:bldP spid="9221" grpId="0" bldLvl="0" autoUpdateAnimBg="0"/>
+      <p:bldP spid="9222" grpId="0" bldLvl="0" autoUpdateAnimBg="0"/>
+      <p:bldP spid="9243" grpId="0" bldLvl="0" animBg="1"/>
+    </p:bldLst>
+  </p:timing>
+</p:sld>
+</file>
+
+<file path=ppt/slides/slide30.xml><?xml version="1.0" encoding="utf-8"?>
 <p:sld xmlns:a="http://schemas.openxmlformats.org/drawingml/2006/main" xmlns:r="http://schemas.openxmlformats.org/officeDocument/2006/relationships" xmlns:p="http://schemas.openxmlformats.org/presentationml/2006/main">
   <p:cSld>
     <p:spTree>
@@ -26013,9 +29441,9 @@
                 <a:latin typeface="微软雅黑" panose="020B0503020204020204" pitchFamily="34" charset="-122"/>
                 <a:ea typeface="微软雅黑" panose="020B0503020204020204" pitchFamily="34" charset="-122"/>
               </a:rPr>
-              <a:t>培训</a:t>
-            </a:r>
-            <a:endParaRPr lang="zh-CN" altLang="en-US" sz="4800" b="1" kern="0" dirty="0">
+              <a:t>培训内容</a:t>
+            </a:r>
+            <a:endParaRPr lang="en-US" altLang="zh-CN" sz="4800" b="1" kern="0" dirty="0">
               <a:solidFill>
                 <a:schemeClr val="bg1"/>
               </a:solidFill>
@@ -26036,7 +29464,7 @@
 </p:sld>
 </file>
 
-<file path=ppt/slides/slide28.xml><?xml version="1.0" encoding="utf-8"?>
+<file path=ppt/slides/slide31.xml><?xml version="1.0" encoding="utf-8"?>
 <p:sld xmlns:a="http://schemas.openxmlformats.org/drawingml/2006/main" xmlns:r="http://schemas.openxmlformats.org/officeDocument/2006/relationships" xmlns:p="http://schemas.openxmlformats.org/presentationml/2006/main">
   <p:cSld>
     <p:spTree>
@@ -26317,7 +29745,7 @@
 </p:sld>
 </file>
 
-<file path=ppt/slides/slide29.xml><?xml version="1.0" encoding="utf-8"?>
+<file path=ppt/slides/slide32.xml><?xml version="1.0" encoding="utf-8"?>
 <p:sld xmlns:a="http://schemas.openxmlformats.org/drawingml/2006/main" xmlns:r="http://schemas.openxmlformats.org/officeDocument/2006/relationships" xmlns:p="http://schemas.openxmlformats.org/presentationml/2006/main">
   <p:cSld>
     <p:spTree>
@@ -26682,7 +30110,2215 @@
 </p:sld>
 </file>
 
-<file path=ppt/slides/slide3.xml><?xml version="1.0" encoding="utf-8"?>
+<file path=ppt/slides/slide33.xml><?xml version="1.0" encoding="utf-8"?>
+<p:sld xmlns:a="http://schemas.openxmlformats.org/drawingml/2006/main" xmlns:r="http://schemas.openxmlformats.org/officeDocument/2006/relationships" xmlns:p="http://schemas.openxmlformats.org/presentationml/2006/main">
+  <p:cSld>
+    <p:spTree>
+      <p:nvGrpSpPr>
+        <p:cNvPr id="1" name=""/>
+        <p:cNvGrpSpPr/>
+        <p:nvPr/>
+      </p:nvGrpSpPr>
+      <p:grpSpPr>
+        <a:xfrm>
+          <a:off x="0" y="0"/>
+          <a:ext cx="0" cy="0"/>
+          <a:chOff x="0" y="0"/>
+          <a:chExt cx="0" cy="0"/>
+        </a:xfrm>
+      </p:grpSpPr>
+      <p:sp>
+        <p:nvSpPr>
+          <p:cNvPr id="2" name="文本框 1"/>
+          <p:cNvSpPr txBox="1"/>
+          <p:nvPr/>
+        </p:nvSpPr>
+        <p:spPr>
+          <a:xfrm>
+            <a:off x="2809875" y="552450"/>
+            <a:ext cx="8034655" cy="4831080"/>
+          </a:xfrm>
+          <a:prstGeom prst="rect">
+            <a:avLst/>
+          </a:prstGeom>
+          <a:noFill/>
+        </p:spPr>
+        <p:txBody>
+          <a:bodyPr wrap="square" rtlCol="0">
+            <a:spAutoFit/>
+          </a:bodyPr>
+          <a:p>
+            <a:r>
+              <a:rPr lang="en-US" sz="2800" b="1"/>
+              <a:t>  </a:t>
+            </a:r>
+            <a:endParaRPr lang="en-US" sz="2800" b="1"/>
+          </a:p>
+          <a:p>
+            <a:r>
+              <a:rPr sz="2800" b="1">
+                <a:sym typeface="+mn-ea"/>
+              </a:rPr>
+              <a:t>                       </a:t>
+            </a:r>
+            <a:endParaRPr sz="2800" b="1">
+              <a:sym typeface="+mn-ea"/>
+            </a:endParaRPr>
+          </a:p>
+          <a:p>
+            <a:r>
+              <a:rPr sz="2800" b="1">
+                <a:solidFill>
+                  <a:schemeClr val="bg1"/>
+                </a:solidFill>
+                <a:sym typeface="+mn-ea"/>
+              </a:rPr>
+              <a:t>工作量估算</a:t>
+            </a:r>
+            <a:endParaRPr sz="2800" b="1">
+              <a:solidFill>
+                <a:schemeClr val="bg1"/>
+              </a:solidFill>
+              <a:sym typeface="+mn-ea"/>
+            </a:endParaRPr>
+          </a:p>
+          <a:p>
+            <a:r>
+              <a:rPr sz="2800" b="1">
+                <a:solidFill>
+                  <a:schemeClr val="bg1"/>
+                </a:solidFill>
+                <a:sym typeface="+mn-ea"/>
+              </a:rPr>
+              <a:t>工作量需要每人每</a:t>
+            </a:r>
+            <a:r>
+              <a:rPr lang="zh-CN" sz="2800" b="1">
+                <a:solidFill>
+                  <a:schemeClr val="bg1"/>
+                </a:solidFill>
+                <a:sym typeface="+mn-ea"/>
+              </a:rPr>
+              <a:t>天</a:t>
+            </a:r>
+            <a:r>
+              <a:rPr lang="en-US" sz="2800" b="1">
+                <a:solidFill>
+                  <a:schemeClr val="bg1"/>
+                </a:solidFill>
+                <a:sym typeface="+mn-ea"/>
+              </a:rPr>
+              <a:t>2</a:t>
+            </a:r>
+            <a:r>
+              <a:rPr sz="2800" b="1">
+                <a:solidFill>
+                  <a:schemeClr val="bg1"/>
+                </a:solidFill>
+                <a:sym typeface="+mn-ea"/>
+              </a:rPr>
+              <a:t>小时左右，一共5人。每周</a:t>
+            </a:r>
+            <a:r>
+              <a:rPr lang="en-US" sz="2800" b="1">
+                <a:solidFill>
+                  <a:schemeClr val="bg1"/>
+                </a:solidFill>
+                <a:sym typeface="+mn-ea"/>
+              </a:rPr>
+              <a:t>14</a:t>
+            </a:r>
+            <a:r>
+              <a:rPr sz="2800" b="1">
+                <a:solidFill>
+                  <a:schemeClr val="bg1"/>
+                </a:solidFill>
+                <a:sym typeface="+mn-ea"/>
+              </a:rPr>
+              <a:t>个工时。</a:t>
+            </a:r>
+            <a:endParaRPr sz="2800" b="1">
+              <a:solidFill>
+                <a:schemeClr val="bg1"/>
+              </a:solidFill>
+              <a:sym typeface="+mn-ea"/>
+            </a:endParaRPr>
+          </a:p>
+          <a:p>
+            <a:r>
+              <a:rPr lang="en-US" sz="2800" b="1">
+                <a:solidFill>
+                  <a:schemeClr val="bg1"/>
+                </a:solidFill>
+                <a:sym typeface="+mn-ea"/>
+              </a:rPr>
+              <a:t>	</a:t>
+            </a:r>
+            <a:endParaRPr sz="2800" b="1">
+              <a:solidFill>
+                <a:schemeClr val="bg1"/>
+              </a:solidFill>
+              <a:sym typeface="+mn-ea"/>
+            </a:endParaRPr>
+          </a:p>
+          <a:p>
+            <a:r>
+              <a:rPr lang="en-US" sz="2800" b="1">
+                <a:solidFill>
+                  <a:schemeClr val="bg1"/>
+                </a:solidFill>
+                <a:sym typeface="+mn-ea"/>
+              </a:rPr>
+              <a:t>team building</a:t>
+            </a:r>
+            <a:r>
+              <a:rPr sz="2800" b="1">
+                <a:solidFill>
+                  <a:schemeClr val="bg1"/>
+                </a:solidFill>
+                <a:sym typeface="+mn-ea"/>
+              </a:rPr>
+              <a:t>估算</a:t>
+            </a:r>
+            <a:endParaRPr sz="2800" b="1">
+              <a:solidFill>
+                <a:schemeClr val="bg1"/>
+              </a:solidFill>
+              <a:sym typeface="+mn-ea"/>
+            </a:endParaRPr>
+          </a:p>
+          <a:p>
+            <a:r>
+              <a:rPr sz="2800" b="1">
+                <a:solidFill>
+                  <a:schemeClr val="bg1"/>
+                </a:solidFill>
+                <a:sym typeface="+mn-ea"/>
+              </a:rPr>
+              <a:t>分15次。共计3000元。</a:t>
+            </a:r>
+            <a:endParaRPr sz="2800" b="1">
+              <a:solidFill>
+                <a:schemeClr val="bg1"/>
+              </a:solidFill>
+              <a:sym typeface="+mn-ea"/>
+            </a:endParaRPr>
+          </a:p>
+          <a:p>
+            <a:endParaRPr lang="zh-CN" sz="2800" b="1">
+              <a:solidFill>
+                <a:schemeClr val="bg1"/>
+              </a:solidFill>
+              <a:sym typeface="+mn-ea"/>
+            </a:endParaRPr>
+          </a:p>
+          <a:p>
+            <a:r>
+              <a:rPr lang="zh-CN" altLang="en-US" sz="2800" b="1">
+                <a:solidFill>
+                  <a:schemeClr val="bg1"/>
+                </a:solidFill>
+                <a:sym typeface="+mn-ea"/>
+              </a:rPr>
+              <a:t>软件成本</a:t>
+            </a:r>
+            <a:endParaRPr lang="zh-CN" altLang="en-US" sz="2800" b="1">
+              <a:solidFill>
+                <a:schemeClr val="bg1"/>
+              </a:solidFill>
+              <a:sym typeface="+mn-ea"/>
+            </a:endParaRPr>
+          </a:p>
+          <a:p>
+            <a:r>
+              <a:rPr lang="zh-CN" sz="2800" b="1">
+                <a:solidFill>
+                  <a:schemeClr val="bg1"/>
+                </a:solidFill>
+                <a:sym typeface="+mn-ea"/>
+              </a:rPr>
+              <a:t>软件成本均为破解版，因此不需要进行购买。</a:t>
+            </a:r>
+            <a:endParaRPr lang="zh-CN" sz="2800" b="1">
+              <a:solidFill>
+                <a:schemeClr val="bg1"/>
+              </a:solidFill>
+              <a:sym typeface="+mn-ea"/>
+            </a:endParaRPr>
+          </a:p>
+        </p:txBody>
+      </p:sp>
+    </p:spTree>
+    <p:custDataLst>
+      <p:tags r:id="rId1"/>
+    </p:custDataLst>
+  </p:cSld>
+  <p:clrMapOvr>
+    <a:masterClrMapping/>
+  </p:clrMapOvr>
+</p:sld>
+</file>
+
+<file path=ppt/slides/slide34.xml><?xml version="1.0" encoding="utf-8"?>
+<p:sld xmlns:a="http://schemas.openxmlformats.org/drawingml/2006/main" xmlns:r="http://schemas.openxmlformats.org/officeDocument/2006/relationships" xmlns:p="http://schemas.openxmlformats.org/presentationml/2006/main">
+  <p:cSld>
+    <p:spTree>
+      <p:nvGrpSpPr>
+        <p:cNvPr id="1" name=""/>
+        <p:cNvGrpSpPr/>
+        <p:nvPr/>
+      </p:nvGrpSpPr>
+      <p:grpSpPr>
+        <a:xfrm>
+          <a:off x="0" y="0"/>
+          <a:ext cx="0" cy="0"/>
+          <a:chOff x="0" y="0"/>
+          <a:chExt cx="0" cy="0"/>
+        </a:xfrm>
+      </p:grpSpPr>
+      <p:graphicFrame>
+        <p:nvGraphicFramePr>
+          <p:cNvPr id="3" name="对象 2"/>
+          <p:cNvGraphicFramePr/>
+          <p:nvPr/>
+        </p:nvGraphicFramePr>
+        <p:xfrm>
+          <a:off x="1493520" y="824230"/>
+          <a:ext cx="9204325" cy="5208905"/>
+        </p:xfrm>
+        <a:graphic>
+          <a:graphicData uri="http://schemas.openxmlformats.org/presentationml/2006/ole">
+            <mc:AlternateContent xmlns:mc="http://schemas.openxmlformats.org/markup-compatibility/2006">
+              <mc:Choice xmlns:v="urn:schemas-microsoft-com:vml" Requires="v">
+                <p:oleObj spid="_x0000_s4" name="" r:id="rId1" imgW="9197340" imgH="5204460" progId="Paint.Picture">
+                  <p:embed/>
+                </p:oleObj>
+              </mc:Choice>
+              <mc:Fallback>
+                <p:oleObj name="" r:id="rId1" imgW="9197340" imgH="5204460" progId="Paint.Picture">
+                  <p:embed/>
+                  <p:pic>
+                    <p:nvPicPr>
+                      <p:cNvPr id="0" name="图片 3"/>
+                      <p:cNvPicPr/>
+                      <p:nvPr/>
+                    </p:nvPicPr>
+                    <p:blipFill>
+                      <a:blip r:embed="rId2"/>
+                      <a:stretch>
+                        <a:fillRect/>
+                      </a:stretch>
+                    </p:blipFill>
+                    <p:spPr>
+                      <a:xfrm>
+                        <a:off x="1493520" y="824230"/>
+                        <a:ext cx="9204325" cy="5208905"/>
+                      </a:xfrm>
+                      <a:prstGeom prst="rect">
+                        <a:avLst/>
+                      </a:prstGeom>
+                    </p:spPr>
+                  </p:pic>
+                </p:oleObj>
+              </mc:Fallback>
+            </mc:AlternateContent>
+          </a:graphicData>
+        </a:graphic>
+      </p:graphicFrame>
+    </p:spTree>
+    <p:custDataLst>
+      <p:tags r:id="rId3"/>
+    </p:custDataLst>
+  </p:cSld>
+  <p:clrMapOvr>
+    <a:masterClrMapping/>
+  </p:clrMapOvr>
+</p:sld>
+</file>
+
+<file path=ppt/slides/slide35.xml><?xml version="1.0" encoding="utf-8"?>
+<p:sld xmlns:a="http://schemas.openxmlformats.org/drawingml/2006/main" xmlns:r="http://schemas.openxmlformats.org/officeDocument/2006/relationships" xmlns:p="http://schemas.openxmlformats.org/presentationml/2006/main">
+  <p:cSld>
+    <p:spTree>
+      <p:nvGrpSpPr>
+        <p:cNvPr id="1" name=""/>
+        <p:cNvGrpSpPr/>
+        <p:nvPr/>
+      </p:nvGrpSpPr>
+      <p:grpSpPr>
+        <a:xfrm>
+          <a:off x="0" y="0"/>
+          <a:ext cx="0" cy="0"/>
+          <a:chOff x="0" y="0"/>
+          <a:chExt cx="0" cy="0"/>
+        </a:xfrm>
+      </p:grpSpPr>
+      <p:grpSp>
+        <p:nvGrpSpPr>
+          <p:cNvPr id="13" name="组合 12"/>
+          <p:cNvGrpSpPr/>
+          <p:nvPr/>
+        </p:nvGrpSpPr>
+        <p:grpSpPr>
+          <a:xfrm>
+            <a:off x="2452370" y="2827655"/>
+            <a:ext cx="7080207" cy="3076575"/>
+            <a:chOff x="2733181" y="3135197"/>
+            <a:chExt cx="6964900" cy="3076783"/>
+          </a:xfrm>
+        </p:grpSpPr>
+        <p:sp>
+          <p:nvSpPr>
+            <p:cNvPr id="7" name="文本框 6"/>
+            <p:cNvSpPr txBox="1"/>
+            <p:nvPr/>
+          </p:nvSpPr>
+          <p:spPr>
+            <a:xfrm>
+              <a:off x="5222283" y="4487656"/>
+              <a:ext cx="4475798" cy="830001"/>
+            </a:xfrm>
+            <a:prstGeom prst="rect">
+              <a:avLst/>
+            </a:prstGeom>
+            <a:noFill/>
+          </p:spPr>
+          <p:txBody>
+            <a:bodyPr wrap="square" rtlCol="0">
+              <a:spAutoFit/>
+            </a:bodyPr>
+            <a:lstStyle/>
+            <a:p>
+              <a:pPr lvl="0" algn="ctr">
+                <a:spcBef>
+                  <a:spcPct val="0"/>
+                </a:spcBef>
+                <a:defRPr/>
+              </a:pPr>
+              <a:endParaRPr lang="zh-CN" altLang="en-US" sz="4800" b="1" kern="0" dirty="0">
+                <a:solidFill>
+                  <a:srgbClr val="32363A"/>
+                </a:solidFill>
+                <a:latin typeface="微软雅黑" panose="020B0503020204020204" pitchFamily="34" charset="-122"/>
+                <a:ea typeface="微软雅黑" panose="020B0503020204020204" pitchFamily="34" charset="-122"/>
+              </a:endParaRPr>
+            </a:p>
+          </p:txBody>
+        </p:sp>
+        <p:grpSp>
+          <p:nvGrpSpPr>
+            <p:cNvPr id="12" name="组合 11"/>
+            <p:cNvGrpSpPr/>
+            <p:nvPr/>
+          </p:nvGrpSpPr>
+          <p:grpSpPr>
+            <a:xfrm>
+              <a:off x="2733181" y="3135197"/>
+              <a:ext cx="6804405" cy="3076783"/>
+              <a:chOff x="3611254" y="3463216"/>
+              <a:chExt cx="4385003" cy="2232254"/>
+            </a:xfrm>
+          </p:grpSpPr>
+          <p:cxnSp>
+            <p:nvCxnSpPr>
+              <p:cNvPr id="8" name="直接连接符 7"/>
+              <p:cNvCxnSpPr/>
+              <p:nvPr/>
+            </p:nvCxnSpPr>
+            <p:spPr>
+              <a:xfrm>
+                <a:off x="3611254" y="3463216"/>
+                <a:ext cx="2676932" cy="0"/>
+              </a:xfrm>
+              <a:prstGeom prst="line">
+                <a:avLst/>
+              </a:prstGeom>
+              <a:ln>
+                <a:solidFill>
+                  <a:srgbClr val="32363A"/>
+                </a:solidFill>
+              </a:ln>
+            </p:spPr>
+            <p:style>
+              <a:lnRef idx="1">
+                <a:schemeClr val="accent1"/>
+              </a:lnRef>
+              <a:fillRef idx="0">
+                <a:schemeClr val="accent1"/>
+              </a:fillRef>
+              <a:effectRef idx="0">
+                <a:schemeClr val="accent1"/>
+              </a:effectRef>
+              <a:fontRef idx="minor">
+                <a:schemeClr val="tx1"/>
+              </a:fontRef>
+            </p:style>
+          </p:cxnSp>
+          <p:cxnSp>
+            <p:nvCxnSpPr>
+              <p:cNvPr id="9" name="直接连接符 8"/>
+              <p:cNvCxnSpPr/>
+              <p:nvPr/>
+            </p:nvCxnSpPr>
+            <p:spPr>
+              <a:xfrm>
+                <a:off x="5319325" y="5695470"/>
+                <a:ext cx="2676932" cy="0"/>
+              </a:xfrm>
+              <a:prstGeom prst="line">
+                <a:avLst/>
+              </a:prstGeom>
+              <a:ln>
+                <a:solidFill>
+                  <a:srgbClr val="32363A"/>
+                </a:solidFill>
+              </a:ln>
+            </p:spPr>
+            <p:style>
+              <a:lnRef idx="1">
+                <a:schemeClr val="accent1"/>
+              </a:lnRef>
+              <a:fillRef idx="0">
+                <a:schemeClr val="accent1"/>
+              </a:fillRef>
+              <a:effectRef idx="0">
+                <a:schemeClr val="accent1"/>
+              </a:effectRef>
+              <a:fontRef idx="minor">
+                <a:schemeClr val="tx1"/>
+              </a:fontRef>
+            </p:style>
+          </p:cxnSp>
+        </p:grpSp>
+      </p:grpSp>
+      <p:grpSp>
+        <p:nvGrpSpPr>
+          <p:cNvPr id="17" name="组合 16"/>
+          <p:cNvGrpSpPr/>
+          <p:nvPr/>
+        </p:nvGrpSpPr>
+        <p:grpSpPr>
+          <a:xfrm>
+            <a:off x="4575991" y="1699491"/>
+            <a:ext cx="2966993" cy="2170545"/>
+            <a:chOff x="6230091" y="2863273"/>
+            <a:chExt cx="1751826" cy="1129107"/>
+          </a:xfrm>
+        </p:grpSpPr>
+        <p:sp>
+          <p:nvSpPr>
+            <p:cNvPr id="15" name="菱形 14"/>
+            <p:cNvSpPr/>
+            <p:nvPr/>
+          </p:nvSpPr>
+          <p:spPr>
+            <a:xfrm>
+              <a:off x="6230091" y="2863273"/>
+              <a:ext cx="1751826" cy="1129107"/>
+            </a:xfrm>
+            <a:prstGeom prst="diamond">
+              <a:avLst/>
+            </a:prstGeom>
+            <a:solidFill>
+              <a:srgbClr val="FFFFFF">
+                <a:alpha val="76863"/>
+              </a:srgbClr>
+            </a:solidFill>
+            <a:ln>
+              <a:noFill/>
+            </a:ln>
+          </p:spPr>
+          <p:style>
+            <a:lnRef idx="2">
+              <a:schemeClr val="accent1">
+                <a:shade val="50000"/>
+              </a:schemeClr>
+            </a:lnRef>
+            <a:fillRef idx="1">
+              <a:schemeClr val="accent1"/>
+            </a:fillRef>
+            <a:effectRef idx="0">
+              <a:schemeClr val="accent1"/>
+            </a:effectRef>
+            <a:fontRef idx="minor">
+              <a:schemeClr val="lt1"/>
+            </a:fontRef>
+          </p:style>
+          <p:txBody>
+            <a:bodyPr rtlCol="0" anchor="ctr"/>
+            <a:lstStyle/>
+            <a:p>
+              <a:pPr algn="ctr"/>
+              <a:endParaRPr lang="zh-CN" altLang="en-US"/>
+            </a:p>
+          </p:txBody>
+        </p:sp>
+        <p:sp>
+          <p:nvSpPr>
+            <p:cNvPr id="16" name="菱形 15"/>
+            <p:cNvSpPr/>
+            <p:nvPr/>
+          </p:nvSpPr>
+          <p:spPr>
+            <a:xfrm>
+              <a:off x="6336501" y="2931857"/>
+              <a:ext cx="1539007" cy="991939"/>
+            </a:xfrm>
+            <a:prstGeom prst="diamond">
+              <a:avLst/>
+            </a:prstGeom>
+            <a:solidFill>
+              <a:srgbClr val="32363A"/>
+            </a:solidFill>
+            <a:ln>
+              <a:noFill/>
+            </a:ln>
+          </p:spPr>
+          <p:style>
+            <a:lnRef idx="2">
+              <a:schemeClr val="accent1">
+                <a:shade val="50000"/>
+              </a:schemeClr>
+            </a:lnRef>
+            <a:fillRef idx="1">
+              <a:schemeClr val="accent1"/>
+            </a:fillRef>
+            <a:effectRef idx="0">
+              <a:schemeClr val="accent1"/>
+            </a:effectRef>
+            <a:fontRef idx="minor">
+              <a:schemeClr val="lt1"/>
+            </a:fontRef>
+          </p:style>
+          <p:txBody>
+            <a:bodyPr rtlCol="0" anchor="ctr"/>
+            <a:lstStyle/>
+            <a:p>
+              <a:pPr algn="ctr"/>
+              <a:endParaRPr lang="zh-CN" altLang="en-US"/>
+            </a:p>
+          </p:txBody>
+        </p:sp>
+      </p:grpSp>
+      <p:sp>
+        <p:nvSpPr>
+          <p:cNvPr id="18" name="文本框 17"/>
+          <p:cNvSpPr txBox="1"/>
+          <p:nvPr/>
+        </p:nvSpPr>
+        <p:spPr>
+          <a:xfrm>
+            <a:off x="5339051" y="2230765"/>
+            <a:ext cx="1440873" cy="1106805"/>
+          </a:xfrm>
+          <a:prstGeom prst="rect">
+            <a:avLst/>
+          </a:prstGeom>
+          <a:noFill/>
+        </p:spPr>
+        <p:txBody>
+          <a:bodyPr wrap="square" rtlCol="0">
+            <a:spAutoFit/>
+          </a:bodyPr>
+          <a:lstStyle/>
+          <a:p>
+            <a:pPr algn="ctr"/>
+            <a:r>
+              <a:rPr lang="en-US" altLang="zh-CN" sz="6600" dirty="0">
+                <a:solidFill>
+                  <a:schemeClr val="bg1"/>
+                </a:solidFill>
+                <a:latin typeface="微软雅黑" panose="020B0503020204020204" pitchFamily="34" charset="-122"/>
+                <a:ea typeface="微软雅黑" panose="020B0503020204020204" pitchFamily="34" charset="-122"/>
+              </a:rPr>
+              <a:t>9</a:t>
+            </a:r>
+            <a:endParaRPr lang="en-US" altLang="zh-CN" sz="6600" dirty="0">
+              <a:solidFill>
+                <a:schemeClr val="bg1"/>
+              </a:solidFill>
+              <a:latin typeface="微软雅黑" panose="020B0503020204020204" pitchFamily="34" charset="-122"/>
+              <a:ea typeface="微软雅黑" panose="020B0503020204020204" pitchFamily="34" charset="-122"/>
+            </a:endParaRPr>
+          </a:p>
+        </p:txBody>
+      </p:sp>
+      <p:sp>
+        <p:nvSpPr>
+          <p:cNvPr id="4" name="文本框 3"/>
+          <p:cNvSpPr txBox="1"/>
+          <p:nvPr/>
+        </p:nvSpPr>
+        <p:spPr>
+          <a:xfrm>
+            <a:off x="4982680" y="4935673"/>
+            <a:ext cx="4549897" cy="829945"/>
+          </a:xfrm>
+          <a:prstGeom prst="rect">
+            <a:avLst/>
+          </a:prstGeom>
+          <a:noFill/>
+        </p:spPr>
+        <p:txBody>
+          <a:bodyPr wrap="square" rtlCol="0">
+            <a:spAutoFit/>
+          </a:bodyPr>
+          <a:p>
+            <a:pPr lvl="0" algn="ctr">
+              <a:spcBef>
+                <a:spcPct val="0"/>
+              </a:spcBef>
+              <a:defRPr/>
+            </a:pPr>
+            <a:r>
+              <a:rPr lang="zh-CN" altLang="en-US" sz="4800" b="1" kern="0" dirty="0">
+                <a:solidFill>
+                  <a:schemeClr val="bg1"/>
+                </a:solidFill>
+                <a:latin typeface="微软雅黑" panose="020B0503020204020204" pitchFamily="34" charset="-122"/>
+                <a:ea typeface="微软雅黑" panose="020B0503020204020204" pitchFamily="34" charset="-122"/>
+              </a:rPr>
+              <a:t>风险管理</a:t>
+            </a:r>
+            <a:endParaRPr lang="zh-CN" altLang="en-US" sz="4800" b="1" kern="0" dirty="0">
+              <a:solidFill>
+                <a:schemeClr val="bg1"/>
+              </a:solidFill>
+              <a:latin typeface="微软雅黑" panose="020B0503020204020204" pitchFamily="34" charset="-122"/>
+              <a:ea typeface="微软雅黑" panose="020B0503020204020204" pitchFamily="34" charset="-122"/>
+            </a:endParaRPr>
+          </a:p>
+        </p:txBody>
+      </p:sp>
+    </p:spTree>
+    <p:custDataLst>
+      <p:tags r:id="rId1"/>
+    </p:custDataLst>
+  </p:cSld>
+  <p:clrMapOvr>
+    <a:masterClrMapping/>
+  </p:clrMapOvr>
+</p:sld>
+</file>
+
+<file path=ppt/slides/slide36.xml><?xml version="1.0" encoding="utf-8"?>
+<p:sld xmlns:a="http://schemas.openxmlformats.org/drawingml/2006/main" xmlns:r="http://schemas.openxmlformats.org/officeDocument/2006/relationships" xmlns:p="http://schemas.openxmlformats.org/presentationml/2006/main">
+  <p:cSld>
+    <p:spTree>
+      <p:nvGrpSpPr>
+        <p:cNvPr id="1" name=""/>
+        <p:cNvGrpSpPr/>
+        <p:nvPr/>
+      </p:nvGrpSpPr>
+      <p:grpSpPr>
+        <a:xfrm>
+          <a:off x="0" y="0"/>
+          <a:ext cx="0" cy="0"/>
+          <a:chOff x="0" y="0"/>
+          <a:chExt cx="0" cy="0"/>
+        </a:xfrm>
+      </p:grpSpPr>
+      <p:grpSp>
+        <p:nvGrpSpPr>
+          <p:cNvPr id="17" name="组合 16"/>
+          <p:cNvGrpSpPr/>
+          <p:nvPr/>
+        </p:nvGrpSpPr>
+        <p:grpSpPr>
+          <a:xfrm>
+            <a:off x="2806700" y="172720"/>
+            <a:ext cx="6129020" cy="891869"/>
+            <a:chOff x="4926820" y="4196916"/>
+            <a:chExt cx="4475798" cy="891751"/>
+          </a:xfrm>
+        </p:grpSpPr>
+        <p:sp>
+          <p:nvSpPr>
+            <p:cNvPr id="18" name="文本框 17"/>
+            <p:cNvSpPr txBox="1"/>
+            <p:nvPr/>
+          </p:nvSpPr>
+          <p:spPr>
+            <a:xfrm>
+              <a:off x="4926820" y="4232369"/>
+              <a:ext cx="4475798" cy="829835"/>
+            </a:xfrm>
+            <a:prstGeom prst="rect">
+              <a:avLst/>
+            </a:prstGeom>
+            <a:noFill/>
+          </p:spPr>
+          <p:txBody>
+            <a:bodyPr wrap="square" rtlCol="0">
+              <a:spAutoFit/>
+            </a:bodyPr>
+            <a:lstStyle/>
+            <a:p>
+              <a:pPr lvl="0" algn="ctr">
+                <a:spcBef>
+                  <a:spcPct val="0"/>
+                </a:spcBef>
+                <a:defRPr/>
+              </a:pPr>
+              <a:r>
+                <a:rPr lang="zh-CN" altLang="en-US" sz="4800" b="1" kern="0" dirty="0">
+                  <a:solidFill>
+                    <a:schemeClr val="bg1"/>
+                  </a:solidFill>
+                  <a:latin typeface="微软雅黑" panose="020B0503020204020204" pitchFamily="34" charset="-122"/>
+                  <a:ea typeface="微软雅黑" panose="020B0503020204020204" pitchFamily="34" charset="-122"/>
+                  <a:sym typeface="+mn-ea"/>
+                </a:rPr>
+                <a:t>风险管理</a:t>
+              </a:r>
+              <a:endParaRPr lang="zh-CN" altLang="en-US" sz="4800" b="1" kern="0" dirty="0">
+                <a:solidFill>
+                  <a:schemeClr val="bg1"/>
+                </a:solidFill>
+                <a:latin typeface="微软雅黑" panose="020B0503020204020204" pitchFamily="34" charset="-122"/>
+                <a:ea typeface="微软雅黑" panose="020B0503020204020204" pitchFamily="34" charset="-122"/>
+                <a:sym typeface="+mn-ea"/>
+              </a:endParaRPr>
+            </a:p>
+          </p:txBody>
+        </p:sp>
+        <p:grpSp>
+          <p:nvGrpSpPr>
+            <p:cNvPr id="19" name="组合 18"/>
+            <p:cNvGrpSpPr/>
+            <p:nvPr/>
+          </p:nvGrpSpPr>
+          <p:grpSpPr>
+            <a:xfrm>
+              <a:off x="5087761" y="4196916"/>
+              <a:ext cx="4153915" cy="891751"/>
+              <a:chOff x="5128630" y="4233510"/>
+              <a:chExt cx="2676932" cy="646979"/>
+            </a:xfrm>
+          </p:grpSpPr>
+          <p:cxnSp>
+            <p:nvCxnSpPr>
+              <p:cNvPr id="20" name="直接连接符 19"/>
+              <p:cNvCxnSpPr/>
+              <p:nvPr/>
+            </p:nvCxnSpPr>
+            <p:spPr>
+              <a:xfrm>
+                <a:off x="5128630" y="4233510"/>
+                <a:ext cx="2676932" cy="0"/>
+              </a:xfrm>
+              <a:prstGeom prst="line">
+                <a:avLst/>
+              </a:prstGeom>
+              <a:ln>
+                <a:solidFill>
+                  <a:srgbClr val="32363A"/>
+                </a:solidFill>
+              </a:ln>
+            </p:spPr>
+            <p:style>
+              <a:lnRef idx="1">
+                <a:schemeClr val="accent1"/>
+              </a:lnRef>
+              <a:fillRef idx="0">
+                <a:schemeClr val="accent1"/>
+              </a:fillRef>
+              <a:effectRef idx="0">
+                <a:schemeClr val="accent1"/>
+              </a:effectRef>
+              <a:fontRef idx="minor">
+                <a:schemeClr val="tx1"/>
+              </a:fontRef>
+            </p:style>
+          </p:cxnSp>
+          <p:cxnSp>
+            <p:nvCxnSpPr>
+              <p:cNvPr id="21" name="直接连接符 20"/>
+              <p:cNvCxnSpPr/>
+              <p:nvPr/>
+            </p:nvCxnSpPr>
+            <p:spPr>
+              <a:xfrm>
+                <a:off x="5128630" y="4880489"/>
+                <a:ext cx="2676932" cy="0"/>
+              </a:xfrm>
+              <a:prstGeom prst="line">
+                <a:avLst/>
+              </a:prstGeom>
+              <a:ln>
+                <a:solidFill>
+                  <a:srgbClr val="32363A"/>
+                </a:solidFill>
+              </a:ln>
+            </p:spPr>
+            <p:style>
+              <a:lnRef idx="1">
+                <a:schemeClr val="accent1"/>
+              </a:lnRef>
+              <a:fillRef idx="0">
+                <a:schemeClr val="accent1"/>
+              </a:fillRef>
+              <a:effectRef idx="0">
+                <a:schemeClr val="accent1"/>
+              </a:effectRef>
+              <a:fontRef idx="minor">
+                <a:schemeClr val="tx1"/>
+              </a:fontRef>
+            </p:style>
+          </p:cxnSp>
+        </p:grpSp>
+      </p:grpSp>
+      <p:sp>
+        <p:nvSpPr>
+          <p:cNvPr id="2" name="文本框 1"/>
+          <p:cNvSpPr txBox="1"/>
+          <p:nvPr/>
+        </p:nvSpPr>
+        <p:spPr>
+          <a:xfrm>
+            <a:off x="2360930" y="2607310"/>
+            <a:ext cx="8034655" cy="3107690"/>
+          </a:xfrm>
+          <a:prstGeom prst="rect">
+            <a:avLst/>
+          </a:prstGeom>
+          <a:noFill/>
+        </p:spPr>
+        <p:txBody>
+          <a:bodyPr wrap="square" rtlCol="0">
+            <a:spAutoFit/>
+          </a:bodyPr>
+          <a:p>
+            <a:r>
+              <a:rPr lang="en-US" sz="2800" b="1"/>
+              <a:t>  	</a:t>
+            </a:r>
+            <a:r>
+              <a:rPr lang="zh-CN" altLang="en-US" sz="2800" b="1">
+                <a:solidFill>
+                  <a:schemeClr val="bg1"/>
+                </a:solidFill>
+              </a:rPr>
+              <a:t>包括：</a:t>
+            </a:r>
+            <a:r>
+              <a:rPr sz="2800" b="1">
+                <a:solidFill>
+                  <a:schemeClr val="bg1"/>
+                </a:solidFill>
+                <a:sym typeface="+mn-ea"/>
+              </a:rPr>
+              <a:t>需求变更风险</a:t>
+            </a:r>
+            <a:r>
+              <a:rPr lang="zh-CN" sz="2800" b="1">
+                <a:solidFill>
+                  <a:schemeClr val="bg1"/>
+                </a:solidFill>
+                <a:sym typeface="+mn-ea"/>
+              </a:rPr>
+              <a:t>、</a:t>
+            </a:r>
+            <a:r>
+              <a:rPr sz="2800" b="1">
+                <a:solidFill>
+                  <a:schemeClr val="bg1"/>
+                </a:solidFill>
+                <a:sym typeface="+mn-ea"/>
+              </a:rPr>
+              <a:t>沟通不良风险</a:t>
+            </a:r>
+            <a:r>
+              <a:rPr lang="zh-CN" sz="2800" b="1">
+                <a:solidFill>
+                  <a:schemeClr val="bg1"/>
+                </a:solidFill>
+                <a:sym typeface="+mn-ea"/>
+              </a:rPr>
+              <a:t>、</a:t>
+            </a:r>
+            <a:r>
+              <a:rPr sz="2800" b="1">
+                <a:solidFill>
+                  <a:schemeClr val="bg1"/>
+                </a:solidFill>
+                <a:sym typeface="+mn-ea"/>
+              </a:rPr>
+              <a:t>缺乏领导支持风险</a:t>
+            </a:r>
+            <a:r>
+              <a:rPr lang="zh-CN" sz="2800" b="1">
+                <a:solidFill>
+                  <a:schemeClr val="bg1"/>
+                </a:solidFill>
+                <a:sym typeface="+mn-ea"/>
+              </a:rPr>
+              <a:t>、</a:t>
+            </a:r>
+            <a:r>
+              <a:rPr sz="2800" b="1">
+                <a:solidFill>
+                  <a:schemeClr val="bg1"/>
+                </a:solidFill>
+                <a:sym typeface="+mn-ea"/>
+              </a:rPr>
+              <a:t>进度风险</a:t>
+            </a:r>
+            <a:r>
+              <a:rPr lang="zh-CN" sz="2800" b="1">
+                <a:solidFill>
+                  <a:schemeClr val="bg1"/>
+                </a:solidFill>
+                <a:sym typeface="+mn-ea"/>
+              </a:rPr>
+              <a:t>、</a:t>
+            </a:r>
+            <a:r>
+              <a:rPr sz="2800" b="1">
+                <a:solidFill>
+                  <a:schemeClr val="bg1"/>
+                </a:solidFill>
+                <a:sym typeface="+mn-ea"/>
+              </a:rPr>
+              <a:t>质量风险</a:t>
+            </a:r>
+            <a:r>
+              <a:rPr lang="zh-CN" sz="2800" b="1">
+                <a:solidFill>
+                  <a:schemeClr val="bg1"/>
+                </a:solidFill>
+                <a:sym typeface="+mn-ea"/>
+              </a:rPr>
+              <a:t>、</a:t>
+            </a:r>
+            <a:r>
+              <a:rPr sz="2800" b="1">
+                <a:solidFill>
+                  <a:schemeClr val="bg1"/>
+                </a:solidFill>
+                <a:sym typeface="+mn-ea"/>
+              </a:rPr>
+              <a:t>系统性能风险</a:t>
+            </a:r>
+            <a:r>
+              <a:rPr lang="zh-CN" sz="2800" b="1">
+                <a:solidFill>
+                  <a:schemeClr val="bg1"/>
+                </a:solidFill>
+                <a:sym typeface="+mn-ea"/>
+              </a:rPr>
+              <a:t>、</a:t>
+            </a:r>
+            <a:r>
+              <a:rPr sz="2800" b="1">
+                <a:solidFill>
+                  <a:schemeClr val="bg1"/>
+                </a:solidFill>
+                <a:sym typeface="+mn-ea"/>
+              </a:rPr>
+              <a:t>工具风险</a:t>
+            </a:r>
+            <a:r>
+              <a:rPr lang="zh-CN" sz="2800" b="1">
+                <a:solidFill>
+                  <a:schemeClr val="bg1"/>
+                </a:solidFill>
+                <a:sym typeface="+mn-ea"/>
+              </a:rPr>
+              <a:t>、</a:t>
+            </a:r>
+            <a:r>
+              <a:rPr sz="2800" b="1">
+                <a:solidFill>
+                  <a:schemeClr val="bg1"/>
+                </a:solidFill>
+                <a:sym typeface="+mn-ea"/>
+              </a:rPr>
+              <a:t>技术风险</a:t>
+            </a:r>
+            <a:r>
+              <a:rPr lang="zh-CN" sz="2800" b="1">
+                <a:solidFill>
+                  <a:schemeClr val="bg1"/>
+                </a:solidFill>
+                <a:sym typeface="+mn-ea"/>
+              </a:rPr>
+              <a:t>、</a:t>
+            </a:r>
+            <a:r>
+              <a:rPr sz="2800" b="1">
+                <a:solidFill>
+                  <a:schemeClr val="bg1"/>
+                </a:solidFill>
+                <a:sym typeface="+mn-ea"/>
+              </a:rPr>
+              <a:t>团队成员能力和素质风险</a:t>
+            </a:r>
+            <a:r>
+              <a:rPr lang="zh-CN" sz="2800" b="1">
+                <a:solidFill>
+                  <a:schemeClr val="bg1"/>
+                </a:solidFill>
+                <a:sym typeface="+mn-ea"/>
+              </a:rPr>
+              <a:t>、</a:t>
+            </a:r>
+            <a:r>
+              <a:rPr sz="2800" b="1">
+                <a:solidFill>
+                  <a:schemeClr val="bg1"/>
+                </a:solidFill>
+                <a:sym typeface="+mn-ea"/>
+              </a:rPr>
+              <a:t>团队成员协作风险</a:t>
+            </a:r>
+            <a:r>
+              <a:rPr lang="zh-CN" sz="2800" b="1">
+                <a:solidFill>
+                  <a:schemeClr val="bg1"/>
+                </a:solidFill>
+                <a:sym typeface="+mn-ea"/>
+              </a:rPr>
+              <a:t>、</a:t>
+            </a:r>
+            <a:r>
+              <a:rPr sz="2800" b="1">
+                <a:solidFill>
+                  <a:schemeClr val="bg1"/>
+                </a:solidFill>
+                <a:sym typeface="+mn-ea"/>
+              </a:rPr>
+              <a:t>系统运行环境风险</a:t>
+            </a:r>
+            <a:endParaRPr sz="2800" b="1">
+              <a:solidFill>
+                <a:schemeClr val="bg1"/>
+              </a:solidFill>
+              <a:sym typeface="+mn-ea"/>
+            </a:endParaRPr>
+          </a:p>
+          <a:p>
+            <a:endParaRPr sz="2800" b="1">
+              <a:solidFill>
+                <a:schemeClr val="bg1"/>
+              </a:solidFill>
+              <a:sym typeface="+mn-ea"/>
+            </a:endParaRPr>
+          </a:p>
+          <a:p>
+            <a:r>
+              <a:rPr lang="zh-CN" sz="2800" b="1">
+                <a:solidFill>
+                  <a:schemeClr val="bg1"/>
+                </a:solidFill>
+                <a:sym typeface="+mn-ea"/>
+              </a:rPr>
+              <a:t>详细参考项目计划书中的风险管理章节。</a:t>
+            </a:r>
+            <a:endParaRPr lang="zh-CN" sz="2800" b="1">
+              <a:solidFill>
+                <a:schemeClr val="bg1"/>
+              </a:solidFill>
+              <a:sym typeface="+mn-ea"/>
+            </a:endParaRPr>
+          </a:p>
+          <a:p>
+            <a:endParaRPr sz="2800" b="1">
+              <a:sym typeface="+mn-ea"/>
+            </a:endParaRPr>
+          </a:p>
+        </p:txBody>
+      </p:sp>
+    </p:spTree>
+    <p:custDataLst>
+      <p:tags r:id="rId1"/>
+    </p:custDataLst>
+  </p:cSld>
+  <p:clrMapOvr>
+    <a:masterClrMapping/>
+  </p:clrMapOvr>
+</p:sld>
+</file>
+
+<file path=ppt/slides/slide37.xml><?xml version="1.0" encoding="utf-8"?>
+<p:sld xmlns:a="http://schemas.openxmlformats.org/drawingml/2006/main" xmlns:r="http://schemas.openxmlformats.org/officeDocument/2006/relationships" xmlns:p="http://schemas.openxmlformats.org/presentationml/2006/main">
+  <p:cSld>
+    <p:spTree>
+      <p:nvGrpSpPr>
+        <p:cNvPr id="1" name=""/>
+        <p:cNvGrpSpPr/>
+        <p:nvPr/>
+      </p:nvGrpSpPr>
+      <p:grpSpPr>
+        <a:xfrm>
+          <a:off x="0" y="0"/>
+          <a:ext cx="0" cy="0"/>
+          <a:chOff x="0" y="0"/>
+          <a:chExt cx="0" cy="0"/>
+        </a:xfrm>
+      </p:grpSpPr>
+      <p:grpSp>
+        <p:nvGrpSpPr>
+          <p:cNvPr id="13" name="组合 12"/>
+          <p:cNvGrpSpPr/>
+          <p:nvPr/>
+        </p:nvGrpSpPr>
+        <p:grpSpPr>
+          <a:xfrm>
+            <a:off x="2452370" y="2827655"/>
+            <a:ext cx="7080207" cy="3076575"/>
+            <a:chOff x="2733181" y="3135197"/>
+            <a:chExt cx="6964900" cy="3076783"/>
+          </a:xfrm>
+        </p:grpSpPr>
+        <p:sp>
+          <p:nvSpPr>
+            <p:cNvPr id="7" name="文本框 6"/>
+            <p:cNvSpPr txBox="1"/>
+            <p:nvPr/>
+          </p:nvSpPr>
+          <p:spPr>
+            <a:xfrm>
+              <a:off x="5222283" y="4487656"/>
+              <a:ext cx="4475798" cy="830001"/>
+            </a:xfrm>
+            <a:prstGeom prst="rect">
+              <a:avLst/>
+            </a:prstGeom>
+            <a:noFill/>
+          </p:spPr>
+          <p:txBody>
+            <a:bodyPr wrap="square" rtlCol="0">
+              <a:spAutoFit/>
+            </a:bodyPr>
+            <a:lstStyle/>
+            <a:p>
+              <a:pPr lvl="0" algn="ctr">
+                <a:spcBef>
+                  <a:spcPct val="0"/>
+                </a:spcBef>
+                <a:defRPr/>
+              </a:pPr>
+              <a:endParaRPr lang="zh-CN" altLang="en-US" sz="4800" b="1" kern="0" dirty="0">
+                <a:solidFill>
+                  <a:srgbClr val="32363A"/>
+                </a:solidFill>
+                <a:latin typeface="微软雅黑" panose="020B0503020204020204" pitchFamily="34" charset="-122"/>
+                <a:ea typeface="微软雅黑" panose="020B0503020204020204" pitchFamily="34" charset="-122"/>
+              </a:endParaRPr>
+            </a:p>
+          </p:txBody>
+        </p:sp>
+        <p:grpSp>
+          <p:nvGrpSpPr>
+            <p:cNvPr id="12" name="组合 11"/>
+            <p:cNvGrpSpPr/>
+            <p:nvPr/>
+          </p:nvGrpSpPr>
+          <p:grpSpPr>
+            <a:xfrm>
+              <a:off x="2733181" y="3135197"/>
+              <a:ext cx="6804405" cy="3076783"/>
+              <a:chOff x="3611254" y="3463216"/>
+              <a:chExt cx="4385003" cy="2232254"/>
+            </a:xfrm>
+          </p:grpSpPr>
+          <p:cxnSp>
+            <p:nvCxnSpPr>
+              <p:cNvPr id="8" name="直接连接符 7"/>
+              <p:cNvCxnSpPr/>
+              <p:nvPr/>
+            </p:nvCxnSpPr>
+            <p:spPr>
+              <a:xfrm>
+                <a:off x="3611254" y="3463216"/>
+                <a:ext cx="2676932" cy="0"/>
+              </a:xfrm>
+              <a:prstGeom prst="line">
+                <a:avLst/>
+              </a:prstGeom>
+              <a:ln>
+                <a:solidFill>
+                  <a:srgbClr val="32363A"/>
+                </a:solidFill>
+              </a:ln>
+            </p:spPr>
+            <p:style>
+              <a:lnRef idx="1">
+                <a:schemeClr val="accent1"/>
+              </a:lnRef>
+              <a:fillRef idx="0">
+                <a:schemeClr val="accent1"/>
+              </a:fillRef>
+              <a:effectRef idx="0">
+                <a:schemeClr val="accent1"/>
+              </a:effectRef>
+              <a:fontRef idx="minor">
+                <a:schemeClr val="tx1"/>
+              </a:fontRef>
+            </p:style>
+          </p:cxnSp>
+          <p:cxnSp>
+            <p:nvCxnSpPr>
+              <p:cNvPr id="9" name="直接连接符 8"/>
+              <p:cNvCxnSpPr/>
+              <p:nvPr/>
+            </p:nvCxnSpPr>
+            <p:spPr>
+              <a:xfrm>
+                <a:off x="5319325" y="5695470"/>
+                <a:ext cx="2676932" cy="0"/>
+              </a:xfrm>
+              <a:prstGeom prst="line">
+                <a:avLst/>
+              </a:prstGeom>
+              <a:ln>
+                <a:solidFill>
+                  <a:srgbClr val="32363A"/>
+                </a:solidFill>
+              </a:ln>
+            </p:spPr>
+            <p:style>
+              <a:lnRef idx="1">
+                <a:schemeClr val="accent1"/>
+              </a:lnRef>
+              <a:fillRef idx="0">
+                <a:schemeClr val="accent1"/>
+              </a:fillRef>
+              <a:effectRef idx="0">
+                <a:schemeClr val="accent1"/>
+              </a:effectRef>
+              <a:fontRef idx="minor">
+                <a:schemeClr val="tx1"/>
+              </a:fontRef>
+            </p:style>
+          </p:cxnSp>
+        </p:grpSp>
+      </p:grpSp>
+      <p:grpSp>
+        <p:nvGrpSpPr>
+          <p:cNvPr id="17" name="组合 16"/>
+          <p:cNvGrpSpPr/>
+          <p:nvPr/>
+        </p:nvGrpSpPr>
+        <p:grpSpPr>
+          <a:xfrm>
+            <a:off x="4575991" y="1699491"/>
+            <a:ext cx="2966993" cy="2170545"/>
+            <a:chOff x="6230091" y="2863273"/>
+            <a:chExt cx="1751826" cy="1129107"/>
+          </a:xfrm>
+        </p:grpSpPr>
+        <p:sp>
+          <p:nvSpPr>
+            <p:cNvPr id="15" name="菱形 14"/>
+            <p:cNvSpPr/>
+            <p:nvPr/>
+          </p:nvSpPr>
+          <p:spPr>
+            <a:xfrm>
+              <a:off x="6230091" y="2863273"/>
+              <a:ext cx="1751826" cy="1129107"/>
+            </a:xfrm>
+            <a:prstGeom prst="diamond">
+              <a:avLst/>
+            </a:prstGeom>
+            <a:solidFill>
+              <a:srgbClr val="FFFFFF">
+                <a:alpha val="76863"/>
+              </a:srgbClr>
+            </a:solidFill>
+            <a:ln>
+              <a:noFill/>
+            </a:ln>
+          </p:spPr>
+          <p:style>
+            <a:lnRef idx="2">
+              <a:schemeClr val="accent1">
+                <a:shade val="50000"/>
+              </a:schemeClr>
+            </a:lnRef>
+            <a:fillRef idx="1">
+              <a:schemeClr val="accent1"/>
+            </a:fillRef>
+            <a:effectRef idx="0">
+              <a:schemeClr val="accent1"/>
+            </a:effectRef>
+            <a:fontRef idx="minor">
+              <a:schemeClr val="lt1"/>
+            </a:fontRef>
+          </p:style>
+          <p:txBody>
+            <a:bodyPr rtlCol="0" anchor="ctr"/>
+            <a:lstStyle/>
+            <a:p>
+              <a:pPr algn="ctr"/>
+              <a:endParaRPr lang="zh-CN" altLang="en-US"/>
+            </a:p>
+          </p:txBody>
+        </p:sp>
+        <p:sp>
+          <p:nvSpPr>
+            <p:cNvPr id="16" name="菱形 15"/>
+            <p:cNvSpPr/>
+            <p:nvPr/>
+          </p:nvSpPr>
+          <p:spPr>
+            <a:xfrm>
+              <a:off x="6336501" y="2931857"/>
+              <a:ext cx="1539007" cy="991939"/>
+            </a:xfrm>
+            <a:prstGeom prst="diamond">
+              <a:avLst/>
+            </a:prstGeom>
+            <a:solidFill>
+              <a:srgbClr val="32363A"/>
+            </a:solidFill>
+            <a:ln>
+              <a:noFill/>
+            </a:ln>
+          </p:spPr>
+          <p:style>
+            <a:lnRef idx="2">
+              <a:schemeClr val="accent1">
+                <a:shade val="50000"/>
+              </a:schemeClr>
+            </a:lnRef>
+            <a:fillRef idx="1">
+              <a:schemeClr val="accent1"/>
+            </a:fillRef>
+            <a:effectRef idx="0">
+              <a:schemeClr val="accent1"/>
+            </a:effectRef>
+            <a:fontRef idx="minor">
+              <a:schemeClr val="lt1"/>
+            </a:fontRef>
+          </p:style>
+          <p:txBody>
+            <a:bodyPr rtlCol="0" anchor="ctr"/>
+            <a:lstStyle/>
+            <a:p>
+              <a:pPr algn="ctr"/>
+              <a:endParaRPr lang="zh-CN" altLang="en-US"/>
+            </a:p>
+          </p:txBody>
+        </p:sp>
+      </p:grpSp>
+      <p:sp>
+        <p:nvSpPr>
+          <p:cNvPr id="18" name="文本框 17"/>
+          <p:cNvSpPr txBox="1"/>
+          <p:nvPr/>
+        </p:nvSpPr>
+        <p:spPr>
+          <a:xfrm>
+            <a:off x="5339051" y="2230765"/>
+            <a:ext cx="1440873" cy="1106805"/>
+          </a:xfrm>
+          <a:prstGeom prst="rect">
+            <a:avLst/>
+          </a:prstGeom>
+          <a:noFill/>
+        </p:spPr>
+        <p:txBody>
+          <a:bodyPr wrap="square" rtlCol="0">
+            <a:spAutoFit/>
+          </a:bodyPr>
+          <a:lstStyle/>
+          <a:p>
+            <a:pPr algn="ctr"/>
+            <a:r>
+              <a:rPr lang="en-US" altLang="zh-CN" sz="6600" dirty="0">
+                <a:solidFill>
+                  <a:schemeClr val="bg1"/>
+                </a:solidFill>
+                <a:latin typeface="微软雅黑" panose="020B0503020204020204" pitchFamily="34" charset="-122"/>
+                <a:ea typeface="微软雅黑" panose="020B0503020204020204" pitchFamily="34" charset="-122"/>
+              </a:rPr>
+              <a:t>10</a:t>
+            </a:r>
+            <a:endParaRPr lang="en-US" altLang="zh-CN" sz="6600" dirty="0">
+              <a:solidFill>
+                <a:schemeClr val="bg1"/>
+              </a:solidFill>
+              <a:latin typeface="微软雅黑" panose="020B0503020204020204" pitchFamily="34" charset="-122"/>
+              <a:ea typeface="微软雅黑" panose="020B0503020204020204" pitchFamily="34" charset="-122"/>
+            </a:endParaRPr>
+          </a:p>
+        </p:txBody>
+      </p:sp>
+      <p:sp>
+        <p:nvSpPr>
+          <p:cNvPr id="4" name="文本框 3"/>
+          <p:cNvSpPr txBox="1"/>
+          <p:nvPr/>
+        </p:nvSpPr>
+        <p:spPr>
+          <a:xfrm>
+            <a:off x="4982680" y="4935673"/>
+            <a:ext cx="4549897" cy="829945"/>
+          </a:xfrm>
+          <a:prstGeom prst="rect">
+            <a:avLst/>
+          </a:prstGeom>
+          <a:noFill/>
+        </p:spPr>
+        <p:txBody>
+          <a:bodyPr wrap="square" rtlCol="0">
+            <a:spAutoFit/>
+          </a:bodyPr>
+          <a:p>
+            <a:pPr lvl="0" algn="ctr">
+              <a:spcBef>
+                <a:spcPct val="0"/>
+              </a:spcBef>
+              <a:defRPr/>
+            </a:pPr>
+            <a:r>
+              <a:rPr lang="zh-CN" altLang="en-US" sz="4800" b="1" kern="0" dirty="0">
+                <a:solidFill>
+                  <a:schemeClr val="bg1"/>
+                </a:solidFill>
+                <a:latin typeface="微软雅黑" panose="020B0503020204020204" pitchFamily="34" charset="-122"/>
+                <a:ea typeface="微软雅黑" panose="020B0503020204020204" pitchFamily="34" charset="-122"/>
+              </a:rPr>
+              <a:t>评分</a:t>
+            </a:r>
+            <a:endParaRPr lang="zh-CN" altLang="en-US" sz="4800" b="1" kern="0" dirty="0">
+              <a:solidFill>
+                <a:schemeClr val="bg1"/>
+              </a:solidFill>
+              <a:latin typeface="微软雅黑" panose="020B0503020204020204" pitchFamily="34" charset="-122"/>
+              <a:ea typeface="微软雅黑" panose="020B0503020204020204" pitchFamily="34" charset="-122"/>
+            </a:endParaRPr>
+          </a:p>
+        </p:txBody>
+      </p:sp>
+    </p:spTree>
+    <p:custDataLst>
+      <p:tags r:id="rId1"/>
+    </p:custDataLst>
+  </p:cSld>
+  <p:clrMapOvr>
+    <a:masterClrMapping/>
+  </p:clrMapOvr>
+</p:sld>
+</file>
+
+<file path=ppt/slides/slide38.xml><?xml version="1.0" encoding="utf-8"?>
+<p:sld xmlns:a="http://schemas.openxmlformats.org/drawingml/2006/main" xmlns:r="http://schemas.openxmlformats.org/officeDocument/2006/relationships" xmlns:p="http://schemas.openxmlformats.org/presentationml/2006/main">
+  <p:cSld>
+    <p:spTree>
+      <p:nvGrpSpPr>
+        <p:cNvPr id="1" name=""/>
+        <p:cNvGrpSpPr/>
+        <p:nvPr/>
+      </p:nvGrpSpPr>
+      <p:grpSpPr>
+        <a:xfrm>
+          <a:off x="0" y="0"/>
+          <a:ext cx="0" cy="0"/>
+          <a:chOff x="0" y="0"/>
+          <a:chExt cx="0" cy="0"/>
+        </a:xfrm>
+      </p:grpSpPr>
+      <p:grpSp>
+        <p:nvGrpSpPr>
+          <p:cNvPr id="17" name="组合 16"/>
+          <p:cNvGrpSpPr/>
+          <p:nvPr/>
+        </p:nvGrpSpPr>
+        <p:grpSpPr>
+          <a:xfrm>
+            <a:off x="2806700" y="172720"/>
+            <a:ext cx="6129020" cy="891869"/>
+            <a:chOff x="4926820" y="4196916"/>
+            <a:chExt cx="4475798" cy="891751"/>
+          </a:xfrm>
+        </p:grpSpPr>
+        <p:sp>
+          <p:nvSpPr>
+            <p:cNvPr id="18" name="文本框 17"/>
+            <p:cNvSpPr txBox="1"/>
+            <p:nvPr/>
+          </p:nvSpPr>
+          <p:spPr>
+            <a:xfrm>
+              <a:off x="4926820" y="4232369"/>
+              <a:ext cx="4475798" cy="829835"/>
+            </a:xfrm>
+            <a:prstGeom prst="rect">
+              <a:avLst/>
+            </a:prstGeom>
+            <a:noFill/>
+          </p:spPr>
+          <p:txBody>
+            <a:bodyPr wrap="square" rtlCol="0">
+              <a:spAutoFit/>
+            </a:bodyPr>
+            <a:lstStyle/>
+            <a:p>
+              <a:pPr lvl="0" algn="ctr">
+                <a:spcBef>
+                  <a:spcPct val="0"/>
+                </a:spcBef>
+                <a:defRPr/>
+              </a:pPr>
+              <a:r>
+                <a:rPr lang="zh-CN" altLang="en-US" sz="4800" b="1" kern="0" dirty="0">
+                  <a:solidFill>
+                    <a:schemeClr val="bg1"/>
+                  </a:solidFill>
+                  <a:latin typeface="微软雅黑" panose="020B0503020204020204" pitchFamily="34" charset="-122"/>
+                  <a:ea typeface="微软雅黑" panose="020B0503020204020204" pitchFamily="34" charset="-122"/>
+                  <a:sym typeface="+mn-ea"/>
+                </a:rPr>
+                <a:t>评分</a:t>
+              </a:r>
+              <a:endParaRPr lang="zh-CN" altLang="en-US" sz="4800" b="1" kern="0" dirty="0">
+                <a:solidFill>
+                  <a:schemeClr val="bg1"/>
+                </a:solidFill>
+                <a:latin typeface="微软雅黑" panose="020B0503020204020204" pitchFamily="34" charset="-122"/>
+                <a:ea typeface="微软雅黑" panose="020B0503020204020204" pitchFamily="34" charset="-122"/>
+                <a:sym typeface="+mn-ea"/>
+              </a:endParaRPr>
+            </a:p>
+          </p:txBody>
+        </p:sp>
+        <p:grpSp>
+          <p:nvGrpSpPr>
+            <p:cNvPr id="19" name="组合 18"/>
+            <p:cNvGrpSpPr/>
+            <p:nvPr/>
+          </p:nvGrpSpPr>
+          <p:grpSpPr>
+            <a:xfrm>
+              <a:off x="5087761" y="4196916"/>
+              <a:ext cx="4153915" cy="891751"/>
+              <a:chOff x="5128630" y="4233510"/>
+              <a:chExt cx="2676932" cy="646979"/>
+            </a:xfrm>
+          </p:grpSpPr>
+          <p:cxnSp>
+            <p:nvCxnSpPr>
+              <p:cNvPr id="20" name="直接连接符 19"/>
+              <p:cNvCxnSpPr/>
+              <p:nvPr/>
+            </p:nvCxnSpPr>
+            <p:spPr>
+              <a:xfrm>
+                <a:off x="5128630" y="4233510"/>
+                <a:ext cx="2676932" cy="0"/>
+              </a:xfrm>
+              <a:prstGeom prst="line">
+                <a:avLst/>
+              </a:prstGeom>
+              <a:ln>
+                <a:solidFill>
+                  <a:srgbClr val="32363A"/>
+                </a:solidFill>
+              </a:ln>
+            </p:spPr>
+            <p:style>
+              <a:lnRef idx="1">
+                <a:schemeClr val="accent1"/>
+              </a:lnRef>
+              <a:fillRef idx="0">
+                <a:schemeClr val="accent1"/>
+              </a:fillRef>
+              <a:effectRef idx="0">
+                <a:schemeClr val="accent1"/>
+              </a:effectRef>
+              <a:fontRef idx="minor">
+                <a:schemeClr val="tx1"/>
+              </a:fontRef>
+            </p:style>
+          </p:cxnSp>
+          <p:cxnSp>
+            <p:nvCxnSpPr>
+              <p:cNvPr id="21" name="直接连接符 20"/>
+              <p:cNvCxnSpPr/>
+              <p:nvPr/>
+            </p:nvCxnSpPr>
+            <p:spPr>
+              <a:xfrm>
+                <a:off x="5128630" y="4880489"/>
+                <a:ext cx="2676932" cy="0"/>
+              </a:xfrm>
+              <a:prstGeom prst="line">
+                <a:avLst/>
+              </a:prstGeom>
+              <a:ln>
+                <a:solidFill>
+                  <a:srgbClr val="32363A"/>
+                </a:solidFill>
+              </a:ln>
+            </p:spPr>
+            <p:style>
+              <a:lnRef idx="1">
+                <a:schemeClr val="accent1"/>
+              </a:lnRef>
+              <a:fillRef idx="0">
+                <a:schemeClr val="accent1"/>
+              </a:fillRef>
+              <a:effectRef idx="0">
+                <a:schemeClr val="accent1"/>
+              </a:effectRef>
+              <a:fontRef idx="minor">
+                <a:schemeClr val="tx1"/>
+              </a:fontRef>
+            </p:style>
+          </p:cxnSp>
+        </p:grpSp>
+      </p:grpSp>
+      <p:sp>
+        <p:nvSpPr>
+          <p:cNvPr id="2" name="文本框 1"/>
+          <p:cNvSpPr txBox="1"/>
+          <p:nvPr/>
+        </p:nvSpPr>
+        <p:spPr>
+          <a:xfrm>
+            <a:off x="3790315" y="1519555"/>
+            <a:ext cx="8034655" cy="2676525"/>
+          </a:xfrm>
+          <a:prstGeom prst="rect">
+            <a:avLst/>
+          </a:prstGeom>
+          <a:noFill/>
+        </p:spPr>
+        <p:txBody>
+          <a:bodyPr wrap="square" rtlCol="0">
+            <a:spAutoFit/>
+          </a:bodyPr>
+          <a:p>
+            <a:r>
+              <a:rPr lang="zh-CN" sz="2800" b="1">
+                <a:solidFill>
+                  <a:schemeClr val="bg1"/>
+                </a:solidFill>
+                <a:sym typeface="+mn-ea"/>
+              </a:rPr>
+              <a:t>寿俐鑫：</a:t>
+            </a:r>
+            <a:r>
+              <a:rPr lang="en-US" altLang="zh-CN" sz="2800" b="1">
+                <a:solidFill>
+                  <a:schemeClr val="bg1"/>
+                </a:solidFill>
+                <a:sym typeface="+mn-ea"/>
+              </a:rPr>
+              <a:t>3.5</a:t>
+            </a:r>
+            <a:r>
+              <a:rPr lang="zh-CN" altLang="en-US" sz="2800" b="1">
+                <a:solidFill>
+                  <a:schemeClr val="bg1"/>
+                </a:solidFill>
+                <a:sym typeface="+mn-ea"/>
+              </a:rPr>
+              <a:t>分</a:t>
+            </a:r>
+            <a:endParaRPr lang="zh-CN" altLang="en-US" sz="2800" b="1">
+              <a:solidFill>
+                <a:schemeClr val="bg1"/>
+              </a:solidFill>
+              <a:sym typeface="+mn-ea"/>
+            </a:endParaRPr>
+          </a:p>
+          <a:p>
+            <a:r>
+              <a:rPr lang="zh-CN" altLang="en-US" sz="2800" b="1">
+                <a:solidFill>
+                  <a:schemeClr val="bg1"/>
+                </a:solidFill>
+                <a:sym typeface="+mn-ea"/>
+              </a:rPr>
+              <a:t>饶铃根：</a:t>
+            </a:r>
+            <a:r>
+              <a:rPr lang="en-US" altLang="zh-CN" sz="2800" b="1">
+                <a:solidFill>
+                  <a:schemeClr val="bg1"/>
+                </a:solidFill>
+                <a:sym typeface="+mn-ea"/>
+              </a:rPr>
+              <a:t>4</a:t>
+            </a:r>
+            <a:r>
+              <a:rPr lang="zh-CN" altLang="en-US" sz="2800" b="1">
+                <a:solidFill>
+                  <a:schemeClr val="bg1"/>
+                </a:solidFill>
+                <a:sym typeface="+mn-ea"/>
+              </a:rPr>
+              <a:t>分</a:t>
+            </a:r>
+            <a:endParaRPr lang="zh-CN" altLang="en-US" sz="2800" b="1">
+              <a:solidFill>
+                <a:schemeClr val="bg1"/>
+              </a:solidFill>
+              <a:sym typeface="+mn-ea"/>
+            </a:endParaRPr>
+          </a:p>
+          <a:p>
+            <a:r>
+              <a:rPr lang="zh-CN" altLang="en-US" sz="2800" b="1">
+                <a:solidFill>
+                  <a:schemeClr val="bg1"/>
+                </a:solidFill>
+                <a:sym typeface="+mn-ea"/>
+              </a:rPr>
+              <a:t>吴卓伦：</a:t>
+            </a:r>
+            <a:r>
+              <a:rPr lang="en-US" altLang="zh-CN" sz="2800" b="1">
+                <a:solidFill>
+                  <a:schemeClr val="bg1"/>
+                </a:solidFill>
+                <a:sym typeface="+mn-ea"/>
+              </a:rPr>
+              <a:t>4.5</a:t>
+            </a:r>
+            <a:r>
+              <a:rPr lang="zh-CN" altLang="en-US" sz="2800" b="1">
+                <a:solidFill>
+                  <a:schemeClr val="bg1"/>
+                </a:solidFill>
+                <a:sym typeface="+mn-ea"/>
+              </a:rPr>
+              <a:t>分</a:t>
+            </a:r>
+            <a:endParaRPr lang="zh-CN" altLang="en-US" sz="2800" b="1">
+              <a:solidFill>
+                <a:schemeClr val="bg1"/>
+              </a:solidFill>
+              <a:sym typeface="+mn-ea"/>
+            </a:endParaRPr>
+          </a:p>
+          <a:p>
+            <a:r>
+              <a:rPr lang="zh-CN" altLang="en-US" sz="2800" b="1">
+                <a:solidFill>
+                  <a:schemeClr val="bg1"/>
+                </a:solidFill>
+                <a:sym typeface="+mn-ea"/>
+              </a:rPr>
+              <a:t>张俊杰：</a:t>
+            </a:r>
+            <a:r>
+              <a:rPr lang="en-US" altLang="zh-CN" sz="2800" b="1">
+                <a:solidFill>
+                  <a:schemeClr val="bg1"/>
+                </a:solidFill>
+                <a:sym typeface="+mn-ea"/>
+              </a:rPr>
+              <a:t>4</a:t>
+            </a:r>
+            <a:r>
+              <a:rPr lang="zh-CN" altLang="en-US" sz="2800" b="1">
+                <a:solidFill>
+                  <a:schemeClr val="bg1"/>
+                </a:solidFill>
+                <a:sym typeface="+mn-ea"/>
+              </a:rPr>
+              <a:t>分</a:t>
+            </a:r>
+            <a:endParaRPr lang="zh-CN" altLang="en-US" sz="2800" b="1">
+              <a:solidFill>
+                <a:schemeClr val="bg1"/>
+              </a:solidFill>
+              <a:sym typeface="+mn-ea"/>
+            </a:endParaRPr>
+          </a:p>
+          <a:p>
+            <a:r>
+              <a:rPr lang="zh-CN" altLang="en-US" sz="2800" b="1">
+                <a:solidFill>
+                  <a:schemeClr val="bg1"/>
+                </a:solidFill>
+                <a:sym typeface="+mn-ea"/>
+              </a:rPr>
+              <a:t>姜哲翔：</a:t>
+            </a:r>
+            <a:r>
+              <a:rPr lang="en-US" altLang="zh-CN" sz="2800" b="1">
+                <a:solidFill>
+                  <a:schemeClr val="bg1"/>
+                </a:solidFill>
+                <a:sym typeface="+mn-ea"/>
+              </a:rPr>
+              <a:t>4.5</a:t>
+            </a:r>
+            <a:r>
+              <a:rPr lang="zh-CN" altLang="en-US" sz="2800" b="1">
+                <a:solidFill>
+                  <a:schemeClr val="bg1"/>
+                </a:solidFill>
+                <a:sym typeface="+mn-ea"/>
+              </a:rPr>
+              <a:t>分</a:t>
+            </a:r>
+            <a:endParaRPr lang="zh-CN" altLang="en-US" sz="2800" b="1">
+              <a:solidFill>
+                <a:schemeClr val="bg1"/>
+              </a:solidFill>
+              <a:sym typeface="+mn-ea"/>
+            </a:endParaRPr>
+          </a:p>
+          <a:p>
+            <a:endParaRPr sz="2800" b="1">
+              <a:sym typeface="+mn-ea"/>
+            </a:endParaRPr>
+          </a:p>
+        </p:txBody>
+      </p:sp>
+      <p:sp>
+        <p:nvSpPr>
+          <p:cNvPr id="4" name="文本框 3"/>
+          <p:cNvSpPr txBox="1"/>
+          <p:nvPr/>
+        </p:nvSpPr>
+        <p:spPr>
+          <a:xfrm>
+            <a:off x="1944370" y="4373245"/>
+            <a:ext cx="8034655" cy="1814830"/>
+          </a:xfrm>
+          <a:prstGeom prst="rect">
+            <a:avLst/>
+          </a:prstGeom>
+          <a:noFill/>
+        </p:spPr>
+        <p:txBody>
+          <a:bodyPr wrap="square" rtlCol="0">
+            <a:spAutoFit/>
+          </a:bodyPr>
+          <a:p>
+            <a:r>
+              <a:rPr lang="zh-CN" sz="2800" b="1">
+                <a:solidFill>
+                  <a:schemeClr val="bg1"/>
+                </a:solidFill>
+                <a:sym typeface="+mn-ea"/>
+              </a:rPr>
+              <a:t>评分标准：按照每个人工作的完成度，完成质量，完成速度进行综合评估。最后以互评的形式完成打分。</a:t>
+            </a:r>
+            <a:endParaRPr lang="zh-CN" sz="2800" b="1">
+              <a:solidFill>
+                <a:schemeClr val="bg1"/>
+              </a:solidFill>
+              <a:sym typeface="+mn-ea"/>
+            </a:endParaRPr>
+          </a:p>
+          <a:p>
+            <a:endParaRPr sz="2800" b="1">
+              <a:sym typeface="+mn-ea"/>
+            </a:endParaRPr>
+          </a:p>
+        </p:txBody>
+      </p:sp>
+    </p:spTree>
+    <p:custDataLst>
+      <p:tags r:id="rId1"/>
+    </p:custDataLst>
+  </p:cSld>
+  <p:clrMapOvr>
+    <a:masterClrMapping/>
+  </p:clrMapOvr>
+</p:sld>
+</file>
+
+<file path=ppt/slides/slide39.xml><?xml version="1.0" encoding="utf-8"?>
+<p:sld xmlns:a="http://schemas.openxmlformats.org/drawingml/2006/main" xmlns:r="http://schemas.openxmlformats.org/officeDocument/2006/relationships" xmlns:p="http://schemas.openxmlformats.org/presentationml/2006/main">
+  <p:cSld>
+    <p:spTree>
+      <p:nvGrpSpPr>
+        <p:cNvPr id="1" name=""/>
+        <p:cNvGrpSpPr/>
+        <p:nvPr/>
+      </p:nvGrpSpPr>
+      <p:grpSpPr>
+        <a:xfrm>
+          <a:off x="0" y="0"/>
+          <a:ext cx="0" cy="0"/>
+          <a:chOff x="0" y="0"/>
+          <a:chExt cx="0" cy="0"/>
+        </a:xfrm>
+      </p:grpSpPr>
+      <p:sp>
+        <p:nvSpPr>
+          <p:cNvPr id="4" name="菱形 3"/>
+          <p:cNvSpPr/>
+          <p:nvPr/>
+        </p:nvSpPr>
+        <p:spPr>
+          <a:xfrm>
+            <a:off x="2374900" y="1030634"/>
+            <a:ext cx="7442200" cy="4796732"/>
+          </a:xfrm>
+          <a:prstGeom prst="diamond">
+            <a:avLst/>
+          </a:prstGeom>
+          <a:solidFill>
+            <a:srgbClr val="FFFFFF">
+              <a:alpha val="76863"/>
+            </a:srgbClr>
+          </a:solidFill>
+          <a:ln>
+            <a:noFill/>
+          </a:ln>
+        </p:spPr>
+        <p:style>
+          <a:lnRef idx="2">
+            <a:schemeClr val="accent1">
+              <a:shade val="50000"/>
+            </a:schemeClr>
+          </a:lnRef>
+          <a:fillRef idx="1">
+            <a:schemeClr val="accent1"/>
+          </a:fillRef>
+          <a:effectRef idx="0">
+            <a:schemeClr val="accent1"/>
+          </a:effectRef>
+          <a:fontRef idx="minor">
+            <a:schemeClr val="lt1"/>
+          </a:fontRef>
+        </p:style>
+        <p:txBody>
+          <a:bodyPr rtlCol="0" anchor="ctr"/>
+          <a:lstStyle/>
+          <a:p>
+            <a:pPr algn="ctr"/>
+            <a:endParaRPr lang="zh-CN" altLang="en-US"/>
+          </a:p>
+        </p:txBody>
+      </p:sp>
+      <p:sp>
+        <p:nvSpPr>
+          <p:cNvPr id="5" name="菱形 4"/>
+          <p:cNvSpPr/>
+          <p:nvPr/>
+        </p:nvSpPr>
+        <p:spPr>
+          <a:xfrm>
+            <a:off x="2527300" y="1128861"/>
+            <a:ext cx="7137400" cy="4600278"/>
+          </a:xfrm>
+          <a:prstGeom prst="diamond">
+            <a:avLst/>
+          </a:prstGeom>
+          <a:solidFill>
+            <a:srgbClr val="32363A"/>
+          </a:solidFill>
+          <a:ln>
+            <a:noFill/>
+          </a:ln>
+        </p:spPr>
+        <p:style>
+          <a:lnRef idx="2">
+            <a:schemeClr val="accent1">
+              <a:shade val="50000"/>
+            </a:schemeClr>
+          </a:lnRef>
+          <a:fillRef idx="1">
+            <a:schemeClr val="accent1"/>
+          </a:fillRef>
+          <a:effectRef idx="0">
+            <a:schemeClr val="accent1"/>
+          </a:effectRef>
+          <a:fontRef idx="minor">
+            <a:schemeClr val="lt1"/>
+          </a:fontRef>
+        </p:style>
+        <p:txBody>
+          <a:bodyPr rtlCol="0" anchor="ctr"/>
+          <a:lstStyle/>
+          <a:p>
+            <a:pPr algn="ctr"/>
+            <a:endParaRPr lang="zh-CN" altLang="en-US"/>
+          </a:p>
+        </p:txBody>
+      </p:sp>
+      <p:grpSp>
+        <p:nvGrpSpPr>
+          <p:cNvPr id="6" name="组合 5"/>
+          <p:cNvGrpSpPr/>
+          <p:nvPr/>
+        </p:nvGrpSpPr>
+        <p:grpSpPr>
+          <a:xfrm>
+            <a:off x="3978494" y="2449732"/>
+            <a:ext cx="4225706" cy="1705032"/>
+            <a:chOff x="4498526" y="2659559"/>
+            <a:chExt cx="3185642" cy="1285377"/>
+          </a:xfrm>
+        </p:grpSpPr>
+        <p:sp>
+          <p:nvSpPr>
+            <p:cNvPr id="7" name="文本框 6"/>
+            <p:cNvSpPr txBox="1"/>
+            <p:nvPr/>
+          </p:nvSpPr>
+          <p:spPr>
+            <a:xfrm>
+              <a:off x="4580021" y="2659559"/>
+              <a:ext cx="3031958" cy="765681"/>
+            </a:xfrm>
+            <a:prstGeom prst="rect">
+              <a:avLst/>
+            </a:prstGeom>
+            <a:noFill/>
+          </p:spPr>
+          <p:txBody>
+            <a:bodyPr wrap="square" rtlCol="0">
+              <a:spAutoFit/>
+            </a:bodyPr>
+            <a:lstStyle/>
+            <a:p>
+              <a:pPr algn="ctr"/>
+              <a:r>
+                <a:rPr lang="zh-CN" altLang="en-US" sz="6000" b="1" dirty="0" smtClean="0">
+                  <a:solidFill>
+                    <a:srgbClr val="FFFFFF"/>
+                  </a:solidFill>
+                  <a:latin typeface="微软雅黑" panose="020B0503020204020204" pitchFamily="34" charset="-122"/>
+                  <a:ea typeface="微软雅黑" panose="020B0503020204020204" pitchFamily="34" charset="-122"/>
+                </a:rPr>
+                <a:t>谢谢观看</a:t>
+              </a:r>
+              <a:endParaRPr lang="zh-CN" altLang="en-US" sz="6000" b="1" dirty="0">
+                <a:solidFill>
+                  <a:srgbClr val="FFFFFF"/>
+                </a:solidFill>
+                <a:latin typeface="微软雅黑" panose="020B0503020204020204" pitchFamily="34" charset="-122"/>
+                <a:ea typeface="微软雅黑" panose="020B0503020204020204" pitchFamily="34" charset="-122"/>
+              </a:endParaRPr>
+            </a:p>
+          </p:txBody>
+        </p:sp>
+        <p:sp>
+          <p:nvSpPr>
+            <p:cNvPr id="8" name="文本框 7"/>
+            <p:cNvSpPr txBox="1"/>
+            <p:nvPr/>
+          </p:nvSpPr>
+          <p:spPr>
+            <a:xfrm>
+              <a:off x="4498526" y="3450780"/>
+              <a:ext cx="3185642" cy="487251"/>
+            </a:xfrm>
+            <a:prstGeom prst="rect">
+              <a:avLst/>
+            </a:prstGeom>
+            <a:noFill/>
+          </p:spPr>
+          <p:txBody>
+            <a:bodyPr wrap="square" rtlCol="0">
+              <a:spAutoFit/>
+            </a:bodyPr>
+            <a:lstStyle/>
+            <a:p>
+              <a:pPr algn="ctr"/>
+              <a:r>
+                <a:rPr lang="en-US" altLang="zh-CN" sz="3600" dirty="0" smtClean="0">
+                  <a:solidFill>
+                    <a:srgbClr val="FFFFFF"/>
+                  </a:solidFill>
+                </a:rPr>
+                <a:t>THANK YOU!</a:t>
+              </a:r>
+              <a:endParaRPr lang="zh-CN" altLang="en-US" sz="3600" dirty="0">
+                <a:solidFill>
+                  <a:srgbClr val="FFFFFF"/>
+                </a:solidFill>
+              </a:endParaRPr>
+            </a:p>
+          </p:txBody>
+        </p:sp>
+        <p:cxnSp>
+          <p:nvCxnSpPr>
+            <p:cNvPr id="9" name="直接连接符 8"/>
+            <p:cNvCxnSpPr/>
+            <p:nvPr/>
+          </p:nvCxnSpPr>
+          <p:spPr>
+            <a:xfrm>
+              <a:off x="4712034" y="3451641"/>
+              <a:ext cx="2832100" cy="0"/>
+            </a:xfrm>
+            <a:prstGeom prst="line">
+              <a:avLst/>
+            </a:prstGeom>
+            <a:ln>
+              <a:solidFill>
+                <a:srgbClr val="FFFFFF"/>
+              </a:solidFill>
+            </a:ln>
+          </p:spPr>
+          <p:style>
+            <a:lnRef idx="1">
+              <a:schemeClr val="accent1"/>
+            </a:lnRef>
+            <a:fillRef idx="0">
+              <a:schemeClr val="accent1"/>
+            </a:fillRef>
+            <a:effectRef idx="0">
+              <a:schemeClr val="accent1"/>
+            </a:effectRef>
+            <a:fontRef idx="minor">
+              <a:schemeClr val="tx1"/>
+            </a:fontRef>
+          </p:style>
+        </p:cxnSp>
+        <p:cxnSp>
+          <p:nvCxnSpPr>
+            <p:cNvPr id="10" name="直接连接符 9"/>
+            <p:cNvCxnSpPr/>
+            <p:nvPr/>
+          </p:nvCxnSpPr>
+          <p:spPr>
+            <a:xfrm>
+              <a:off x="4712034" y="3944936"/>
+              <a:ext cx="2832100" cy="0"/>
+            </a:xfrm>
+            <a:prstGeom prst="line">
+              <a:avLst/>
+            </a:prstGeom>
+            <a:ln>
+              <a:solidFill>
+                <a:srgbClr val="FFFFFF"/>
+              </a:solidFill>
+            </a:ln>
+          </p:spPr>
+          <p:style>
+            <a:lnRef idx="1">
+              <a:schemeClr val="accent1"/>
+            </a:lnRef>
+            <a:fillRef idx="0">
+              <a:schemeClr val="accent1"/>
+            </a:fillRef>
+            <a:effectRef idx="0">
+              <a:schemeClr val="accent1"/>
+            </a:effectRef>
+            <a:fontRef idx="minor">
+              <a:schemeClr val="tx1"/>
+            </a:fontRef>
+          </p:style>
+        </p:cxnSp>
+      </p:grpSp>
+    </p:spTree>
+    <p:custDataLst>
+      <p:tags r:id="rId1"/>
+    </p:custDataLst>
+  </p:cSld>
+  <p:clrMapOvr>
+    <a:masterClrMapping/>
+  </p:clrMapOvr>
+</p:sld>
+</file>
+
+<file path=ppt/slides/slide4.xml><?xml version="1.0" encoding="utf-8"?>
 <p:sld xmlns:a="http://schemas.openxmlformats.org/drawingml/2006/main" xmlns:r="http://schemas.openxmlformats.org/officeDocument/2006/relationships" xmlns:p="http://schemas.openxmlformats.org/presentationml/2006/main">
   <p:cSld>
     <p:spTree>
@@ -27027,1291 +32663,7 @@
 </p:sld>
 </file>
 
-<file path=ppt/slides/slide30.xml><?xml version="1.0" encoding="utf-8"?>
-<p:sld xmlns:a="http://schemas.openxmlformats.org/drawingml/2006/main" xmlns:r="http://schemas.openxmlformats.org/officeDocument/2006/relationships" xmlns:p="http://schemas.openxmlformats.org/presentationml/2006/main">
-  <p:cSld>
-    <p:spTree>
-      <p:nvGrpSpPr>
-        <p:cNvPr id="1" name=""/>
-        <p:cNvGrpSpPr/>
-        <p:nvPr/>
-      </p:nvGrpSpPr>
-      <p:grpSpPr>
-        <a:xfrm>
-          <a:off x="0" y="0"/>
-          <a:ext cx="0" cy="0"/>
-          <a:chOff x="0" y="0"/>
-          <a:chExt cx="0" cy="0"/>
-        </a:xfrm>
-      </p:grpSpPr>
-      <p:sp>
-        <p:nvSpPr>
-          <p:cNvPr id="2" name="文本框 1"/>
-          <p:cNvSpPr txBox="1"/>
-          <p:nvPr/>
-        </p:nvSpPr>
-        <p:spPr>
-          <a:xfrm>
-            <a:off x="2860675" y="991235"/>
-            <a:ext cx="8034655" cy="4831080"/>
-          </a:xfrm>
-          <a:prstGeom prst="rect">
-            <a:avLst/>
-          </a:prstGeom>
-          <a:noFill/>
-        </p:spPr>
-        <p:txBody>
-          <a:bodyPr wrap="square" rtlCol="0">
-            <a:spAutoFit/>
-          </a:bodyPr>
-          <a:p>
-            <a:r>
-              <a:rPr lang="en-US" sz="2800" b="1"/>
-              <a:t>  </a:t>
-            </a:r>
-            <a:endParaRPr lang="en-US" sz="2800" b="1"/>
-          </a:p>
-          <a:p>
-            <a:r>
-              <a:rPr sz="2800" b="1">
-                <a:sym typeface="+mn-ea"/>
-              </a:rPr>
-              <a:t>                       </a:t>
-            </a:r>
-            <a:endParaRPr sz="2800" b="1">
-              <a:sym typeface="+mn-ea"/>
-            </a:endParaRPr>
-          </a:p>
-          <a:p>
-            <a:r>
-              <a:rPr sz="2800" b="1">
-                <a:solidFill>
-                  <a:schemeClr val="bg1"/>
-                </a:solidFill>
-                <a:sym typeface="+mn-ea"/>
-              </a:rPr>
-              <a:t>工作量估算</a:t>
-            </a:r>
-            <a:endParaRPr sz="2800" b="1">
-              <a:solidFill>
-                <a:schemeClr val="bg1"/>
-              </a:solidFill>
-              <a:sym typeface="+mn-ea"/>
-            </a:endParaRPr>
-          </a:p>
-          <a:p>
-            <a:r>
-              <a:rPr lang="en-US" sz="2800" b="1">
-                <a:solidFill>
-                  <a:schemeClr val="bg1"/>
-                </a:solidFill>
-                <a:sym typeface="+mn-ea"/>
-              </a:rPr>
-              <a:t>	</a:t>
-            </a:r>
-            <a:r>
-              <a:rPr sz="2800" b="1">
-                <a:solidFill>
-                  <a:schemeClr val="bg1"/>
-                </a:solidFill>
-                <a:sym typeface="+mn-ea"/>
-              </a:rPr>
-              <a:t>工作量需要每人每周1小时左右，一共5人。每周5个工时。</a:t>
-            </a:r>
-            <a:endParaRPr sz="2800" b="1">
-              <a:solidFill>
-                <a:schemeClr val="bg1"/>
-              </a:solidFill>
-              <a:sym typeface="+mn-ea"/>
-            </a:endParaRPr>
-          </a:p>
-          <a:p>
-            <a:r>
-              <a:rPr lang="en-US" sz="2800" b="1">
-                <a:solidFill>
-                  <a:schemeClr val="bg1"/>
-                </a:solidFill>
-                <a:sym typeface="+mn-ea"/>
-              </a:rPr>
-              <a:t>	</a:t>
-            </a:r>
-            <a:r>
-              <a:rPr sz="2800" b="1">
-                <a:solidFill>
-                  <a:schemeClr val="bg1"/>
-                </a:solidFill>
-                <a:sym typeface="+mn-ea"/>
-              </a:rPr>
-              <a:t>一共17周，共计105工时。</a:t>
-            </a:r>
-            <a:endParaRPr sz="2800" b="1">
-              <a:solidFill>
-                <a:schemeClr val="bg1"/>
-              </a:solidFill>
-              <a:sym typeface="+mn-ea"/>
-            </a:endParaRPr>
-          </a:p>
-          <a:p>
-            <a:endParaRPr sz="2800" b="1">
-              <a:solidFill>
-                <a:schemeClr val="bg1"/>
-              </a:solidFill>
-              <a:sym typeface="+mn-ea"/>
-            </a:endParaRPr>
-          </a:p>
-          <a:p>
-            <a:r>
-              <a:rPr sz="2800" b="1">
-                <a:solidFill>
-                  <a:schemeClr val="bg1"/>
-                </a:solidFill>
-                <a:sym typeface="+mn-ea"/>
-              </a:rPr>
-              <a:t>成本估算</a:t>
-            </a:r>
-            <a:endParaRPr sz="2800" b="1">
-              <a:solidFill>
-                <a:schemeClr val="bg1"/>
-              </a:solidFill>
-              <a:sym typeface="+mn-ea"/>
-            </a:endParaRPr>
-          </a:p>
-          <a:p>
-            <a:r>
-              <a:rPr lang="en-US" sz="2800" b="1">
-                <a:solidFill>
-                  <a:schemeClr val="bg1"/>
-                </a:solidFill>
-                <a:sym typeface="+mn-ea"/>
-              </a:rPr>
-              <a:t>	</a:t>
-            </a:r>
-            <a:r>
-              <a:rPr sz="2800" b="1">
-                <a:solidFill>
-                  <a:schemeClr val="bg1"/>
-                </a:solidFill>
-                <a:sym typeface="+mn-ea"/>
-              </a:rPr>
-              <a:t>只需要team building即可。每次200元，分15次。共计3000元。</a:t>
-            </a:r>
-            <a:endParaRPr sz="2800" b="1">
-              <a:solidFill>
-                <a:schemeClr val="bg1"/>
-              </a:solidFill>
-              <a:sym typeface="+mn-ea"/>
-            </a:endParaRPr>
-          </a:p>
-          <a:p>
-            <a:endParaRPr lang="en-US" sz="2800" b="1"/>
-          </a:p>
-        </p:txBody>
-      </p:sp>
-    </p:spTree>
-    <p:custDataLst>
-      <p:tags r:id="rId1"/>
-    </p:custDataLst>
-  </p:cSld>
-  <p:clrMapOvr>
-    <a:masterClrMapping/>
-  </p:clrMapOvr>
-</p:sld>
-</file>
-
-<file path=ppt/slides/slide31.xml><?xml version="1.0" encoding="utf-8"?>
-<p:sld xmlns:a="http://schemas.openxmlformats.org/drawingml/2006/main" xmlns:r="http://schemas.openxmlformats.org/officeDocument/2006/relationships" xmlns:p="http://schemas.openxmlformats.org/presentationml/2006/main">
-  <p:cSld>
-    <p:spTree>
-      <p:nvGrpSpPr>
-        <p:cNvPr id="1" name=""/>
-        <p:cNvGrpSpPr/>
-        <p:nvPr/>
-      </p:nvGrpSpPr>
-      <p:grpSpPr>
-        <a:xfrm>
-          <a:off x="0" y="0"/>
-          <a:ext cx="0" cy="0"/>
-          <a:chOff x="0" y="0"/>
-          <a:chExt cx="0" cy="0"/>
-        </a:xfrm>
-      </p:grpSpPr>
-      <p:grpSp>
-        <p:nvGrpSpPr>
-          <p:cNvPr id="13" name="组合 12"/>
-          <p:cNvGrpSpPr/>
-          <p:nvPr/>
-        </p:nvGrpSpPr>
-        <p:grpSpPr>
-          <a:xfrm>
-            <a:off x="2452370" y="2827655"/>
-            <a:ext cx="7080207" cy="3076575"/>
-            <a:chOff x="2733181" y="3135197"/>
-            <a:chExt cx="6964900" cy="3076783"/>
-          </a:xfrm>
-        </p:grpSpPr>
-        <p:sp>
-          <p:nvSpPr>
-            <p:cNvPr id="7" name="文本框 6"/>
-            <p:cNvSpPr txBox="1"/>
-            <p:nvPr/>
-          </p:nvSpPr>
-          <p:spPr>
-            <a:xfrm>
-              <a:off x="5222283" y="4487656"/>
-              <a:ext cx="4475798" cy="830001"/>
-            </a:xfrm>
-            <a:prstGeom prst="rect">
-              <a:avLst/>
-            </a:prstGeom>
-            <a:noFill/>
-          </p:spPr>
-          <p:txBody>
-            <a:bodyPr wrap="square" rtlCol="0">
-              <a:spAutoFit/>
-            </a:bodyPr>
-            <a:lstStyle/>
-            <a:p>
-              <a:pPr lvl="0" algn="ctr">
-                <a:spcBef>
-                  <a:spcPct val="0"/>
-                </a:spcBef>
-                <a:defRPr/>
-              </a:pPr>
-              <a:endParaRPr lang="zh-CN" altLang="en-US" sz="4800" b="1" kern="0" dirty="0">
-                <a:solidFill>
-                  <a:srgbClr val="32363A"/>
-                </a:solidFill>
-                <a:latin typeface="微软雅黑" panose="020B0503020204020204" pitchFamily="34" charset="-122"/>
-                <a:ea typeface="微软雅黑" panose="020B0503020204020204" pitchFamily="34" charset="-122"/>
-              </a:endParaRPr>
-            </a:p>
-          </p:txBody>
-        </p:sp>
-        <p:grpSp>
-          <p:nvGrpSpPr>
-            <p:cNvPr id="12" name="组合 11"/>
-            <p:cNvGrpSpPr/>
-            <p:nvPr/>
-          </p:nvGrpSpPr>
-          <p:grpSpPr>
-            <a:xfrm>
-              <a:off x="2733181" y="3135197"/>
-              <a:ext cx="6804405" cy="3076783"/>
-              <a:chOff x="3611254" y="3463216"/>
-              <a:chExt cx="4385003" cy="2232254"/>
-            </a:xfrm>
-          </p:grpSpPr>
-          <p:cxnSp>
-            <p:nvCxnSpPr>
-              <p:cNvPr id="8" name="直接连接符 7"/>
-              <p:cNvCxnSpPr/>
-              <p:nvPr/>
-            </p:nvCxnSpPr>
-            <p:spPr>
-              <a:xfrm>
-                <a:off x="3611254" y="3463216"/>
-                <a:ext cx="2676932" cy="0"/>
-              </a:xfrm>
-              <a:prstGeom prst="line">
-                <a:avLst/>
-              </a:prstGeom>
-              <a:ln>
-                <a:solidFill>
-                  <a:srgbClr val="32363A"/>
-                </a:solidFill>
-              </a:ln>
-            </p:spPr>
-            <p:style>
-              <a:lnRef idx="1">
-                <a:schemeClr val="accent1"/>
-              </a:lnRef>
-              <a:fillRef idx="0">
-                <a:schemeClr val="accent1"/>
-              </a:fillRef>
-              <a:effectRef idx="0">
-                <a:schemeClr val="accent1"/>
-              </a:effectRef>
-              <a:fontRef idx="minor">
-                <a:schemeClr val="tx1"/>
-              </a:fontRef>
-            </p:style>
-          </p:cxnSp>
-          <p:cxnSp>
-            <p:nvCxnSpPr>
-              <p:cNvPr id="9" name="直接连接符 8"/>
-              <p:cNvCxnSpPr/>
-              <p:nvPr/>
-            </p:nvCxnSpPr>
-            <p:spPr>
-              <a:xfrm>
-                <a:off x="5319325" y="5695470"/>
-                <a:ext cx="2676932" cy="0"/>
-              </a:xfrm>
-              <a:prstGeom prst="line">
-                <a:avLst/>
-              </a:prstGeom>
-              <a:ln>
-                <a:solidFill>
-                  <a:srgbClr val="32363A"/>
-                </a:solidFill>
-              </a:ln>
-            </p:spPr>
-            <p:style>
-              <a:lnRef idx="1">
-                <a:schemeClr val="accent1"/>
-              </a:lnRef>
-              <a:fillRef idx="0">
-                <a:schemeClr val="accent1"/>
-              </a:fillRef>
-              <a:effectRef idx="0">
-                <a:schemeClr val="accent1"/>
-              </a:effectRef>
-              <a:fontRef idx="minor">
-                <a:schemeClr val="tx1"/>
-              </a:fontRef>
-            </p:style>
-          </p:cxnSp>
-        </p:grpSp>
-      </p:grpSp>
-      <p:grpSp>
-        <p:nvGrpSpPr>
-          <p:cNvPr id="17" name="组合 16"/>
-          <p:cNvGrpSpPr/>
-          <p:nvPr/>
-        </p:nvGrpSpPr>
-        <p:grpSpPr>
-          <a:xfrm>
-            <a:off x="4575991" y="1699491"/>
-            <a:ext cx="2966993" cy="2170545"/>
-            <a:chOff x="6230091" y="2863273"/>
-            <a:chExt cx="1751826" cy="1129107"/>
-          </a:xfrm>
-        </p:grpSpPr>
-        <p:sp>
-          <p:nvSpPr>
-            <p:cNvPr id="15" name="菱形 14"/>
-            <p:cNvSpPr/>
-            <p:nvPr/>
-          </p:nvSpPr>
-          <p:spPr>
-            <a:xfrm>
-              <a:off x="6230091" y="2863273"/>
-              <a:ext cx="1751826" cy="1129107"/>
-            </a:xfrm>
-            <a:prstGeom prst="diamond">
-              <a:avLst/>
-            </a:prstGeom>
-            <a:solidFill>
-              <a:srgbClr val="FFFFFF">
-                <a:alpha val="76863"/>
-              </a:srgbClr>
-            </a:solidFill>
-            <a:ln>
-              <a:noFill/>
-            </a:ln>
-          </p:spPr>
-          <p:style>
-            <a:lnRef idx="2">
-              <a:schemeClr val="accent1">
-                <a:shade val="50000"/>
-              </a:schemeClr>
-            </a:lnRef>
-            <a:fillRef idx="1">
-              <a:schemeClr val="accent1"/>
-            </a:fillRef>
-            <a:effectRef idx="0">
-              <a:schemeClr val="accent1"/>
-            </a:effectRef>
-            <a:fontRef idx="minor">
-              <a:schemeClr val="lt1"/>
-            </a:fontRef>
-          </p:style>
-          <p:txBody>
-            <a:bodyPr rtlCol="0" anchor="ctr"/>
-            <a:lstStyle/>
-            <a:p>
-              <a:pPr algn="ctr"/>
-              <a:endParaRPr lang="zh-CN" altLang="en-US"/>
-            </a:p>
-          </p:txBody>
-        </p:sp>
-        <p:sp>
-          <p:nvSpPr>
-            <p:cNvPr id="16" name="菱形 15"/>
-            <p:cNvSpPr/>
-            <p:nvPr/>
-          </p:nvSpPr>
-          <p:spPr>
-            <a:xfrm>
-              <a:off x="6336501" y="2931857"/>
-              <a:ext cx="1539007" cy="991939"/>
-            </a:xfrm>
-            <a:prstGeom prst="diamond">
-              <a:avLst/>
-            </a:prstGeom>
-            <a:solidFill>
-              <a:srgbClr val="32363A"/>
-            </a:solidFill>
-            <a:ln>
-              <a:noFill/>
-            </a:ln>
-          </p:spPr>
-          <p:style>
-            <a:lnRef idx="2">
-              <a:schemeClr val="accent1">
-                <a:shade val="50000"/>
-              </a:schemeClr>
-            </a:lnRef>
-            <a:fillRef idx="1">
-              <a:schemeClr val="accent1"/>
-            </a:fillRef>
-            <a:effectRef idx="0">
-              <a:schemeClr val="accent1"/>
-            </a:effectRef>
-            <a:fontRef idx="minor">
-              <a:schemeClr val="lt1"/>
-            </a:fontRef>
-          </p:style>
-          <p:txBody>
-            <a:bodyPr rtlCol="0" anchor="ctr"/>
-            <a:lstStyle/>
-            <a:p>
-              <a:pPr algn="ctr"/>
-              <a:endParaRPr lang="zh-CN" altLang="en-US"/>
-            </a:p>
-          </p:txBody>
-        </p:sp>
-      </p:grpSp>
-      <p:sp>
-        <p:nvSpPr>
-          <p:cNvPr id="18" name="文本框 17"/>
-          <p:cNvSpPr txBox="1"/>
-          <p:nvPr/>
-        </p:nvSpPr>
-        <p:spPr>
-          <a:xfrm>
-            <a:off x="5339051" y="2230765"/>
-            <a:ext cx="1440873" cy="1106805"/>
-          </a:xfrm>
-          <a:prstGeom prst="rect">
-            <a:avLst/>
-          </a:prstGeom>
-          <a:noFill/>
-        </p:spPr>
-        <p:txBody>
-          <a:bodyPr wrap="square" rtlCol="0">
-            <a:spAutoFit/>
-          </a:bodyPr>
-          <a:lstStyle/>
-          <a:p>
-            <a:pPr algn="ctr"/>
-            <a:r>
-              <a:rPr lang="en-US" altLang="zh-CN" sz="6600" dirty="0">
-                <a:solidFill>
-                  <a:schemeClr val="bg1"/>
-                </a:solidFill>
-                <a:latin typeface="微软雅黑" panose="020B0503020204020204" pitchFamily="34" charset="-122"/>
-                <a:ea typeface="微软雅黑" panose="020B0503020204020204" pitchFamily="34" charset="-122"/>
-              </a:rPr>
-              <a:t>9</a:t>
-            </a:r>
-            <a:endParaRPr lang="en-US" altLang="zh-CN" sz="6600" dirty="0">
-              <a:solidFill>
-                <a:schemeClr val="bg1"/>
-              </a:solidFill>
-              <a:latin typeface="微软雅黑" panose="020B0503020204020204" pitchFamily="34" charset="-122"/>
-              <a:ea typeface="微软雅黑" panose="020B0503020204020204" pitchFamily="34" charset="-122"/>
-            </a:endParaRPr>
-          </a:p>
-        </p:txBody>
-      </p:sp>
-      <p:sp>
-        <p:nvSpPr>
-          <p:cNvPr id="4" name="文本框 3"/>
-          <p:cNvSpPr txBox="1"/>
-          <p:nvPr/>
-        </p:nvSpPr>
-        <p:spPr>
-          <a:xfrm>
-            <a:off x="4982680" y="4935673"/>
-            <a:ext cx="4549897" cy="829945"/>
-          </a:xfrm>
-          <a:prstGeom prst="rect">
-            <a:avLst/>
-          </a:prstGeom>
-          <a:noFill/>
-        </p:spPr>
-        <p:txBody>
-          <a:bodyPr wrap="square" rtlCol="0">
-            <a:spAutoFit/>
-          </a:bodyPr>
-          <a:p>
-            <a:pPr lvl="0" algn="ctr">
-              <a:spcBef>
-                <a:spcPct val="0"/>
-              </a:spcBef>
-              <a:defRPr/>
-            </a:pPr>
-            <a:r>
-              <a:rPr lang="zh-CN" altLang="en-US" sz="4800" b="1" kern="0" dirty="0">
-                <a:solidFill>
-                  <a:schemeClr val="bg1"/>
-                </a:solidFill>
-                <a:latin typeface="微软雅黑" panose="020B0503020204020204" pitchFamily="34" charset="-122"/>
-                <a:ea typeface="微软雅黑" panose="020B0503020204020204" pitchFamily="34" charset="-122"/>
-              </a:rPr>
-              <a:t>风险管理</a:t>
-            </a:r>
-            <a:endParaRPr lang="zh-CN" altLang="en-US" sz="4800" b="1" kern="0" dirty="0">
-              <a:solidFill>
-                <a:schemeClr val="bg1"/>
-              </a:solidFill>
-              <a:latin typeface="微软雅黑" panose="020B0503020204020204" pitchFamily="34" charset="-122"/>
-              <a:ea typeface="微软雅黑" panose="020B0503020204020204" pitchFamily="34" charset="-122"/>
-            </a:endParaRPr>
-          </a:p>
-        </p:txBody>
-      </p:sp>
-    </p:spTree>
-    <p:custDataLst>
-      <p:tags r:id="rId1"/>
-    </p:custDataLst>
-  </p:cSld>
-  <p:clrMapOvr>
-    <a:masterClrMapping/>
-  </p:clrMapOvr>
-</p:sld>
-</file>
-
-<file path=ppt/slides/slide32.xml><?xml version="1.0" encoding="utf-8"?>
-<p:sld xmlns:a="http://schemas.openxmlformats.org/drawingml/2006/main" xmlns:r="http://schemas.openxmlformats.org/officeDocument/2006/relationships" xmlns:p="http://schemas.openxmlformats.org/presentationml/2006/main">
-  <p:cSld>
-    <p:spTree>
-      <p:nvGrpSpPr>
-        <p:cNvPr id="1" name=""/>
-        <p:cNvGrpSpPr/>
-        <p:nvPr/>
-      </p:nvGrpSpPr>
-      <p:grpSpPr>
-        <a:xfrm>
-          <a:off x="0" y="0"/>
-          <a:ext cx="0" cy="0"/>
-          <a:chOff x="0" y="0"/>
-          <a:chExt cx="0" cy="0"/>
-        </a:xfrm>
-      </p:grpSpPr>
-      <p:grpSp>
-        <p:nvGrpSpPr>
-          <p:cNvPr id="17" name="组合 16"/>
-          <p:cNvGrpSpPr/>
-          <p:nvPr/>
-        </p:nvGrpSpPr>
-        <p:grpSpPr>
-          <a:xfrm>
-            <a:off x="2806700" y="172720"/>
-            <a:ext cx="6129020" cy="891869"/>
-            <a:chOff x="4926820" y="4196916"/>
-            <a:chExt cx="4475798" cy="891751"/>
-          </a:xfrm>
-        </p:grpSpPr>
-        <p:sp>
-          <p:nvSpPr>
-            <p:cNvPr id="18" name="文本框 17"/>
-            <p:cNvSpPr txBox="1"/>
-            <p:nvPr/>
-          </p:nvSpPr>
-          <p:spPr>
-            <a:xfrm>
-              <a:off x="4926820" y="4232369"/>
-              <a:ext cx="4475798" cy="829835"/>
-            </a:xfrm>
-            <a:prstGeom prst="rect">
-              <a:avLst/>
-            </a:prstGeom>
-            <a:noFill/>
-          </p:spPr>
-          <p:txBody>
-            <a:bodyPr wrap="square" rtlCol="0">
-              <a:spAutoFit/>
-            </a:bodyPr>
-            <a:lstStyle/>
-            <a:p>
-              <a:pPr lvl="0" algn="ctr">
-                <a:spcBef>
-                  <a:spcPct val="0"/>
-                </a:spcBef>
-                <a:defRPr/>
-              </a:pPr>
-              <a:r>
-                <a:rPr lang="zh-CN" altLang="en-US" sz="4800" b="1" kern="0" dirty="0">
-                  <a:solidFill>
-                    <a:schemeClr val="bg1"/>
-                  </a:solidFill>
-                  <a:latin typeface="微软雅黑" panose="020B0503020204020204" pitchFamily="34" charset="-122"/>
-                  <a:ea typeface="微软雅黑" panose="020B0503020204020204" pitchFamily="34" charset="-122"/>
-                  <a:sym typeface="+mn-ea"/>
-                </a:rPr>
-                <a:t>风险管理</a:t>
-              </a:r>
-              <a:endParaRPr lang="zh-CN" altLang="en-US" sz="4800" b="1" kern="0" dirty="0">
-                <a:solidFill>
-                  <a:schemeClr val="bg1"/>
-                </a:solidFill>
-                <a:latin typeface="微软雅黑" panose="020B0503020204020204" pitchFamily="34" charset="-122"/>
-                <a:ea typeface="微软雅黑" panose="020B0503020204020204" pitchFamily="34" charset="-122"/>
-                <a:sym typeface="+mn-ea"/>
-              </a:endParaRPr>
-            </a:p>
-          </p:txBody>
-        </p:sp>
-        <p:grpSp>
-          <p:nvGrpSpPr>
-            <p:cNvPr id="19" name="组合 18"/>
-            <p:cNvGrpSpPr/>
-            <p:nvPr/>
-          </p:nvGrpSpPr>
-          <p:grpSpPr>
-            <a:xfrm>
-              <a:off x="5087761" y="4196916"/>
-              <a:ext cx="4153915" cy="891751"/>
-              <a:chOff x="5128630" y="4233510"/>
-              <a:chExt cx="2676932" cy="646979"/>
-            </a:xfrm>
-          </p:grpSpPr>
-          <p:cxnSp>
-            <p:nvCxnSpPr>
-              <p:cNvPr id="20" name="直接连接符 19"/>
-              <p:cNvCxnSpPr/>
-              <p:nvPr/>
-            </p:nvCxnSpPr>
-            <p:spPr>
-              <a:xfrm>
-                <a:off x="5128630" y="4233510"/>
-                <a:ext cx="2676932" cy="0"/>
-              </a:xfrm>
-              <a:prstGeom prst="line">
-                <a:avLst/>
-              </a:prstGeom>
-              <a:ln>
-                <a:solidFill>
-                  <a:srgbClr val="32363A"/>
-                </a:solidFill>
-              </a:ln>
-            </p:spPr>
-            <p:style>
-              <a:lnRef idx="1">
-                <a:schemeClr val="accent1"/>
-              </a:lnRef>
-              <a:fillRef idx="0">
-                <a:schemeClr val="accent1"/>
-              </a:fillRef>
-              <a:effectRef idx="0">
-                <a:schemeClr val="accent1"/>
-              </a:effectRef>
-              <a:fontRef idx="minor">
-                <a:schemeClr val="tx1"/>
-              </a:fontRef>
-            </p:style>
-          </p:cxnSp>
-          <p:cxnSp>
-            <p:nvCxnSpPr>
-              <p:cNvPr id="21" name="直接连接符 20"/>
-              <p:cNvCxnSpPr/>
-              <p:nvPr/>
-            </p:nvCxnSpPr>
-            <p:spPr>
-              <a:xfrm>
-                <a:off x="5128630" y="4880489"/>
-                <a:ext cx="2676932" cy="0"/>
-              </a:xfrm>
-              <a:prstGeom prst="line">
-                <a:avLst/>
-              </a:prstGeom>
-              <a:ln>
-                <a:solidFill>
-                  <a:srgbClr val="32363A"/>
-                </a:solidFill>
-              </a:ln>
-            </p:spPr>
-            <p:style>
-              <a:lnRef idx="1">
-                <a:schemeClr val="accent1"/>
-              </a:lnRef>
-              <a:fillRef idx="0">
-                <a:schemeClr val="accent1"/>
-              </a:fillRef>
-              <a:effectRef idx="0">
-                <a:schemeClr val="accent1"/>
-              </a:effectRef>
-              <a:fontRef idx="minor">
-                <a:schemeClr val="tx1"/>
-              </a:fontRef>
-            </p:style>
-          </p:cxnSp>
-        </p:grpSp>
-      </p:grpSp>
-      <p:sp>
-        <p:nvSpPr>
-          <p:cNvPr id="2" name="文本框 1"/>
-          <p:cNvSpPr txBox="1"/>
-          <p:nvPr/>
-        </p:nvSpPr>
-        <p:spPr>
-          <a:xfrm>
-            <a:off x="2360930" y="2607310"/>
-            <a:ext cx="8034655" cy="3107690"/>
-          </a:xfrm>
-          <a:prstGeom prst="rect">
-            <a:avLst/>
-          </a:prstGeom>
-          <a:noFill/>
-        </p:spPr>
-        <p:txBody>
-          <a:bodyPr wrap="square" rtlCol="0">
-            <a:spAutoFit/>
-          </a:bodyPr>
-          <a:p>
-            <a:r>
-              <a:rPr lang="en-US" sz="2800" b="1"/>
-              <a:t>  	</a:t>
-            </a:r>
-            <a:r>
-              <a:rPr lang="zh-CN" altLang="en-US" sz="2800" b="1">
-                <a:solidFill>
-                  <a:schemeClr val="bg1"/>
-                </a:solidFill>
-              </a:rPr>
-              <a:t>包括：</a:t>
-            </a:r>
-            <a:r>
-              <a:rPr sz="2800" b="1">
-                <a:solidFill>
-                  <a:schemeClr val="bg1"/>
-                </a:solidFill>
-                <a:sym typeface="+mn-ea"/>
-              </a:rPr>
-              <a:t>需求变更风险</a:t>
-            </a:r>
-            <a:r>
-              <a:rPr lang="zh-CN" sz="2800" b="1">
-                <a:solidFill>
-                  <a:schemeClr val="bg1"/>
-                </a:solidFill>
-                <a:sym typeface="+mn-ea"/>
-              </a:rPr>
-              <a:t>、</a:t>
-            </a:r>
-            <a:r>
-              <a:rPr sz="2800" b="1">
-                <a:solidFill>
-                  <a:schemeClr val="bg1"/>
-                </a:solidFill>
-                <a:sym typeface="+mn-ea"/>
-              </a:rPr>
-              <a:t>沟通不良风险</a:t>
-            </a:r>
-            <a:r>
-              <a:rPr lang="zh-CN" sz="2800" b="1">
-                <a:solidFill>
-                  <a:schemeClr val="bg1"/>
-                </a:solidFill>
-                <a:sym typeface="+mn-ea"/>
-              </a:rPr>
-              <a:t>、</a:t>
-            </a:r>
-            <a:r>
-              <a:rPr sz="2800" b="1">
-                <a:solidFill>
-                  <a:schemeClr val="bg1"/>
-                </a:solidFill>
-                <a:sym typeface="+mn-ea"/>
-              </a:rPr>
-              <a:t>缺乏领导支持风险</a:t>
-            </a:r>
-            <a:r>
-              <a:rPr lang="zh-CN" sz="2800" b="1">
-                <a:solidFill>
-                  <a:schemeClr val="bg1"/>
-                </a:solidFill>
-                <a:sym typeface="+mn-ea"/>
-              </a:rPr>
-              <a:t>、</a:t>
-            </a:r>
-            <a:r>
-              <a:rPr sz="2800" b="1">
-                <a:solidFill>
-                  <a:schemeClr val="bg1"/>
-                </a:solidFill>
-                <a:sym typeface="+mn-ea"/>
-              </a:rPr>
-              <a:t>进度风险</a:t>
-            </a:r>
-            <a:r>
-              <a:rPr lang="zh-CN" sz="2800" b="1">
-                <a:solidFill>
-                  <a:schemeClr val="bg1"/>
-                </a:solidFill>
-                <a:sym typeface="+mn-ea"/>
-              </a:rPr>
-              <a:t>、</a:t>
-            </a:r>
-            <a:r>
-              <a:rPr sz="2800" b="1">
-                <a:solidFill>
-                  <a:schemeClr val="bg1"/>
-                </a:solidFill>
-                <a:sym typeface="+mn-ea"/>
-              </a:rPr>
-              <a:t>质量风险</a:t>
-            </a:r>
-            <a:r>
-              <a:rPr lang="zh-CN" sz="2800" b="1">
-                <a:solidFill>
-                  <a:schemeClr val="bg1"/>
-                </a:solidFill>
-                <a:sym typeface="+mn-ea"/>
-              </a:rPr>
-              <a:t>、</a:t>
-            </a:r>
-            <a:r>
-              <a:rPr sz="2800" b="1">
-                <a:solidFill>
-                  <a:schemeClr val="bg1"/>
-                </a:solidFill>
-                <a:sym typeface="+mn-ea"/>
-              </a:rPr>
-              <a:t>系统性能风险</a:t>
-            </a:r>
-            <a:r>
-              <a:rPr lang="zh-CN" sz="2800" b="1">
-                <a:solidFill>
-                  <a:schemeClr val="bg1"/>
-                </a:solidFill>
-                <a:sym typeface="+mn-ea"/>
-              </a:rPr>
-              <a:t>、</a:t>
-            </a:r>
-            <a:r>
-              <a:rPr sz="2800" b="1">
-                <a:solidFill>
-                  <a:schemeClr val="bg1"/>
-                </a:solidFill>
-                <a:sym typeface="+mn-ea"/>
-              </a:rPr>
-              <a:t>工具风险</a:t>
-            </a:r>
-            <a:r>
-              <a:rPr lang="zh-CN" sz="2800" b="1">
-                <a:solidFill>
-                  <a:schemeClr val="bg1"/>
-                </a:solidFill>
-                <a:sym typeface="+mn-ea"/>
-              </a:rPr>
-              <a:t>、</a:t>
-            </a:r>
-            <a:r>
-              <a:rPr sz="2800" b="1">
-                <a:solidFill>
-                  <a:schemeClr val="bg1"/>
-                </a:solidFill>
-                <a:sym typeface="+mn-ea"/>
-              </a:rPr>
-              <a:t>技术风险</a:t>
-            </a:r>
-            <a:r>
-              <a:rPr lang="zh-CN" sz="2800" b="1">
-                <a:solidFill>
-                  <a:schemeClr val="bg1"/>
-                </a:solidFill>
-                <a:sym typeface="+mn-ea"/>
-              </a:rPr>
-              <a:t>、</a:t>
-            </a:r>
-            <a:r>
-              <a:rPr sz="2800" b="1">
-                <a:solidFill>
-                  <a:schemeClr val="bg1"/>
-                </a:solidFill>
-                <a:sym typeface="+mn-ea"/>
-              </a:rPr>
-              <a:t>团队成员能力和素质风险</a:t>
-            </a:r>
-            <a:r>
-              <a:rPr lang="zh-CN" sz="2800" b="1">
-                <a:solidFill>
-                  <a:schemeClr val="bg1"/>
-                </a:solidFill>
-                <a:sym typeface="+mn-ea"/>
-              </a:rPr>
-              <a:t>、</a:t>
-            </a:r>
-            <a:r>
-              <a:rPr sz="2800" b="1">
-                <a:solidFill>
-                  <a:schemeClr val="bg1"/>
-                </a:solidFill>
-                <a:sym typeface="+mn-ea"/>
-              </a:rPr>
-              <a:t>团队成员协作风险</a:t>
-            </a:r>
-            <a:r>
-              <a:rPr lang="zh-CN" sz="2800" b="1">
-                <a:solidFill>
-                  <a:schemeClr val="bg1"/>
-                </a:solidFill>
-                <a:sym typeface="+mn-ea"/>
-              </a:rPr>
-              <a:t>、</a:t>
-            </a:r>
-            <a:r>
-              <a:rPr sz="2800" b="1">
-                <a:solidFill>
-                  <a:schemeClr val="bg1"/>
-                </a:solidFill>
-                <a:sym typeface="+mn-ea"/>
-              </a:rPr>
-              <a:t>系统运行环境风险</a:t>
-            </a:r>
-            <a:endParaRPr sz="2800" b="1">
-              <a:solidFill>
-                <a:schemeClr val="bg1"/>
-              </a:solidFill>
-              <a:sym typeface="+mn-ea"/>
-            </a:endParaRPr>
-          </a:p>
-          <a:p>
-            <a:endParaRPr sz="2800" b="1">
-              <a:solidFill>
-                <a:schemeClr val="bg1"/>
-              </a:solidFill>
-              <a:sym typeface="+mn-ea"/>
-            </a:endParaRPr>
-          </a:p>
-          <a:p>
-            <a:r>
-              <a:rPr lang="zh-CN" sz="2800" b="1">
-                <a:solidFill>
-                  <a:schemeClr val="bg1"/>
-                </a:solidFill>
-                <a:sym typeface="+mn-ea"/>
-              </a:rPr>
-              <a:t>详细参考项目计划书中的风险管理章节。</a:t>
-            </a:r>
-            <a:endParaRPr lang="zh-CN" sz="2800" b="1">
-              <a:solidFill>
-                <a:schemeClr val="bg1"/>
-              </a:solidFill>
-              <a:sym typeface="+mn-ea"/>
-            </a:endParaRPr>
-          </a:p>
-          <a:p>
-            <a:endParaRPr sz="2800" b="1">
-              <a:sym typeface="+mn-ea"/>
-            </a:endParaRPr>
-          </a:p>
-        </p:txBody>
-      </p:sp>
-    </p:spTree>
-    <p:custDataLst>
-      <p:tags r:id="rId1"/>
-    </p:custDataLst>
-  </p:cSld>
-  <p:clrMapOvr>
-    <a:masterClrMapping/>
-  </p:clrMapOvr>
-</p:sld>
-</file>
-
-<file path=ppt/slides/slide33.xml><?xml version="1.0" encoding="utf-8"?>
-<p:sld xmlns:a="http://schemas.openxmlformats.org/drawingml/2006/main" xmlns:r="http://schemas.openxmlformats.org/officeDocument/2006/relationships" xmlns:p="http://schemas.openxmlformats.org/presentationml/2006/main">
-  <p:cSld>
-    <p:spTree>
-      <p:nvGrpSpPr>
-        <p:cNvPr id="1" name=""/>
-        <p:cNvGrpSpPr/>
-        <p:nvPr/>
-      </p:nvGrpSpPr>
-      <p:grpSpPr>
-        <a:xfrm>
-          <a:off x="0" y="0"/>
-          <a:ext cx="0" cy="0"/>
-          <a:chOff x="0" y="0"/>
-          <a:chExt cx="0" cy="0"/>
-        </a:xfrm>
-      </p:grpSpPr>
-      <p:sp>
-        <p:nvSpPr>
-          <p:cNvPr id="4" name="菱形 3"/>
-          <p:cNvSpPr/>
-          <p:nvPr/>
-        </p:nvSpPr>
-        <p:spPr>
-          <a:xfrm>
-            <a:off x="2374900" y="1030634"/>
-            <a:ext cx="7442200" cy="4796732"/>
-          </a:xfrm>
-          <a:prstGeom prst="diamond">
-            <a:avLst/>
-          </a:prstGeom>
-          <a:solidFill>
-            <a:srgbClr val="FFFFFF">
-              <a:alpha val="76863"/>
-            </a:srgbClr>
-          </a:solidFill>
-          <a:ln>
-            <a:noFill/>
-          </a:ln>
-        </p:spPr>
-        <p:style>
-          <a:lnRef idx="2">
-            <a:schemeClr val="accent1">
-              <a:shade val="50000"/>
-            </a:schemeClr>
-          </a:lnRef>
-          <a:fillRef idx="1">
-            <a:schemeClr val="accent1"/>
-          </a:fillRef>
-          <a:effectRef idx="0">
-            <a:schemeClr val="accent1"/>
-          </a:effectRef>
-          <a:fontRef idx="minor">
-            <a:schemeClr val="lt1"/>
-          </a:fontRef>
-        </p:style>
-        <p:txBody>
-          <a:bodyPr rtlCol="0" anchor="ctr"/>
-          <a:lstStyle/>
-          <a:p>
-            <a:pPr algn="ctr"/>
-            <a:endParaRPr lang="zh-CN" altLang="en-US"/>
-          </a:p>
-        </p:txBody>
-      </p:sp>
-      <p:sp>
-        <p:nvSpPr>
-          <p:cNvPr id="5" name="菱形 4"/>
-          <p:cNvSpPr/>
-          <p:nvPr/>
-        </p:nvSpPr>
-        <p:spPr>
-          <a:xfrm>
-            <a:off x="2527300" y="1128861"/>
-            <a:ext cx="7137400" cy="4600278"/>
-          </a:xfrm>
-          <a:prstGeom prst="diamond">
-            <a:avLst/>
-          </a:prstGeom>
-          <a:solidFill>
-            <a:srgbClr val="32363A"/>
-          </a:solidFill>
-          <a:ln>
-            <a:noFill/>
-          </a:ln>
-        </p:spPr>
-        <p:style>
-          <a:lnRef idx="2">
-            <a:schemeClr val="accent1">
-              <a:shade val="50000"/>
-            </a:schemeClr>
-          </a:lnRef>
-          <a:fillRef idx="1">
-            <a:schemeClr val="accent1"/>
-          </a:fillRef>
-          <a:effectRef idx="0">
-            <a:schemeClr val="accent1"/>
-          </a:effectRef>
-          <a:fontRef idx="minor">
-            <a:schemeClr val="lt1"/>
-          </a:fontRef>
-        </p:style>
-        <p:txBody>
-          <a:bodyPr rtlCol="0" anchor="ctr"/>
-          <a:lstStyle/>
-          <a:p>
-            <a:pPr algn="ctr"/>
-            <a:endParaRPr lang="zh-CN" altLang="en-US"/>
-          </a:p>
-        </p:txBody>
-      </p:sp>
-      <p:grpSp>
-        <p:nvGrpSpPr>
-          <p:cNvPr id="6" name="组合 5"/>
-          <p:cNvGrpSpPr/>
-          <p:nvPr/>
-        </p:nvGrpSpPr>
-        <p:grpSpPr>
-          <a:xfrm>
-            <a:off x="3978494" y="2449732"/>
-            <a:ext cx="4225706" cy="1705032"/>
-            <a:chOff x="4498526" y="2659559"/>
-            <a:chExt cx="3185642" cy="1285377"/>
-          </a:xfrm>
-        </p:grpSpPr>
-        <p:sp>
-          <p:nvSpPr>
-            <p:cNvPr id="7" name="文本框 6"/>
-            <p:cNvSpPr txBox="1"/>
-            <p:nvPr/>
-          </p:nvSpPr>
-          <p:spPr>
-            <a:xfrm>
-              <a:off x="4580021" y="2659559"/>
-              <a:ext cx="3031958" cy="765681"/>
-            </a:xfrm>
-            <a:prstGeom prst="rect">
-              <a:avLst/>
-            </a:prstGeom>
-            <a:noFill/>
-          </p:spPr>
-          <p:txBody>
-            <a:bodyPr wrap="square" rtlCol="0">
-              <a:spAutoFit/>
-            </a:bodyPr>
-            <a:lstStyle/>
-            <a:p>
-              <a:pPr algn="ctr"/>
-              <a:r>
-                <a:rPr lang="zh-CN" altLang="en-US" sz="6000" b="1" dirty="0" smtClean="0">
-                  <a:solidFill>
-                    <a:srgbClr val="FFFFFF"/>
-                  </a:solidFill>
-                  <a:latin typeface="微软雅黑" panose="020B0503020204020204" pitchFamily="34" charset="-122"/>
-                  <a:ea typeface="微软雅黑" panose="020B0503020204020204" pitchFamily="34" charset="-122"/>
-                </a:rPr>
-                <a:t>谢谢观看</a:t>
-              </a:r>
-              <a:endParaRPr lang="zh-CN" altLang="en-US" sz="6000" b="1" dirty="0">
-                <a:solidFill>
-                  <a:srgbClr val="FFFFFF"/>
-                </a:solidFill>
-                <a:latin typeface="微软雅黑" panose="020B0503020204020204" pitchFamily="34" charset="-122"/>
-                <a:ea typeface="微软雅黑" panose="020B0503020204020204" pitchFamily="34" charset="-122"/>
-              </a:endParaRPr>
-            </a:p>
-          </p:txBody>
-        </p:sp>
-        <p:sp>
-          <p:nvSpPr>
-            <p:cNvPr id="8" name="文本框 7"/>
-            <p:cNvSpPr txBox="1"/>
-            <p:nvPr/>
-          </p:nvSpPr>
-          <p:spPr>
-            <a:xfrm>
-              <a:off x="4498526" y="3450780"/>
-              <a:ext cx="3185642" cy="487251"/>
-            </a:xfrm>
-            <a:prstGeom prst="rect">
-              <a:avLst/>
-            </a:prstGeom>
-            <a:noFill/>
-          </p:spPr>
-          <p:txBody>
-            <a:bodyPr wrap="square" rtlCol="0">
-              <a:spAutoFit/>
-            </a:bodyPr>
-            <a:lstStyle/>
-            <a:p>
-              <a:pPr algn="ctr"/>
-              <a:r>
-                <a:rPr lang="en-US" altLang="zh-CN" sz="3600" dirty="0" smtClean="0">
-                  <a:solidFill>
-                    <a:srgbClr val="FFFFFF"/>
-                  </a:solidFill>
-                </a:rPr>
-                <a:t>THANK YOU!</a:t>
-              </a:r>
-              <a:endParaRPr lang="zh-CN" altLang="en-US" sz="3600" dirty="0">
-                <a:solidFill>
-                  <a:srgbClr val="FFFFFF"/>
-                </a:solidFill>
-              </a:endParaRPr>
-            </a:p>
-          </p:txBody>
-        </p:sp>
-        <p:cxnSp>
-          <p:nvCxnSpPr>
-            <p:cNvPr id="9" name="直接连接符 8"/>
-            <p:cNvCxnSpPr/>
-            <p:nvPr/>
-          </p:nvCxnSpPr>
-          <p:spPr>
-            <a:xfrm>
-              <a:off x="4712034" y="3451641"/>
-              <a:ext cx="2832100" cy="0"/>
-            </a:xfrm>
-            <a:prstGeom prst="line">
-              <a:avLst/>
-            </a:prstGeom>
-            <a:ln>
-              <a:solidFill>
-                <a:srgbClr val="FFFFFF"/>
-              </a:solidFill>
-            </a:ln>
-          </p:spPr>
-          <p:style>
-            <a:lnRef idx="1">
-              <a:schemeClr val="accent1"/>
-            </a:lnRef>
-            <a:fillRef idx="0">
-              <a:schemeClr val="accent1"/>
-            </a:fillRef>
-            <a:effectRef idx="0">
-              <a:schemeClr val="accent1"/>
-            </a:effectRef>
-            <a:fontRef idx="minor">
-              <a:schemeClr val="tx1"/>
-            </a:fontRef>
-          </p:style>
-        </p:cxnSp>
-        <p:cxnSp>
-          <p:nvCxnSpPr>
-            <p:cNvPr id="10" name="直接连接符 9"/>
-            <p:cNvCxnSpPr/>
-            <p:nvPr/>
-          </p:nvCxnSpPr>
-          <p:spPr>
-            <a:xfrm>
-              <a:off x="4712034" y="3944936"/>
-              <a:ext cx="2832100" cy="0"/>
-            </a:xfrm>
-            <a:prstGeom prst="line">
-              <a:avLst/>
-            </a:prstGeom>
-            <a:ln>
-              <a:solidFill>
-                <a:srgbClr val="FFFFFF"/>
-              </a:solidFill>
-            </a:ln>
-          </p:spPr>
-          <p:style>
-            <a:lnRef idx="1">
-              <a:schemeClr val="accent1"/>
-            </a:lnRef>
-            <a:fillRef idx="0">
-              <a:schemeClr val="accent1"/>
-            </a:fillRef>
-            <a:effectRef idx="0">
-              <a:schemeClr val="accent1"/>
-            </a:effectRef>
-            <a:fontRef idx="minor">
-              <a:schemeClr val="tx1"/>
-            </a:fontRef>
-          </p:style>
-        </p:cxnSp>
-      </p:grpSp>
-    </p:spTree>
-    <p:custDataLst>
-      <p:tags r:id="rId1"/>
-    </p:custDataLst>
-  </p:cSld>
-  <p:clrMapOvr>
-    <a:masterClrMapping/>
-  </p:clrMapOvr>
-</p:sld>
-</file>
-
-<file path=ppt/slides/slide4.xml><?xml version="1.0" encoding="utf-8"?>
+<file path=ppt/slides/slide5.xml><?xml version="1.0" encoding="utf-8"?>
 <p:sld xmlns:a="http://schemas.openxmlformats.org/drawingml/2006/main" xmlns:r="http://schemas.openxmlformats.org/officeDocument/2006/relationships" xmlns:p="http://schemas.openxmlformats.org/presentationml/2006/main">
   <p:cSld>
     <p:spTree>
@@ -28575,7 +32927,7 @@
 </p:sld>
 </file>
 
-<file path=ppt/slides/slide5.xml><?xml version="1.0" encoding="utf-8"?>
+<file path=ppt/slides/slide6.xml><?xml version="1.0" encoding="utf-8"?>
 <p:sld xmlns:a="http://schemas.openxmlformats.org/drawingml/2006/main" xmlns:r="http://schemas.openxmlformats.org/officeDocument/2006/relationships" xmlns:p="http://schemas.openxmlformats.org/presentationml/2006/main">
   <p:cSld>
     <p:spTree>
@@ -28946,7 +33298,7 @@
 </p:sld>
 </file>
 
-<file path=ppt/slides/slide6.xml><?xml version="1.0" encoding="utf-8"?>
+<file path=ppt/slides/slide7.xml><?xml version="1.0" encoding="utf-8"?>
 <p:sld xmlns:a="http://schemas.openxmlformats.org/drawingml/2006/main" xmlns:r="http://schemas.openxmlformats.org/officeDocument/2006/relationships" xmlns:p="http://schemas.openxmlformats.org/presentationml/2006/main">
   <p:cSld>
     <p:spTree>
@@ -34232,7 +38584,7 @@
 </p:sld>
 </file>
 
-<file path=ppt/slides/slide7.xml><?xml version="1.0" encoding="utf-8"?>
+<file path=ppt/slides/slide8.xml><?xml version="1.0" encoding="utf-8"?>
 <p:sld xmlns:a="http://schemas.openxmlformats.org/drawingml/2006/main" xmlns:r="http://schemas.openxmlformats.org/officeDocument/2006/relationships" xmlns:p="http://schemas.openxmlformats.org/presentationml/2006/main">
   <p:cSld>
     <p:spTree>
@@ -34545,264 +38897,6 @@
               </a:solidFill>
               <a:latin typeface="微软雅黑" panose="020B0503020204020204" pitchFamily="34" charset="-122"/>
               <a:ea typeface="微软雅黑" panose="020B0503020204020204" pitchFamily="34" charset="-122"/>
-            </a:endParaRPr>
-          </a:p>
-        </p:txBody>
-      </p:sp>
-    </p:spTree>
-    <p:custDataLst>
-      <p:tags r:id="rId1"/>
-    </p:custDataLst>
-  </p:cSld>
-  <p:clrMapOvr>
-    <a:masterClrMapping/>
-  </p:clrMapOvr>
-</p:sld>
-</file>
-
-<file path=ppt/slides/slide8.xml><?xml version="1.0" encoding="utf-8"?>
-<p:sld xmlns:a="http://schemas.openxmlformats.org/drawingml/2006/main" xmlns:r="http://schemas.openxmlformats.org/officeDocument/2006/relationships" xmlns:p="http://schemas.openxmlformats.org/presentationml/2006/main">
-  <p:cSld>
-    <p:spTree>
-      <p:nvGrpSpPr>
-        <p:cNvPr id="1" name=""/>
-        <p:cNvGrpSpPr/>
-        <p:nvPr/>
-      </p:nvGrpSpPr>
-      <p:grpSpPr>
-        <a:xfrm>
-          <a:off x="0" y="0"/>
-          <a:ext cx="0" cy="0"/>
-          <a:chOff x="0" y="0"/>
-          <a:chExt cx="0" cy="0"/>
-        </a:xfrm>
-      </p:grpSpPr>
-      <p:grpSp>
-        <p:nvGrpSpPr>
-          <p:cNvPr id="17" name="组合 16"/>
-          <p:cNvGrpSpPr/>
-          <p:nvPr/>
-        </p:nvGrpSpPr>
-        <p:grpSpPr>
-          <a:xfrm>
-            <a:off x="2949575" y="172720"/>
-            <a:ext cx="6313170" cy="902028"/>
-            <a:chOff x="4926820" y="4196916"/>
-            <a:chExt cx="4475798" cy="901909"/>
-          </a:xfrm>
-        </p:grpSpPr>
-        <p:sp>
-          <p:nvSpPr>
-            <p:cNvPr id="18" name="文本框 17"/>
-            <p:cNvSpPr txBox="1"/>
-            <p:nvPr/>
-          </p:nvSpPr>
-          <p:spPr>
-            <a:xfrm>
-              <a:off x="4926820" y="4232369"/>
-              <a:ext cx="4475798" cy="829836"/>
-            </a:xfrm>
-            <a:prstGeom prst="rect">
-              <a:avLst/>
-            </a:prstGeom>
-            <a:noFill/>
-          </p:spPr>
-          <p:txBody>
-            <a:bodyPr wrap="square" rtlCol="0">
-              <a:spAutoFit/>
-            </a:bodyPr>
-            <a:lstStyle/>
-            <a:p>
-              <a:pPr lvl="0" algn="ctr">
-                <a:spcBef>
-                  <a:spcPct val="0"/>
-                </a:spcBef>
-                <a:defRPr/>
-              </a:pPr>
-              <a:r>
-                <a:rPr lang="zh-CN" altLang="en-US" sz="4800" b="1" kern="0" dirty="0">
-                  <a:solidFill>
-                    <a:schemeClr val="bg1"/>
-                  </a:solidFill>
-                  <a:latin typeface="微软雅黑" panose="020B0503020204020204" pitchFamily="34" charset="-122"/>
-                  <a:ea typeface="微软雅黑" panose="020B0503020204020204" pitchFamily="34" charset="-122"/>
-                </a:rPr>
-                <a:t>程序</a:t>
-              </a:r>
-              <a:endParaRPr lang="zh-CN" altLang="en-US" sz="4800" b="1" kern="0" dirty="0">
-                <a:solidFill>
-                  <a:schemeClr val="bg1"/>
-                </a:solidFill>
-                <a:latin typeface="微软雅黑" panose="020B0503020204020204" pitchFamily="34" charset="-122"/>
-                <a:ea typeface="微软雅黑" panose="020B0503020204020204" pitchFamily="34" charset="-122"/>
-              </a:endParaRPr>
-            </a:p>
-          </p:txBody>
-        </p:sp>
-        <p:grpSp>
-          <p:nvGrpSpPr>
-            <p:cNvPr id="19" name="组合 18"/>
-            <p:cNvGrpSpPr/>
-            <p:nvPr/>
-          </p:nvGrpSpPr>
-          <p:grpSpPr>
-            <a:xfrm>
-              <a:off x="5087761" y="4196916"/>
-              <a:ext cx="4153915" cy="901909"/>
-              <a:chOff x="5128630" y="4233510"/>
-              <a:chExt cx="2676932" cy="654349"/>
-            </a:xfrm>
-          </p:grpSpPr>
-          <p:cxnSp>
-            <p:nvCxnSpPr>
-              <p:cNvPr id="20" name="直接连接符 19"/>
-              <p:cNvCxnSpPr/>
-              <p:nvPr/>
-            </p:nvCxnSpPr>
-            <p:spPr>
-              <a:xfrm>
-                <a:off x="5128630" y="4233510"/>
-                <a:ext cx="2676932" cy="0"/>
-              </a:xfrm>
-              <a:prstGeom prst="line">
-                <a:avLst/>
-              </a:prstGeom>
-              <a:ln>
-                <a:solidFill>
-                  <a:srgbClr val="32363A"/>
-                </a:solidFill>
-              </a:ln>
-            </p:spPr>
-            <p:style>
-              <a:lnRef idx="1">
-                <a:schemeClr val="accent1"/>
-              </a:lnRef>
-              <a:fillRef idx="0">
-                <a:schemeClr val="accent1"/>
-              </a:fillRef>
-              <a:effectRef idx="0">
-                <a:schemeClr val="accent1"/>
-              </a:effectRef>
-              <a:fontRef idx="minor">
-                <a:schemeClr val="tx1"/>
-              </a:fontRef>
-            </p:style>
-          </p:cxnSp>
-          <p:cxnSp>
-            <p:nvCxnSpPr>
-              <p:cNvPr id="21" name="直接连接符 20"/>
-              <p:cNvCxnSpPr/>
-              <p:nvPr/>
-            </p:nvCxnSpPr>
-            <p:spPr>
-              <a:xfrm>
-                <a:off x="5128630" y="4887859"/>
-                <a:ext cx="2676932" cy="0"/>
-              </a:xfrm>
-              <a:prstGeom prst="line">
-                <a:avLst/>
-              </a:prstGeom>
-              <a:ln>
-                <a:solidFill>
-                  <a:srgbClr val="32363A"/>
-                </a:solidFill>
-              </a:ln>
-            </p:spPr>
-            <p:style>
-              <a:lnRef idx="1">
-                <a:schemeClr val="accent1"/>
-              </a:lnRef>
-              <a:fillRef idx="0">
-                <a:schemeClr val="accent1"/>
-              </a:fillRef>
-              <a:effectRef idx="0">
-                <a:schemeClr val="accent1"/>
-              </a:effectRef>
-              <a:fontRef idx="minor">
-                <a:schemeClr val="tx1"/>
-              </a:fontRef>
-            </p:style>
-          </p:cxnSp>
-        </p:grpSp>
-      </p:grpSp>
-      <p:sp>
-        <p:nvSpPr>
-          <p:cNvPr id="3" name="文本框 2"/>
-          <p:cNvSpPr txBox="1"/>
-          <p:nvPr/>
-        </p:nvSpPr>
-        <p:spPr>
-          <a:xfrm>
-            <a:off x="3276600" y="2176145"/>
-            <a:ext cx="5758815" cy="2306955"/>
-          </a:xfrm>
-          <a:prstGeom prst="rect">
-            <a:avLst/>
-          </a:prstGeom>
-          <a:noFill/>
-        </p:spPr>
-        <p:txBody>
-          <a:bodyPr wrap="square" rtlCol="0">
-            <a:spAutoFit/>
-          </a:bodyPr>
-          <a:p>
-            <a:r>
-              <a:rPr lang="zh-CN" altLang="en-US" sz="2400" b="1">
-                <a:solidFill>
-                  <a:schemeClr val="bg1"/>
-                </a:solidFill>
-              </a:rPr>
-              <a:t>软件名称：浙江大学城市学院软件工程系列课程教学辅助网站</a:t>
-            </a:r>
-            <a:endParaRPr lang="zh-CN" altLang="en-US" sz="2400" b="1">
-              <a:solidFill>
-                <a:schemeClr val="bg1"/>
-              </a:solidFill>
-            </a:endParaRPr>
-          </a:p>
-          <a:p>
-            <a:r>
-              <a:rPr lang="zh-CN" altLang="en-US" sz="2400" b="1">
-                <a:solidFill>
-                  <a:schemeClr val="bg1"/>
-                </a:solidFill>
-              </a:rPr>
-              <a:t>编程语言：java</a:t>
-            </a:r>
-            <a:endParaRPr lang="zh-CN" altLang="en-US" sz="2400" b="1">
-              <a:solidFill>
-                <a:schemeClr val="bg1"/>
-              </a:solidFill>
-            </a:endParaRPr>
-          </a:p>
-          <a:p>
-            <a:r>
-              <a:rPr lang="zh-CN" altLang="en-US" sz="2400" b="1">
-                <a:solidFill>
-                  <a:schemeClr val="bg1"/>
-                </a:solidFill>
-              </a:rPr>
-              <a:t>存储方式：U盘	</a:t>
-            </a:r>
-            <a:endParaRPr lang="zh-CN" altLang="en-US" sz="2400" b="1">
-              <a:solidFill>
-                <a:schemeClr val="bg1"/>
-              </a:solidFill>
-            </a:endParaRPr>
-          </a:p>
-          <a:p>
-            <a:r>
-              <a:rPr lang="zh-CN" altLang="en-US" sz="2400" b="1">
-                <a:solidFill>
-                  <a:schemeClr val="bg1"/>
-                </a:solidFill>
-              </a:rPr>
-              <a:t>功能：辅助学生学习，给教师提供跟踪学生学习进度的功能。该软件由组成</a:t>
-            </a:r>
-            <a:endParaRPr lang="zh-CN" altLang="en-US" sz="2400" b="1">
-              <a:solidFill>
-                <a:schemeClr val="bg1"/>
-              </a:solidFill>
             </a:endParaRPr>
           </a:p>
         </p:txBody>
@@ -35226,6 +39320,7 @@
 
 <file path=ppt/tags/tag30.xml><?xml version="1.0" encoding="utf-8"?>
 <p:tagLst xmlns:p="http://schemas.openxmlformats.org/presentationml/2006/main">
+  <p:tag name="KSO_WM_BEAUTIFY_FLAG" val="#wm#"/>
   <p:tag name="KSO_WM_TEMPLATE_CATEGORY" val="basetag"/>
   <p:tag name="KSO_WM_TEMPLATE_INDEX" val="20161333"/>
 </p:tagLst>
@@ -35233,6 +39328,7 @@
 
 <file path=ppt/tags/tag31.xml><?xml version="1.0" encoding="utf-8"?>
 <p:tagLst xmlns:p="http://schemas.openxmlformats.org/presentationml/2006/main">
+  <p:tag name="KSO_WM_BEAUTIFY_FLAG" val="#wm#"/>
   <p:tag name="KSO_WM_TEMPLATE_CATEGORY" val="basetag"/>
   <p:tag name="KSO_WM_TEMPLATE_INDEX" val="20161333"/>
 </p:tagLst>
@@ -35240,6 +39336,7 @@
 
 <file path=ppt/tags/tag32.xml><?xml version="1.0" encoding="utf-8"?>
 <p:tagLst xmlns:p="http://schemas.openxmlformats.org/presentationml/2006/main">
+  <p:tag name="KSO_WM_BEAUTIFY_FLAG" val="#wm#"/>
   <p:tag name="KSO_WM_TEMPLATE_CATEGORY" val="basetag"/>
   <p:tag name="KSO_WM_TEMPLATE_INDEX" val="20161333"/>
 </p:tagLst>
@@ -35273,7 +39370,49 @@
 </p:tagLst>
 </file>
 
+<file path=ppt/tags/tag37.xml><?xml version="1.0" encoding="utf-8"?>
+<p:tagLst xmlns:p="http://schemas.openxmlformats.org/presentationml/2006/main">
+  <p:tag name="KSO_WM_TEMPLATE_CATEGORY" val="basetag"/>
+  <p:tag name="KSO_WM_TEMPLATE_INDEX" val="20161333"/>
+</p:tagLst>
+</file>
+
+<file path=ppt/tags/tag38.xml><?xml version="1.0" encoding="utf-8"?>
+<p:tagLst xmlns:p="http://schemas.openxmlformats.org/presentationml/2006/main">
+  <p:tag name="KSO_WM_TEMPLATE_CATEGORY" val="basetag"/>
+  <p:tag name="KSO_WM_TEMPLATE_INDEX" val="20161333"/>
+</p:tagLst>
+</file>
+
+<file path=ppt/tags/tag39.xml><?xml version="1.0" encoding="utf-8"?>
+<p:tagLst xmlns:p="http://schemas.openxmlformats.org/presentationml/2006/main">
+  <p:tag name="KSO_WM_TEMPLATE_CATEGORY" val="basetag"/>
+  <p:tag name="KSO_WM_TEMPLATE_INDEX" val="20161333"/>
+</p:tagLst>
+</file>
+
 <file path=ppt/tags/tag4.xml><?xml version="1.0" encoding="utf-8"?>
+<p:tagLst xmlns:p="http://schemas.openxmlformats.org/presentationml/2006/main">
+  <p:tag name="KSO_WM_TEMPLATE_CATEGORY" val="basetag"/>
+  <p:tag name="KSO_WM_TEMPLATE_INDEX" val="20161333"/>
+</p:tagLst>
+</file>
+
+<file path=ppt/tags/tag40.xml><?xml version="1.0" encoding="utf-8"?>
+<p:tagLst xmlns:p="http://schemas.openxmlformats.org/presentationml/2006/main">
+  <p:tag name="KSO_WM_TEMPLATE_CATEGORY" val="basetag"/>
+  <p:tag name="KSO_WM_TEMPLATE_INDEX" val="20161333"/>
+</p:tagLst>
+</file>
+
+<file path=ppt/tags/tag41.xml><?xml version="1.0" encoding="utf-8"?>
+<p:tagLst xmlns:p="http://schemas.openxmlformats.org/presentationml/2006/main">
+  <p:tag name="KSO_WM_TEMPLATE_CATEGORY" val="basetag"/>
+  <p:tag name="KSO_WM_TEMPLATE_INDEX" val="20161333"/>
+</p:tagLst>
+</file>
+
+<file path=ppt/tags/tag42.xml><?xml version="1.0" encoding="utf-8"?>
 <p:tagLst xmlns:p="http://schemas.openxmlformats.org/presentationml/2006/main">
   <p:tag name="KSO_WM_TEMPLATE_CATEGORY" val="basetag"/>
   <p:tag name="KSO_WM_TEMPLATE_INDEX" val="20161333"/>
@@ -35297,6 +39436,12 @@
 <p:tagLst xmlns:p="http://schemas.openxmlformats.org/presentationml/2006/main">
   <p:tag name="KSO_WM_TEMPLATE_CATEGORY" val="basetag"/>
   <p:tag name="KSO_WM_TEMPLATE_INDEX" val="20161333"/>
+  <p:tag name="KSO_WM_TAG_VERSION" val="1.0"/>
+  <p:tag name="KSO_WM_SLIDE_ID" val="basetag20161333_6"/>
+  <p:tag name="KSO_WM_SLIDE_INDEX" val="6"/>
+  <p:tag name="KSO_WM_SLIDE_ITEM_CNT" val="0"/>
+  <p:tag name="KSO_WM_SLIDE_TYPE" val="contents"/>
+  <p:tag name="KSO_WM_BEAUTIFY_FLAG" val="#wm#"/>
 </p:tagLst>
 </file>
 

--- a/week5/ppt文档/[prd-03,31501311]项目计划ppt.pptx
+++ b/week5/ppt文档/[prd-03,31501311]项目计划ppt.pptx
@@ -12,8 +12,8 @@
     <p:sldId id="313" r:id="rId7"/>
     <p:sldId id="350" r:id="rId8"/>
     <p:sldId id="259" r:id="rId9"/>
-    <p:sldId id="314" r:id="rId10"/>
-    <p:sldId id="278" r:id="rId11"/>
+    <p:sldId id="278" r:id="rId10"/>
+    <p:sldId id="314" r:id="rId11"/>
     <p:sldId id="280" r:id="rId12"/>
     <p:sldId id="261" r:id="rId13"/>
     <p:sldId id="282" r:id="rId14"/>
@@ -13332,8 +13332,8 @@
         </p:nvGrpSpPr>
         <p:grpSpPr>
           <a:xfrm>
-            <a:off x="3978494" y="2449732"/>
-            <a:ext cx="4225706" cy="1705032"/>
+            <a:off x="2434590" y="2576195"/>
+            <a:ext cx="7132955" cy="1705032"/>
             <a:chOff x="4498526" y="2659559"/>
             <a:chExt cx="3185642" cy="1285377"/>
           </a:xfrm>
@@ -13369,7 +13369,7 @@
                   <a:latin typeface="微软雅黑" panose="020B0503020204020204" pitchFamily="34" charset="-122"/>
                   <a:ea typeface="微软雅黑" panose="020B0503020204020204" pitchFamily="34" charset="-122"/>
                 </a:rPr>
-                <a:t>项目计划书</a:t>
+                <a:t>需求管理计划书</a:t>
               </a:r>
               <a:endParaRPr lang="zh-CN" altLang="en-US" sz="6000" b="1" dirty="0">
                 <a:solidFill>
@@ -19238,7 +19238,7 @@
         <p:spPr>
           <a:xfrm>
             <a:off x="2391410" y="1504315"/>
-            <a:ext cx="8034655" cy="4831080"/>
+            <a:ext cx="8034655" cy="5262245"/>
           </a:xfrm>
           <a:prstGeom prst="rect">
             <a:avLst/>
@@ -19334,6 +19334,29 @@
               <a:t>f.代码聚合复杂性的制约。</a:t>
             </a:r>
             <a:endParaRPr sz="2800" b="1">
+              <a:solidFill>
+                <a:schemeClr val="bg1"/>
+              </a:solidFill>
+            </a:endParaRPr>
+          </a:p>
+          <a:p>
+            <a:r>
+              <a:rPr lang="en-US" altLang="zh-CN" sz="2800" b="1">
+                <a:solidFill>
+                  <a:schemeClr val="bg1"/>
+                </a:solidFill>
+              </a:rPr>
+              <a:t>					</a:t>
+            </a:r>
+            <a:r>
+              <a:rPr lang="zh-CN" sz="2800" b="1">
+                <a:solidFill>
+                  <a:schemeClr val="bg1"/>
+                </a:solidFill>
+              </a:rPr>
+              <a:t>详细参阅项目章程</a:t>
+            </a:r>
+            <a:endParaRPr lang="zh-CN" sz="2800" b="1">
               <a:solidFill>
                 <a:schemeClr val="bg1"/>
               </a:solidFill>
@@ -19870,7 +19893,7 @@
                 <a:ea typeface="方正姚体" panose="02010601030101010101" pitchFamily="2" charset="-122"/>
                 <a:sym typeface="方正姚体" panose="02010601030101010101" pitchFamily="2" charset="-122"/>
               </a:rPr>
-              <a:t>项目组织和人力资源</a:t>
+              <a:t>需求管理</a:t>
             </a:r>
             <a:endParaRPr lang="zh-CN" altLang="en-US" sz="2665">
               <a:solidFill>
@@ -19946,15 +19969,15 @@
               <a:t>Part6.  </a:t>
             </a:r>
             <a:r>
-              <a:rPr lang="zh-CN" altLang="en-US" sz="2665">
+              <a:rPr lang="zh-CN" altLang="en-US" sz="2660" b="1" kern="0" dirty="0">
                 <a:solidFill>
                   <a:schemeClr val="bg1"/>
                 </a:solidFill>
-                <a:latin typeface="方正姚体" panose="02010601030101010101" pitchFamily="2" charset="-122"/>
-                <a:ea typeface="方正姚体" panose="02010601030101010101" pitchFamily="2" charset="-122"/>
-                <a:sym typeface="方正姚体" panose="02010601030101010101" pitchFamily="2" charset="-122"/>
+                <a:latin typeface="微软雅黑" panose="020B0503020204020204" pitchFamily="34" charset="-122"/>
+                <a:ea typeface="微软雅黑" panose="020B0503020204020204" pitchFamily="34" charset="-122"/>
+                <a:sym typeface="+mn-ea"/>
               </a:rPr>
-              <a:t>风险管理</a:t>
+              <a:t>项目组织和资源</a:t>
             </a:r>
             <a:endParaRPr lang="zh-CN" altLang="en-US" sz="2665">
               <a:solidFill>
@@ -25762,6 +25785,53 @@
           </a:graphicData>
         </a:graphic>
       </p:graphicFrame>
+      <p:sp>
+        <p:nvSpPr>
+          <p:cNvPr id="4" name="文本框 3"/>
+          <p:cNvSpPr txBox="1"/>
+          <p:nvPr/>
+        </p:nvSpPr>
+        <p:spPr>
+          <a:xfrm>
+            <a:off x="255905" y="54610"/>
+            <a:ext cx="9582785" cy="829945"/>
+          </a:xfrm>
+          <a:prstGeom prst="rect">
+            <a:avLst/>
+          </a:prstGeom>
+          <a:noFill/>
+        </p:spPr>
+        <p:txBody>
+          <a:bodyPr wrap="square" rtlCol="0">
+            <a:spAutoFit/>
+          </a:bodyPr>
+          <a:p>
+            <a:pPr lvl="0" algn="ctr">
+              <a:spcBef>
+                <a:spcPct val="0"/>
+              </a:spcBef>
+              <a:defRPr/>
+            </a:pPr>
+            <a:r>
+              <a:rPr lang="en-US" altLang="zh-CN" sz="4800" b="1" kern="0" dirty="0">
+                <a:solidFill>
+                  <a:schemeClr val="bg1"/>
+                </a:solidFill>
+                <a:latin typeface="微软雅黑" panose="020B0503020204020204" pitchFamily="34" charset="-122"/>
+                <a:ea typeface="微软雅黑" panose="020B0503020204020204" pitchFamily="34" charset="-122"/>
+              </a:rPr>
+              <a:t>work break-down structure</a:t>
+            </a:r>
+            <a:endParaRPr lang="en-US" altLang="zh-CN" sz="4800" b="1" kern="0" dirty="0">
+              <a:solidFill>
+                <a:schemeClr val="bg1"/>
+              </a:solidFill>
+              <a:latin typeface="微软雅黑" panose="020B0503020204020204" pitchFamily="34" charset="-122"/>
+              <a:ea typeface="微软雅黑" panose="020B0503020204020204" pitchFamily="34" charset="-122"/>
+            </a:endParaRPr>
+          </a:p>
+        </p:txBody>
+      </p:sp>
     </p:spTree>
     <p:custDataLst>
       <p:tags r:id="rId3"/>
@@ -25790,7 +25860,7 @@
           <p:nvPr/>
         </p:nvGraphicFramePr>
         <p:xfrm>
-          <a:off x="2952750" y="173355"/>
+          <a:off x="3366135" y="694055"/>
           <a:ext cx="6113145" cy="6170930"/>
         </p:xfrm>
         <a:graphic>
@@ -25818,7 +25888,7 @@
                     </p:blipFill>
                     <p:spPr>
                       <a:xfrm>
-                        <a:off x="2952750" y="173355"/>
+                        <a:off x="3366135" y="694055"/>
                         <a:ext cx="6113145" cy="6170930"/>
                       </a:xfrm>
                       <a:prstGeom prst="rect">
@@ -25832,6 +25902,53 @@
           </a:graphicData>
         </a:graphic>
       </p:graphicFrame>
+      <p:sp>
+        <p:nvSpPr>
+          <p:cNvPr id="2" name="文本框 1"/>
+          <p:cNvSpPr txBox="1"/>
+          <p:nvPr/>
+        </p:nvSpPr>
+        <p:spPr>
+          <a:xfrm>
+            <a:off x="255905" y="-13335"/>
+            <a:ext cx="10991215" cy="829945"/>
+          </a:xfrm>
+          <a:prstGeom prst="rect">
+            <a:avLst/>
+          </a:prstGeom>
+          <a:noFill/>
+        </p:spPr>
+        <p:txBody>
+          <a:bodyPr wrap="square" rtlCol="0">
+            <a:spAutoFit/>
+          </a:bodyPr>
+          <a:p>
+            <a:pPr lvl="0" algn="ctr">
+              <a:spcBef>
+                <a:spcPct val="0"/>
+              </a:spcBef>
+              <a:defRPr/>
+            </a:pPr>
+            <a:r>
+              <a:rPr lang="en-US" altLang="zh-CN" sz="4800" b="1" kern="0" dirty="0">
+                <a:solidFill>
+                  <a:schemeClr val="bg1"/>
+                </a:solidFill>
+                <a:latin typeface="微软雅黑" panose="020B0503020204020204" pitchFamily="34" charset="-122"/>
+                <a:ea typeface="微软雅黑" panose="020B0503020204020204" pitchFamily="34" charset="-122"/>
+              </a:rPr>
+              <a:t>organization break-down structure</a:t>
+            </a:r>
+            <a:endParaRPr lang="en-US" altLang="zh-CN" sz="4800" b="1" kern="0" dirty="0">
+              <a:solidFill>
+                <a:schemeClr val="bg1"/>
+              </a:solidFill>
+              <a:latin typeface="微软雅黑" panose="020B0503020204020204" pitchFamily="34" charset="-122"/>
+              <a:ea typeface="微软雅黑" panose="020B0503020204020204" pitchFamily="34" charset="-122"/>
+            </a:endParaRPr>
+          </a:p>
+        </p:txBody>
+      </p:sp>
     </p:spTree>
     <p:custDataLst>
       <p:tags r:id="rId3"/>
@@ -25902,6 +26019,68 @@
           </a:graphicData>
         </a:graphic>
       </p:graphicFrame>
+      <p:sp>
+        <p:nvSpPr>
+          <p:cNvPr id="2" name="文本框 1"/>
+          <p:cNvSpPr txBox="1"/>
+          <p:nvPr/>
+        </p:nvSpPr>
+        <p:spPr>
+          <a:xfrm>
+            <a:off x="255905" y="-13335"/>
+            <a:ext cx="10991215" cy="1568450"/>
+          </a:xfrm>
+          <a:prstGeom prst="rect">
+            <a:avLst/>
+          </a:prstGeom>
+          <a:noFill/>
+        </p:spPr>
+        <p:txBody>
+          <a:bodyPr wrap="square" rtlCol="0">
+            <a:spAutoFit/>
+          </a:bodyPr>
+          <a:p>
+            <a:pPr lvl="0" algn="ctr">
+              <a:spcBef>
+                <a:spcPct val="0"/>
+              </a:spcBef>
+              <a:defRPr/>
+            </a:pPr>
+            <a:r>
+              <a:rPr lang="en-US" altLang="zh-CN" sz="4800" b="1" kern="0" dirty="0">
+                <a:solidFill>
+                  <a:schemeClr val="bg1"/>
+                </a:solidFill>
+                <a:latin typeface="微软雅黑" panose="020B0503020204020204" pitchFamily="34" charset="-122"/>
+                <a:ea typeface="微软雅黑" panose="020B0503020204020204" pitchFamily="34" charset="-122"/>
+              </a:rPr>
+              <a:t>gantt</a:t>
+            </a:r>
+            <a:endParaRPr lang="en-US" altLang="zh-CN" sz="4800" b="1" kern="0" dirty="0">
+              <a:solidFill>
+                <a:schemeClr val="bg1"/>
+              </a:solidFill>
+              <a:latin typeface="微软雅黑" panose="020B0503020204020204" pitchFamily="34" charset="-122"/>
+              <a:ea typeface="微软雅黑" panose="020B0503020204020204" pitchFamily="34" charset="-122"/>
+            </a:endParaRPr>
+          </a:p>
+          <a:p>
+            <a:pPr lvl="0" algn="ctr">
+              <a:spcBef>
+                <a:spcPct val="0"/>
+              </a:spcBef>
+              <a:defRPr/>
+            </a:pPr>
+            <a:endParaRPr lang="en-US" altLang="zh-CN" sz="4800" b="1" kern="0" dirty="0">
+              <a:solidFill>
+                <a:schemeClr val="bg1"/>
+              </a:solidFill>
+              <a:latin typeface="微软雅黑" panose="020B0503020204020204" pitchFamily="34" charset="-122"/>
+              <a:ea typeface="微软雅黑" panose="020B0503020204020204" pitchFamily="34" charset="-122"/>
+            </a:endParaRPr>
+          </a:p>
+        </p:txBody>
+      </p:sp>
     </p:spTree>
     <p:custDataLst>
       <p:tags r:id="rId3"/>
@@ -26347,29 +26526,7 @@
                 <a:ea typeface="方正姚体" panose="02010601030101010101" pitchFamily="2" charset="-122"/>
                 <a:sym typeface="方正姚体" panose="02010601030101010101" pitchFamily="2" charset="-122"/>
               </a:rPr>
-              <a:t>当前</a:t>
-            </a:r>
-            <a:r>
-              <a:rPr lang="zh-CN" altLang="en-US" sz="2665">
-                <a:solidFill>
-                  <a:schemeClr val="bg1"/>
-                </a:solidFill>
-                <a:latin typeface="方正姚体" panose="02010601030101010101" pitchFamily="2" charset="-122"/>
-                <a:ea typeface="方正姚体" panose="02010601030101010101" pitchFamily="2" charset="-122"/>
-                <a:sym typeface="方正姚体" panose="02010601030101010101" pitchFamily="2" charset="-122"/>
-              </a:rPr>
-              <a:t>里程碑</a:t>
-            </a:r>
-            <a:r>
-              <a:rPr lang="zh-CN" altLang="en-US" sz="2665">
-                <a:solidFill>
-                  <a:schemeClr val="bg1"/>
-                </a:solidFill>
-                <a:latin typeface="方正姚体" panose="02010601030101010101" pitchFamily="2" charset="-122"/>
-                <a:ea typeface="方正姚体" panose="02010601030101010101" pitchFamily="2" charset="-122"/>
-                <a:sym typeface="方正姚体" panose="02010601030101010101" pitchFamily="2" charset="-122"/>
-              </a:rPr>
-              <a:t>评分</a:t>
+              <a:t>当前里程碑评分</a:t>
             </a:r>
             <a:endParaRPr lang="zh-CN" altLang="en-US" sz="2665">
               <a:solidFill>
@@ -31844,7 +32001,7 @@
                 </a:solidFill>
                 <a:sym typeface="+mn-ea"/>
               </a:rPr>
-              <a:t>4</a:t>
+              <a:t>4.0</a:t>
             </a:r>
             <a:r>
               <a:rPr lang="zh-CN" altLang="en-US" sz="2800" b="1">
@@ -31879,7 +32036,7 @@
                 </a:solidFill>
                 <a:sym typeface="+mn-ea"/>
               </a:rPr>
-              <a:t>4.5</a:t>
+              <a:t>4.0</a:t>
             </a:r>
             <a:r>
               <a:rPr lang="zh-CN" altLang="en-US" sz="2800" b="1">
@@ -31914,7 +32071,7 @@
                 </a:solidFill>
                 <a:sym typeface="+mn-ea"/>
               </a:rPr>
-              <a:t>4</a:t>
+              <a:t>4.5</a:t>
             </a:r>
             <a:r>
               <a:rPr lang="zh-CN" altLang="en-US" sz="2800" b="1">
@@ -31949,7 +32106,7 @@
                 </a:solidFill>
                 <a:sym typeface="+mn-ea"/>
               </a:rPr>
-              <a:t>4.5</a:t>
+              <a:t>3.8</a:t>
             </a:r>
             <a:r>
               <a:rPr lang="zh-CN" altLang="en-US" sz="2800" b="1">
@@ -32002,9 +32159,27 @@
                 </a:solidFill>
                 <a:sym typeface="+mn-ea"/>
               </a:rPr>
-              <a:t>评分标准：按照每个人工作的完成度，完成质量，完成速度进行综合评估。最后以互评的形式完成打分。</a:t>
-            </a:r>
-            <a:endParaRPr lang="zh-CN" sz="2800" b="1">
+              <a:t>评分标准：按照每个人工作的完成度，完成质量，完成速度进行综合评估。最后以互评的形式完成打分。满分为</a:t>
+            </a:r>
+            <a:r>
+              <a:rPr lang="en-US" altLang="zh-CN" sz="2800" b="1">
+                <a:solidFill>
+                  <a:schemeClr val="bg1"/>
+                </a:solidFill>
+                <a:sym typeface="+mn-ea"/>
+              </a:rPr>
+              <a:t>5</a:t>
+            </a:r>
+            <a:r>
+              <a:rPr lang="zh-CN" altLang="en-US" sz="2800" b="1">
+                <a:solidFill>
+                  <a:schemeClr val="bg1"/>
+                </a:solidFill>
+                <a:sym typeface="+mn-ea"/>
+              </a:rPr>
+              <a:t>分。</a:t>
+            </a:r>
+            <a:endParaRPr lang="zh-CN" altLang="en-US" sz="2800" b="1">
               <a:solidFill>
                 <a:schemeClr val="bg1"/>
               </a:solidFill>
@@ -32730,9 +32905,9 @@
                   <a:latin typeface="微软雅黑" panose="020B0503020204020204" pitchFamily="34" charset="-122"/>
                   <a:ea typeface="微软雅黑" panose="020B0503020204020204" pitchFamily="34" charset="-122"/>
                 </a:rPr>
-                <a:t>项目背景</a:t>
+                <a:t>项目概述</a:t>
               </a:r>
-              <a:endParaRPr lang="zh-CN" altLang="en-US" sz="4800" b="1" kern="0" dirty="0">
+              <a:endParaRPr lang="en-US" altLang="zh-CN" sz="4800" b="1" kern="0" dirty="0">
                 <a:solidFill>
                   <a:schemeClr val="bg1"/>
                 </a:solidFill>
@@ -32836,8 +33011,8 @@
         </p:nvSpPr>
         <p:spPr>
           <a:xfrm>
-            <a:off x="941070" y="1621155"/>
-            <a:ext cx="10114280" cy="3415030"/>
+            <a:off x="3167380" y="1588135"/>
+            <a:ext cx="5989320" cy="5446395"/>
           </a:xfrm>
           <a:prstGeom prst="rect">
             <a:avLst/>
@@ -32854,12 +33029,37 @@
           <a:p>
             <a:pPr indent="0"/>
             <a:r>
-              <a:rPr lang="en-US" altLang="zh-CN" sz="2400" b="0">
+              <a:rPr lang="zh-CN" altLang="en-US" sz="3600" b="1">
+                <a:solidFill>
+                  <a:schemeClr val="bg1"/>
+                </a:solidFill>
                 <a:latin typeface="宋体" panose="02010600030101010101" pitchFamily="2" charset="-122"/>
                 <a:ea typeface="宋体" panose="02010600030101010101" pitchFamily="2" charset="-122"/>
                 <a:cs typeface="宋体" panose="02010600030101010101" pitchFamily="2" charset="-122"/>
               </a:rPr>
-              <a:t>	</a:t>
+              <a:t>项目名称</a:t>
+            </a:r>
+            <a:endParaRPr lang="zh-CN" altLang="en-US" sz="3600" b="1">
+              <a:solidFill>
+                <a:schemeClr val="bg1"/>
+              </a:solidFill>
+              <a:latin typeface="宋体" panose="02010600030101010101" pitchFamily="2" charset="-122"/>
+              <a:ea typeface="宋体" panose="02010600030101010101" pitchFamily="2" charset="-122"/>
+              <a:cs typeface="宋体" panose="02010600030101010101" pitchFamily="2" charset="-122"/>
+            </a:endParaRPr>
+          </a:p>
+          <a:p>
+            <a:pPr indent="0"/>
+            <a:r>
+              <a:rPr lang="zh-CN" altLang="en-US" sz="2400" b="1">
+                <a:solidFill>
+                  <a:schemeClr val="bg1"/>
+                </a:solidFill>
+                <a:latin typeface="宋体" panose="02010600030101010101" pitchFamily="2" charset="-122"/>
+                <a:ea typeface="宋体" panose="02010600030101010101" pitchFamily="2" charset="-122"/>
+                <a:cs typeface="宋体" panose="02010600030101010101" pitchFamily="2" charset="-122"/>
+              </a:rPr>
+              <a:t>软件工程系列课程教学辅助网站</a:t>
             </a:r>
             <a:endParaRPr lang="zh-CN" altLang="en-US" sz="2400" b="1">
               <a:solidFill>
@@ -32872,8 +33072,19 @@
           </a:p>
           <a:p>
             <a:pPr indent="0"/>
-            <a:r>
-              <a:rPr lang="zh-CN" altLang="en-US" sz="2400" b="1">
+            <a:endParaRPr lang="zh-CN" altLang="en-US" sz="2400" b="1">
+              <a:solidFill>
+                <a:schemeClr val="bg1"/>
+              </a:solidFill>
+              <a:latin typeface="宋体" panose="02010600030101010101" pitchFamily="2" charset="-122"/>
+              <a:ea typeface="宋体" panose="02010600030101010101" pitchFamily="2" charset="-122"/>
+              <a:cs typeface="宋体" panose="02010600030101010101" pitchFamily="2" charset="-122"/>
+            </a:endParaRPr>
+          </a:p>
+          <a:p>
+            <a:pPr indent="0"/>
+            <a:r>
+              <a:rPr lang="zh-CN" altLang="en-US" sz="3600" b="1">
                 <a:solidFill>
                   <a:schemeClr val="bg1"/>
                 </a:solidFill>
@@ -32881,21 +33092,54 @@
                 <a:ea typeface="宋体" panose="02010600030101010101" pitchFamily="2" charset="-122"/>
                 <a:cs typeface="宋体" panose="02010600030101010101" pitchFamily="2" charset="-122"/>
               </a:rPr>
-              <a:t>软件工程系列课程教学辅助网站是由浙江大学城市学院杨枨老师委托我们开发的管理网站，主要功能是</a:t>
-            </a:r>
+              <a:t>项目提出者</a:t>
+            </a:r>
+            <a:endParaRPr lang="zh-CN" altLang="en-US" sz="3600" b="1">
+              <a:solidFill>
+                <a:schemeClr val="bg1"/>
+              </a:solidFill>
+              <a:latin typeface="宋体" panose="02010600030101010101" pitchFamily="2" charset="-122"/>
+              <a:ea typeface="宋体" panose="02010600030101010101" pitchFamily="2" charset="-122"/>
+              <a:cs typeface="宋体" panose="02010600030101010101" pitchFamily="2" charset="-122"/>
+            </a:endParaRPr>
+          </a:p>
+          <a:p>
+            <a:pPr indent="0"/>
             <a:r>
               <a:rPr lang="zh-CN" altLang="en-US" sz="2400" b="1">
                 <a:solidFill>
-                  <a:srgbClr val="FF0000"/>
+                  <a:schemeClr val="bg1"/>
                 </a:solidFill>
                 <a:latin typeface="宋体" panose="02010600030101010101" pitchFamily="2" charset="-122"/>
                 <a:ea typeface="宋体" panose="02010600030101010101" pitchFamily="2" charset="-122"/>
                 <a:cs typeface="宋体" panose="02010600030101010101" pitchFamily="2" charset="-122"/>
               </a:rPr>
-              <a:t>辅助学生的日常课程</a:t>
-            </a:r>
-            <a:r>
-              <a:rPr lang="zh-CN" altLang="en-US" sz="2400" b="1">
+              <a:t>杨枨老师、侯宏伦老师</a:t>
+            </a:r>
+            <a:endParaRPr lang="zh-CN" altLang="en-US" sz="2400" b="1">
+              <a:solidFill>
+                <a:schemeClr val="bg1"/>
+              </a:solidFill>
+              <a:latin typeface="宋体" panose="02010600030101010101" pitchFamily="2" charset="-122"/>
+              <a:ea typeface="宋体" panose="02010600030101010101" pitchFamily="2" charset="-122"/>
+              <a:cs typeface="宋体" panose="02010600030101010101" pitchFamily="2" charset="-122"/>
+            </a:endParaRPr>
+          </a:p>
+          <a:p>
+            <a:pPr indent="0"/>
+            <a:endParaRPr lang="zh-CN" altLang="en-US" sz="3600" b="1">
+              <a:solidFill>
+                <a:schemeClr val="bg1"/>
+              </a:solidFill>
+              <a:latin typeface="宋体" panose="02010600030101010101" pitchFamily="2" charset="-122"/>
+              <a:ea typeface="宋体" panose="02010600030101010101" pitchFamily="2" charset="-122"/>
+              <a:cs typeface="宋体" panose="02010600030101010101" pitchFamily="2" charset="-122"/>
+            </a:endParaRPr>
+          </a:p>
+          <a:p>
+            <a:pPr indent="0"/>
+            <a:r>
+              <a:rPr lang="zh-CN" altLang="en-US" sz="3600" b="1">
                 <a:solidFill>
                   <a:schemeClr val="bg1"/>
                 </a:solidFill>
@@ -32903,12 +33147,94 @@
                 <a:ea typeface="宋体" panose="02010600030101010101" pitchFamily="2" charset="-122"/>
                 <a:cs typeface="宋体" panose="02010600030101010101" pitchFamily="2" charset="-122"/>
               </a:rPr>
-              <a:t>，学生通过计算机同学校课程中心相连，既可以得到有关学习资料，又可以让老师跟踪学生的学习情况，从而调整教学进度；为了使软件工程专业的同学能够有一个比较好的学习辅助的平台，能够获得更好的获取学习资源和教学辅助的资料，并且与任课教师和同时学习的同学有更好的交流，计划完成这样一个“软件工程系列课程教学辅助网站”，能够通过网上的学习渠道，将软件工程专业需要学习的课程进行线上教学。</a:t>
+              <a:t>项目承担单位</a:t>
+            </a:r>
+            <a:endParaRPr lang="zh-CN" altLang="en-US" sz="3600" b="1">
+              <a:solidFill>
+                <a:schemeClr val="bg1"/>
+              </a:solidFill>
+              <a:latin typeface="宋体" panose="02010600030101010101" pitchFamily="2" charset="-122"/>
+              <a:ea typeface="宋体" panose="02010600030101010101" pitchFamily="2" charset="-122"/>
+              <a:cs typeface="宋体" panose="02010600030101010101" pitchFamily="2" charset="-122"/>
+            </a:endParaRPr>
+          </a:p>
+          <a:p>
+            <a:pPr indent="0"/>
+            <a:r>
+              <a:rPr lang="zh-CN" altLang="en-US" sz="2400" b="1">
+                <a:solidFill>
+                  <a:schemeClr val="bg1"/>
+                </a:solidFill>
+                <a:latin typeface="宋体" panose="02010600030101010101" pitchFamily="2" charset="-122"/>
+                <a:ea typeface="宋体" panose="02010600030101010101" pitchFamily="2" charset="-122"/>
+                <a:cs typeface="宋体" panose="02010600030101010101" pitchFamily="2" charset="-122"/>
+              </a:rPr>
+              <a:t>G3小组</a:t>
             </a:r>
             <a:endParaRPr lang="zh-CN" altLang="en-US" sz="2400" b="1">
               <a:solidFill>
                 <a:schemeClr val="bg1"/>
               </a:solidFill>
+              <a:latin typeface="宋体" panose="02010600030101010101" pitchFamily="2" charset="-122"/>
+              <a:ea typeface="宋体" panose="02010600030101010101" pitchFamily="2" charset="-122"/>
+              <a:cs typeface="宋体" panose="02010600030101010101" pitchFamily="2" charset="-122"/>
+            </a:endParaRPr>
+          </a:p>
+          <a:p>
+            <a:pPr indent="0"/>
+            <a:endParaRPr lang="zh-CN" altLang="en-US" sz="2400" b="1">
+              <a:solidFill>
+                <a:schemeClr val="bg1"/>
+              </a:solidFill>
+              <a:latin typeface="宋体" panose="02010600030101010101" pitchFamily="2" charset="-122"/>
+              <a:ea typeface="宋体" panose="02010600030101010101" pitchFamily="2" charset="-122"/>
+              <a:cs typeface="宋体" panose="02010600030101010101" pitchFamily="2" charset="-122"/>
+            </a:endParaRPr>
+          </a:p>
+          <a:p>
+            <a:pPr indent="0"/>
+            <a:r>
+              <a:rPr lang="zh-CN" altLang="en-US" sz="3600" b="1">
+                <a:solidFill>
+                  <a:schemeClr val="bg1"/>
+                </a:solidFill>
+                <a:latin typeface="宋体" panose="02010600030101010101" pitchFamily="2" charset="-122"/>
+                <a:ea typeface="宋体" panose="02010600030101010101" pitchFamily="2" charset="-122"/>
+                <a:cs typeface="宋体" panose="02010600030101010101" pitchFamily="2" charset="-122"/>
+              </a:rPr>
+              <a:t>引用模板</a:t>
+            </a:r>
+            <a:endParaRPr lang="zh-CN" altLang="en-US" sz="3600" b="1">
+              <a:solidFill>
+                <a:schemeClr val="bg1"/>
+              </a:solidFill>
+              <a:latin typeface="宋体" panose="02010600030101010101" pitchFamily="2" charset="-122"/>
+              <a:ea typeface="宋体" panose="02010600030101010101" pitchFamily="2" charset="-122"/>
+              <a:cs typeface="宋体" panose="02010600030101010101" pitchFamily="2" charset="-122"/>
+            </a:endParaRPr>
+          </a:p>
+          <a:p>
+            <a:pPr indent="0"/>
+            <a:endParaRPr lang="zh-CN" altLang="en-US" sz="2400" b="1">
+              <a:solidFill>
+                <a:schemeClr val="bg1"/>
+              </a:solidFill>
+              <a:latin typeface="宋体" panose="02010600030101010101" pitchFamily="2" charset="-122"/>
+              <a:ea typeface="宋体" panose="02010600030101010101" pitchFamily="2" charset="-122"/>
+              <a:cs typeface="宋体" panose="02010600030101010101" pitchFamily="2" charset="-122"/>
+            </a:endParaRPr>
+          </a:p>
+          <a:p>
+            <a:pPr indent="0"/>
+            <a:r>
+              <a:rPr lang="en-US" altLang="zh-CN" sz="2400" b="1">
+                <a:latin typeface="宋体" panose="02010600030101010101" pitchFamily="2" charset="-122"/>
+                <a:ea typeface="宋体" panose="02010600030101010101" pitchFamily="2" charset="-122"/>
+                <a:cs typeface="宋体" panose="02010600030101010101" pitchFamily="2" charset="-122"/>
+              </a:rPr>
+              <a:t>	</a:t>
+            </a:r>
+            <a:endParaRPr lang="en-US" altLang="zh-CN" sz="2400" b="1">
               <a:latin typeface="宋体" panose="02010600030101010101" pitchFamily="2" charset="-122"/>
               <a:ea typeface="宋体" panose="02010600030101010101" pitchFamily="2" charset="-122"/>
               <a:cs typeface="宋体" panose="02010600030101010101" pitchFamily="2" charset="-122"/>
@@ -32994,9 +33320,9 @@
                   <a:latin typeface="微软雅黑" panose="020B0503020204020204" pitchFamily="34" charset="-122"/>
                   <a:ea typeface="微软雅黑" panose="020B0503020204020204" pitchFamily="34" charset="-122"/>
                 </a:rPr>
-                <a:t>项目概述</a:t>
+                <a:t>项目背景</a:t>
               </a:r>
-              <a:endParaRPr lang="en-US" altLang="zh-CN" sz="4800" b="1" kern="0" dirty="0">
+              <a:endParaRPr lang="zh-CN" altLang="en-US" sz="4800" b="1" kern="0" dirty="0">
                 <a:solidFill>
                   <a:schemeClr val="bg1"/>
                 </a:solidFill>
@@ -33100,8 +33426,8 @@
         </p:nvSpPr>
         <p:spPr>
           <a:xfrm>
-            <a:off x="3167380" y="1588135"/>
-            <a:ext cx="5856605" cy="4154170"/>
+            <a:off x="941070" y="1621155"/>
+            <a:ext cx="10114280" cy="3415030"/>
           </a:xfrm>
           <a:prstGeom prst="rect">
             <a:avLst/>
@@ -33118,37 +33444,12 @@
           <a:p>
             <a:pPr indent="0"/>
             <a:r>
-              <a:rPr lang="zh-CN" altLang="en-US" sz="3600" b="1">
-                <a:solidFill>
-                  <a:schemeClr val="bg1"/>
-                </a:solidFill>
+              <a:rPr lang="en-US" altLang="zh-CN" sz="2400" b="0">
                 <a:latin typeface="宋体" panose="02010600030101010101" pitchFamily="2" charset="-122"/>
                 <a:ea typeface="宋体" panose="02010600030101010101" pitchFamily="2" charset="-122"/>
                 <a:cs typeface="宋体" panose="02010600030101010101" pitchFamily="2" charset="-122"/>
               </a:rPr>
-              <a:t>项目名称</a:t>
-            </a:r>
-            <a:endParaRPr lang="zh-CN" altLang="en-US" sz="3600" b="1">
-              <a:solidFill>
-                <a:schemeClr val="bg1"/>
-              </a:solidFill>
-              <a:latin typeface="宋体" panose="02010600030101010101" pitchFamily="2" charset="-122"/>
-              <a:ea typeface="宋体" panose="02010600030101010101" pitchFamily="2" charset="-122"/>
-              <a:cs typeface="宋体" panose="02010600030101010101" pitchFamily="2" charset="-122"/>
-            </a:endParaRPr>
-          </a:p>
-          <a:p>
-            <a:pPr indent="0"/>
-            <a:r>
-              <a:rPr lang="zh-CN" altLang="en-US" sz="2400" b="1">
-                <a:solidFill>
-                  <a:schemeClr val="bg1"/>
-                </a:solidFill>
-                <a:latin typeface="宋体" panose="02010600030101010101" pitchFamily="2" charset="-122"/>
-                <a:ea typeface="宋体" panose="02010600030101010101" pitchFamily="2" charset="-122"/>
-                <a:cs typeface="宋体" panose="02010600030101010101" pitchFamily="2" charset="-122"/>
-              </a:rPr>
-              <a:t>软件工程系列课程教学辅助网站</a:t>
+              <a:t>	</a:t>
             </a:r>
             <a:endParaRPr lang="zh-CN" altLang="en-US" sz="2400" b="1">
               <a:solidFill>
@@ -33161,125 +33462,43 @@
           </a:p>
           <a:p>
             <a:pPr indent="0"/>
+            <a:r>
+              <a:rPr lang="zh-CN" altLang="en-US" sz="2400" b="1">
+                <a:solidFill>
+                  <a:schemeClr val="bg1"/>
+                </a:solidFill>
+                <a:latin typeface="宋体" panose="02010600030101010101" pitchFamily="2" charset="-122"/>
+                <a:ea typeface="宋体" panose="02010600030101010101" pitchFamily="2" charset="-122"/>
+                <a:cs typeface="宋体" panose="02010600030101010101" pitchFamily="2" charset="-122"/>
+              </a:rPr>
+              <a:t>软件工程系列课程教学辅助网站是由浙江大学城市学院杨枨老师委托我们开发的管理网站，主要功能是</a:t>
+            </a:r>
+            <a:r>
+              <a:rPr lang="zh-CN" altLang="en-US" sz="2400" b="1">
+                <a:solidFill>
+                  <a:srgbClr val="FF0000"/>
+                </a:solidFill>
+                <a:latin typeface="宋体" panose="02010600030101010101" pitchFamily="2" charset="-122"/>
+                <a:ea typeface="宋体" panose="02010600030101010101" pitchFamily="2" charset="-122"/>
+                <a:cs typeface="宋体" panose="02010600030101010101" pitchFamily="2" charset="-122"/>
+              </a:rPr>
+              <a:t>辅助学生的日常课程</a:t>
+            </a:r>
+            <a:r>
+              <a:rPr lang="zh-CN" altLang="en-US" sz="2400" b="1">
+                <a:solidFill>
+                  <a:schemeClr val="bg1"/>
+                </a:solidFill>
+                <a:latin typeface="宋体" panose="02010600030101010101" pitchFamily="2" charset="-122"/>
+                <a:ea typeface="宋体" panose="02010600030101010101" pitchFamily="2" charset="-122"/>
+                <a:cs typeface="宋体" panose="02010600030101010101" pitchFamily="2" charset="-122"/>
+              </a:rPr>
+              <a:t>，学生通过计算机同学校课程中心相连，既可以得到有关学习资料，又可以让老师跟踪学生的学习情况，从而调整教学进度；为了使软件工程专业的同学能够有一个比较好的学习辅助的平台，能够获得更好的获取学习资源和教学辅助的资料，并且与任课教师和同时学习的同学有更好的交流，计划完成这样一个“软件工程系列课程教学辅助网站”，能够通过网上的学习渠道，将软件工程专业需要学习的课程进行线上教学。</a:t>
+            </a:r>
             <a:endParaRPr lang="zh-CN" altLang="en-US" sz="2400" b="1">
               <a:solidFill>
                 <a:schemeClr val="bg1"/>
               </a:solidFill>
-              <a:latin typeface="宋体" panose="02010600030101010101" pitchFamily="2" charset="-122"/>
-              <a:ea typeface="宋体" panose="02010600030101010101" pitchFamily="2" charset="-122"/>
-              <a:cs typeface="宋体" panose="02010600030101010101" pitchFamily="2" charset="-122"/>
-            </a:endParaRPr>
-          </a:p>
-          <a:p>
-            <a:pPr indent="0"/>
-            <a:r>
-              <a:rPr lang="zh-CN" altLang="en-US" sz="3600" b="1">
-                <a:solidFill>
-                  <a:schemeClr val="bg1"/>
-                </a:solidFill>
-                <a:latin typeface="宋体" panose="02010600030101010101" pitchFamily="2" charset="-122"/>
-                <a:ea typeface="宋体" panose="02010600030101010101" pitchFamily="2" charset="-122"/>
-                <a:cs typeface="宋体" panose="02010600030101010101" pitchFamily="2" charset="-122"/>
-              </a:rPr>
-              <a:t>项目提出者</a:t>
-            </a:r>
-            <a:endParaRPr lang="zh-CN" altLang="en-US" sz="3600" b="1">
-              <a:solidFill>
-                <a:schemeClr val="bg1"/>
-              </a:solidFill>
-              <a:latin typeface="宋体" panose="02010600030101010101" pitchFamily="2" charset="-122"/>
-              <a:ea typeface="宋体" panose="02010600030101010101" pitchFamily="2" charset="-122"/>
-              <a:cs typeface="宋体" panose="02010600030101010101" pitchFamily="2" charset="-122"/>
-            </a:endParaRPr>
-          </a:p>
-          <a:p>
-            <a:pPr indent="0"/>
-            <a:r>
-              <a:rPr lang="zh-CN" altLang="en-US" sz="2400" b="1">
-                <a:solidFill>
-                  <a:schemeClr val="bg1"/>
-                </a:solidFill>
-                <a:latin typeface="宋体" panose="02010600030101010101" pitchFamily="2" charset="-122"/>
-                <a:ea typeface="宋体" panose="02010600030101010101" pitchFamily="2" charset="-122"/>
-                <a:cs typeface="宋体" panose="02010600030101010101" pitchFamily="2" charset="-122"/>
-              </a:rPr>
-              <a:t>杨枨老师</a:t>
-            </a:r>
-            <a:endParaRPr lang="zh-CN" altLang="en-US" sz="2400" b="1">
-              <a:solidFill>
-                <a:schemeClr val="bg1"/>
-              </a:solidFill>
-              <a:latin typeface="宋体" panose="02010600030101010101" pitchFamily="2" charset="-122"/>
-              <a:ea typeface="宋体" panose="02010600030101010101" pitchFamily="2" charset="-122"/>
-              <a:cs typeface="宋体" panose="02010600030101010101" pitchFamily="2" charset="-122"/>
-            </a:endParaRPr>
-          </a:p>
-          <a:p>
-            <a:pPr indent="0"/>
-            <a:endParaRPr lang="zh-CN" altLang="en-US" sz="3600" b="1">
-              <a:solidFill>
-                <a:schemeClr val="bg1"/>
-              </a:solidFill>
-              <a:latin typeface="宋体" panose="02010600030101010101" pitchFamily="2" charset="-122"/>
-              <a:ea typeface="宋体" panose="02010600030101010101" pitchFamily="2" charset="-122"/>
-              <a:cs typeface="宋体" panose="02010600030101010101" pitchFamily="2" charset="-122"/>
-            </a:endParaRPr>
-          </a:p>
-          <a:p>
-            <a:pPr indent="0"/>
-            <a:r>
-              <a:rPr lang="zh-CN" altLang="en-US" sz="3600" b="1">
-                <a:solidFill>
-                  <a:schemeClr val="bg1"/>
-                </a:solidFill>
-                <a:latin typeface="宋体" panose="02010600030101010101" pitchFamily="2" charset="-122"/>
-                <a:ea typeface="宋体" panose="02010600030101010101" pitchFamily="2" charset="-122"/>
-                <a:cs typeface="宋体" panose="02010600030101010101" pitchFamily="2" charset="-122"/>
-              </a:rPr>
-              <a:t>项目承担单位</a:t>
-            </a:r>
-            <a:endParaRPr lang="zh-CN" altLang="en-US" sz="3600" b="1">
-              <a:solidFill>
-                <a:schemeClr val="bg1"/>
-              </a:solidFill>
-              <a:latin typeface="宋体" panose="02010600030101010101" pitchFamily="2" charset="-122"/>
-              <a:ea typeface="宋体" panose="02010600030101010101" pitchFamily="2" charset="-122"/>
-              <a:cs typeface="宋体" panose="02010600030101010101" pitchFamily="2" charset="-122"/>
-            </a:endParaRPr>
-          </a:p>
-          <a:p>
-            <a:pPr indent="0"/>
-            <a:r>
-              <a:rPr lang="zh-CN" altLang="en-US" sz="2400" b="1">
-                <a:solidFill>
-                  <a:schemeClr val="bg1"/>
-                </a:solidFill>
-                <a:latin typeface="宋体" panose="02010600030101010101" pitchFamily="2" charset="-122"/>
-                <a:ea typeface="宋体" panose="02010600030101010101" pitchFamily="2" charset="-122"/>
-                <a:cs typeface="宋体" panose="02010600030101010101" pitchFamily="2" charset="-122"/>
-              </a:rPr>
-              <a:t>G3小组</a:t>
-            </a:r>
-            <a:endParaRPr lang="zh-CN" altLang="en-US" sz="2400" b="1">
-              <a:solidFill>
-                <a:schemeClr val="bg1"/>
-              </a:solidFill>
-              <a:latin typeface="宋体" panose="02010600030101010101" pitchFamily="2" charset="-122"/>
-              <a:ea typeface="宋体" panose="02010600030101010101" pitchFamily="2" charset="-122"/>
-              <a:cs typeface="宋体" panose="02010600030101010101" pitchFamily="2" charset="-122"/>
-            </a:endParaRPr>
-          </a:p>
-          <a:p>
-            <a:pPr indent="0"/>
-            <a:r>
-              <a:rPr lang="en-US" altLang="zh-CN" sz="2400" b="1">
-                <a:latin typeface="宋体" panose="02010600030101010101" pitchFamily="2" charset="-122"/>
-                <a:ea typeface="宋体" panose="02010600030101010101" pitchFamily="2" charset="-122"/>
-                <a:cs typeface="宋体" panose="02010600030101010101" pitchFamily="2" charset="-122"/>
-              </a:rPr>
-              <a:t>	</a:t>
-            </a:r>
-            <a:endParaRPr lang="en-US" altLang="zh-CN" sz="2400" b="1">
               <a:latin typeface="宋体" panose="02010600030101010101" pitchFamily="2" charset="-122"/>
               <a:ea typeface="宋体" panose="02010600030101010101" pitchFamily="2" charset="-122"/>
               <a:cs typeface="宋体" panose="02010600030101010101" pitchFamily="2" charset="-122"/>
@@ -39099,10 +39318,6 @@
           </a:bodyPr>
           <a:p>
             <a:r>
-              <a:rPr lang="en-US" altLang="zh-CN" sz="2800" b="1"/>
-              <a:t>	</a:t>
-            </a:r>
-            <a:r>
               <a:rPr lang="zh-CN" altLang="en-US" sz="2800" b="1">
                 <a:solidFill>
                   <a:schemeClr val="bg1"/>
@@ -39117,14 +39332,6 @@
             </a:endParaRPr>
           </a:p>
           <a:p>
-            <a:r>
-              <a:rPr lang="en-US" altLang="zh-CN" sz="2800" b="1">
-                <a:solidFill>
-                  <a:schemeClr val="bg1"/>
-                </a:solidFill>
-              </a:rPr>
-              <a:t>	</a:t>
-            </a:r>
             <a:r>
               <a:rPr lang="zh-CN" altLang="en-US" sz="2800" b="1">
                 <a:solidFill>
